--- a/Figures-from-yi.pptx
+++ b/Figures-from-yi.pptx
@@ -11,6 +11,7 @@
     <p:sldId id="257" r:id="rId5"/>
     <p:sldId id="260" r:id="rId6"/>
     <p:sldId id="261" r:id="rId7"/>
+    <p:sldId id="262" r:id="rId8"/>
   </p:sldIdLst>
   <p:sldSz cx="12192000" cy="6858000"/>
   <p:notesSz cx="6858000" cy="9144000"/>
@@ -264,7 +265,7 @@
           <a:p>
             <a:fld id="{9BED4BE8-31C7-403D-911A-3E727E0E58BF}" type="datetimeFigureOut">
               <a:rPr lang="en-US" smtClean="0"/>
-              <a:t>8/20/2021</a:t>
+              <a:t>8/21/2021</a:t>
             </a:fld>
             <a:endParaRPr lang="en-US" dirty="0"/>
           </a:p>
@@ -462,7 +463,7 @@
           <a:p>
             <a:fld id="{9BED4BE8-31C7-403D-911A-3E727E0E58BF}" type="datetimeFigureOut">
               <a:rPr lang="en-US" smtClean="0"/>
-              <a:t>8/20/2021</a:t>
+              <a:t>8/21/2021</a:t>
             </a:fld>
             <a:endParaRPr lang="en-US" dirty="0"/>
           </a:p>
@@ -670,7 +671,7 @@
           <a:p>
             <a:fld id="{9BED4BE8-31C7-403D-911A-3E727E0E58BF}" type="datetimeFigureOut">
               <a:rPr lang="en-US" smtClean="0"/>
-              <a:t>8/20/2021</a:t>
+              <a:t>8/21/2021</a:t>
             </a:fld>
             <a:endParaRPr lang="en-US" dirty="0"/>
           </a:p>
@@ -868,7 +869,7 @@
           <a:p>
             <a:fld id="{9BED4BE8-31C7-403D-911A-3E727E0E58BF}" type="datetimeFigureOut">
               <a:rPr lang="en-US" smtClean="0"/>
-              <a:t>8/20/2021</a:t>
+              <a:t>8/21/2021</a:t>
             </a:fld>
             <a:endParaRPr lang="en-US" dirty="0"/>
           </a:p>
@@ -1143,7 +1144,7 @@
           <a:p>
             <a:fld id="{9BED4BE8-31C7-403D-911A-3E727E0E58BF}" type="datetimeFigureOut">
               <a:rPr lang="en-US" smtClean="0"/>
-              <a:t>8/20/2021</a:t>
+              <a:t>8/21/2021</a:t>
             </a:fld>
             <a:endParaRPr lang="en-US" dirty="0"/>
           </a:p>
@@ -1408,7 +1409,7 @@
           <a:p>
             <a:fld id="{9BED4BE8-31C7-403D-911A-3E727E0E58BF}" type="datetimeFigureOut">
               <a:rPr lang="en-US" smtClean="0"/>
-              <a:t>8/20/2021</a:t>
+              <a:t>8/21/2021</a:t>
             </a:fld>
             <a:endParaRPr lang="en-US" dirty="0"/>
           </a:p>
@@ -1820,7 +1821,7 @@
           <a:p>
             <a:fld id="{9BED4BE8-31C7-403D-911A-3E727E0E58BF}" type="datetimeFigureOut">
               <a:rPr lang="en-US" smtClean="0"/>
-              <a:t>8/20/2021</a:t>
+              <a:t>8/21/2021</a:t>
             </a:fld>
             <a:endParaRPr lang="en-US" dirty="0"/>
           </a:p>
@@ -1961,7 +1962,7 @@
           <a:p>
             <a:fld id="{9BED4BE8-31C7-403D-911A-3E727E0E58BF}" type="datetimeFigureOut">
               <a:rPr lang="en-US" smtClean="0"/>
-              <a:t>8/20/2021</a:t>
+              <a:t>8/21/2021</a:t>
             </a:fld>
             <a:endParaRPr lang="en-US" dirty="0"/>
           </a:p>
@@ -2074,7 +2075,7 @@
           <a:p>
             <a:fld id="{9BED4BE8-31C7-403D-911A-3E727E0E58BF}" type="datetimeFigureOut">
               <a:rPr lang="en-US" smtClean="0"/>
-              <a:t>8/20/2021</a:t>
+              <a:t>8/21/2021</a:t>
             </a:fld>
             <a:endParaRPr lang="en-US" dirty="0"/>
           </a:p>
@@ -2385,7 +2386,7 @@
           <a:p>
             <a:fld id="{9BED4BE8-31C7-403D-911A-3E727E0E58BF}" type="datetimeFigureOut">
               <a:rPr lang="en-US" smtClean="0"/>
-              <a:t>8/20/2021</a:t>
+              <a:t>8/21/2021</a:t>
             </a:fld>
             <a:endParaRPr lang="en-US" dirty="0"/>
           </a:p>
@@ -2673,7 +2674,7 @@
           <a:p>
             <a:fld id="{9BED4BE8-31C7-403D-911A-3E727E0E58BF}" type="datetimeFigureOut">
               <a:rPr lang="en-US" smtClean="0"/>
-              <a:t>8/20/2021</a:t>
+              <a:t>8/21/2021</a:t>
             </a:fld>
             <a:endParaRPr lang="en-US" dirty="0"/>
           </a:p>
@@ -2914,7 +2915,7 @@
           <a:p>
             <a:fld id="{9BED4BE8-31C7-403D-911A-3E727E0E58BF}" type="datetimeFigureOut">
               <a:rPr lang="en-US" smtClean="0"/>
-              <a:t>8/20/2021</a:t>
+              <a:t>8/21/2021</a:t>
             </a:fld>
             <a:endParaRPr lang="en-US" dirty="0"/>
           </a:p>
@@ -24670,11 +24671,11 @@
           <a:lstStyle/>
           <a:p>
             <a:r>
-              <a:rPr lang="en-US" dirty="0" err="1"/>
+              <a:rPr lang="en-US" dirty="0"/>
               <a:t>V</a:t>
             </a:r>
             <a:r>
-              <a:rPr lang="en-US" sz="1050" dirty="0" err="1"/>
+              <a:rPr lang="en-US" sz="1050" dirty="0"/>
               <a:t>subtree</a:t>
             </a:r>
             <a:endParaRPr lang="en-US" sz="1400" dirty="0"/>
@@ -28170,7 +28171,7 @@
           <a:lstStyle/>
           <a:p>
             <a:pPr algn="ctr"/>
-            <a:endParaRPr lang="en-US"/>
+            <a:endParaRPr lang="en-US" dirty="0"/>
           </a:p>
         </p:txBody>
       </p:sp>
@@ -28178,6 +28179,6481 @@
     <p:extLst>
       <p:ext uri="{BB962C8B-B14F-4D97-AF65-F5344CB8AC3E}">
         <p14:creationId xmlns:p14="http://schemas.microsoft.com/office/powerpoint/2010/main" val="4094718952"/>
+      </p:ext>
+    </p:extLst>
+  </p:cSld>
+  <p:clrMapOvr>
+    <a:masterClrMapping/>
+  </p:clrMapOvr>
+</p:sld>
+</file>
+
+<file path=ppt/slides/slide7.xml><?xml version="1.0" encoding="utf-8"?>
+<p:sld xmlns:a="http://schemas.openxmlformats.org/drawingml/2006/main" xmlns:r="http://schemas.openxmlformats.org/officeDocument/2006/relationships" xmlns:p="http://schemas.openxmlformats.org/presentationml/2006/main">
+  <p:cSld>
+    <p:spTree>
+      <p:nvGrpSpPr>
+        <p:cNvPr id="1" name=""/>
+        <p:cNvGrpSpPr/>
+        <p:nvPr/>
+      </p:nvGrpSpPr>
+      <p:grpSpPr>
+        <a:xfrm>
+          <a:off x="0" y="0"/>
+          <a:ext cx="0" cy="0"/>
+          <a:chOff x="0" y="0"/>
+          <a:chExt cx="0" cy="0"/>
+        </a:xfrm>
+      </p:grpSpPr>
+      <p:sp>
+        <p:nvSpPr>
+          <p:cNvPr id="2" name="Rectangle: Rounded Corners 1">
+            <a:extLst>
+              <a:ext uri="{FF2B5EF4-FFF2-40B4-BE49-F238E27FC236}">
+                <a16:creationId xmlns:a16="http://schemas.microsoft.com/office/drawing/2014/main" id="{8C7ED7C0-58D8-4F32-8643-47F831F9017C}"/>
+              </a:ext>
+            </a:extLst>
+          </p:cNvPr>
+          <p:cNvSpPr/>
+          <p:nvPr/>
+        </p:nvSpPr>
+        <p:spPr>
+          <a:xfrm>
+            <a:off x="3561805" y="1349829"/>
+            <a:ext cx="296092" cy="1532708"/>
+          </a:xfrm>
+          <a:prstGeom prst="roundRect">
+            <a:avLst/>
+          </a:prstGeom>
+          <a:solidFill>
+            <a:schemeClr val="accent2">
+              <a:lumMod val="20000"/>
+              <a:lumOff val="80000"/>
+            </a:schemeClr>
+          </a:solidFill>
+          <a:ln>
+            <a:solidFill>
+              <a:schemeClr val="accent2">
+                <a:lumMod val="75000"/>
+              </a:schemeClr>
+            </a:solidFill>
+          </a:ln>
+        </p:spPr>
+        <p:style>
+          <a:lnRef idx="2">
+            <a:schemeClr val="accent1">
+              <a:shade val="50000"/>
+            </a:schemeClr>
+          </a:lnRef>
+          <a:fillRef idx="1">
+            <a:schemeClr val="accent1"/>
+          </a:fillRef>
+          <a:effectRef idx="0">
+            <a:schemeClr val="accent1"/>
+          </a:effectRef>
+          <a:fontRef idx="minor">
+            <a:schemeClr val="lt1"/>
+          </a:fontRef>
+        </p:style>
+        <p:txBody>
+          <a:bodyPr rtlCol="0" anchor="ctr"/>
+          <a:lstStyle/>
+          <a:p>
+            <a:pPr algn="ctr"/>
+            <a:endParaRPr lang="en-US" dirty="0"/>
+          </a:p>
+        </p:txBody>
+      </p:sp>
+      <p:sp>
+        <p:nvSpPr>
+          <p:cNvPr id="3" name="Rectangle: Rounded Corners 2">
+            <a:extLst>
+              <a:ext uri="{FF2B5EF4-FFF2-40B4-BE49-F238E27FC236}">
+                <a16:creationId xmlns:a16="http://schemas.microsoft.com/office/drawing/2014/main" id="{6783B3B7-E29C-46E9-BB8B-5318A10A2049}"/>
+              </a:ext>
+            </a:extLst>
+          </p:cNvPr>
+          <p:cNvSpPr/>
+          <p:nvPr/>
+        </p:nvSpPr>
+        <p:spPr>
+          <a:xfrm>
+            <a:off x="3561805" y="4119155"/>
+            <a:ext cx="296092" cy="1532708"/>
+          </a:xfrm>
+          <a:prstGeom prst="roundRect">
+            <a:avLst/>
+          </a:prstGeom>
+          <a:solidFill>
+            <a:schemeClr val="accent2">
+              <a:lumMod val="20000"/>
+              <a:lumOff val="80000"/>
+            </a:schemeClr>
+          </a:solidFill>
+          <a:ln>
+            <a:solidFill>
+              <a:schemeClr val="accent2">
+                <a:lumMod val="75000"/>
+              </a:schemeClr>
+            </a:solidFill>
+          </a:ln>
+        </p:spPr>
+        <p:style>
+          <a:lnRef idx="2">
+            <a:schemeClr val="accent1">
+              <a:shade val="50000"/>
+            </a:schemeClr>
+          </a:lnRef>
+          <a:fillRef idx="1">
+            <a:schemeClr val="accent1"/>
+          </a:fillRef>
+          <a:effectRef idx="0">
+            <a:schemeClr val="accent1"/>
+          </a:effectRef>
+          <a:fontRef idx="minor">
+            <a:schemeClr val="lt1"/>
+          </a:fontRef>
+        </p:style>
+        <p:txBody>
+          <a:bodyPr rtlCol="0" anchor="ctr"/>
+          <a:lstStyle/>
+          <a:p>
+            <a:pPr algn="ctr"/>
+            <a:endParaRPr lang="en-US" dirty="0"/>
+          </a:p>
+        </p:txBody>
+      </p:sp>
+      <p:sp>
+        <p:nvSpPr>
+          <p:cNvPr id="4" name="Rectangle: Rounded Corners 3">
+            <a:extLst>
+              <a:ext uri="{FF2B5EF4-FFF2-40B4-BE49-F238E27FC236}">
+                <a16:creationId xmlns:a16="http://schemas.microsoft.com/office/drawing/2014/main" id="{485176E4-3183-47C4-AEC9-0DBAAFB0BB40}"/>
+              </a:ext>
+            </a:extLst>
+          </p:cNvPr>
+          <p:cNvSpPr/>
+          <p:nvPr/>
+        </p:nvSpPr>
+        <p:spPr>
+          <a:xfrm>
+            <a:off x="4258491" y="1349829"/>
+            <a:ext cx="296092" cy="1532708"/>
+          </a:xfrm>
+          <a:prstGeom prst="roundRect">
+            <a:avLst/>
+          </a:prstGeom>
+          <a:solidFill>
+            <a:schemeClr val="accent5">
+              <a:lumMod val="20000"/>
+              <a:lumOff val="80000"/>
+            </a:schemeClr>
+          </a:solidFill>
+          <a:ln>
+            <a:solidFill>
+              <a:schemeClr val="accent5">
+                <a:lumMod val="75000"/>
+              </a:schemeClr>
+            </a:solidFill>
+          </a:ln>
+        </p:spPr>
+        <p:style>
+          <a:lnRef idx="2">
+            <a:schemeClr val="accent1">
+              <a:shade val="50000"/>
+            </a:schemeClr>
+          </a:lnRef>
+          <a:fillRef idx="1">
+            <a:schemeClr val="accent1"/>
+          </a:fillRef>
+          <a:effectRef idx="0">
+            <a:schemeClr val="accent1"/>
+          </a:effectRef>
+          <a:fontRef idx="minor">
+            <a:schemeClr val="lt1"/>
+          </a:fontRef>
+        </p:style>
+        <p:txBody>
+          <a:bodyPr rtlCol="0" anchor="ctr"/>
+          <a:lstStyle/>
+          <a:p>
+            <a:pPr algn="ctr"/>
+            <a:endParaRPr lang="en-US" dirty="0"/>
+          </a:p>
+        </p:txBody>
+      </p:sp>
+      <p:sp>
+        <p:nvSpPr>
+          <p:cNvPr id="5" name="Rectangle: Rounded Corners 4">
+            <a:extLst>
+              <a:ext uri="{FF2B5EF4-FFF2-40B4-BE49-F238E27FC236}">
+                <a16:creationId xmlns:a16="http://schemas.microsoft.com/office/drawing/2014/main" id="{B9FB615E-6409-4A21-A76E-2EA9DB267CA1}"/>
+              </a:ext>
+            </a:extLst>
+          </p:cNvPr>
+          <p:cNvSpPr/>
+          <p:nvPr/>
+        </p:nvSpPr>
+        <p:spPr>
+          <a:xfrm>
+            <a:off x="4258491" y="4119155"/>
+            <a:ext cx="296092" cy="1532708"/>
+          </a:xfrm>
+          <a:prstGeom prst="roundRect">
+            <a:avLst/>
+          </a:prstGeom>
+          <a:solidFill>
+            <a:schemeClr val="accent5">
+              <a:lumMod val="20000"/>
+              <a:lumOff val="80000"/>
+            </a:schemeClr>
+          </a:solidFill>
+          <a:ln>
+            <a:solidFill>
+              <a:schemeClr val="accent5">
+                <a:lumMod val="75000"/>
+              </a:schemeClr>
+            </a:solidFill>
+          </a:ln>
+        </p:spPr>
+        <p:style>
+          <a:lnRef idx="2">
+            <a:schemeClr val="accent1">
+              <a:shade val="50000"/>
+            </a:schemeClr>
+          </a:lnRef>
+          <a:fillRef idx="1">
+            <a:schemeClr val="accent1"/>
+          </a:fillRef>
+          <a:effectRef idx="0">
+            <a:schemeClr val="accent1"/>
+          </a:effectRef>
+          <a:fontRef idx="minor">
+            <a:schemeClr val="lt1"/>
+          </a:fontRef>
+        </p:style>
+        <p:txBody>
+          <a:bodyPr rtlCol="0" anchor="ctr"/>
+          <a:lstStyle/>
+          <a:p>
+            <a:pPr algn="ctr"/>
+            <a:endParaRPr lang="en-US" dirty="0"/>
+          </a:p>
+        </p:txBody>
+      </p:sp>
+      <p:sp>
+        <p:nvSpPr>
+          <p:cNvPr id="6" name="Rectangle: Rounded Corners 5">
+            <a:extLst>
+              <a:ext uri="{FF2B5EF4-FFF2-40B4-BE49-F238E27FC236}">
+                <a16:creationId xmlns:a16="http://schemas.microsoft.com/office/drawing/2014/main" id="{0589A7CD-33CE-4B02-B79E-FEC0CF851905}"/>
+              </a:ext>
+            </a:extLst>
+          </p:cNvPr>
+          <p:cNvSpPr/>
+          <p:nvPr/>
+        </p:nvSpPr>
+        <p:spPr>
+          <a:xfrm>
+            <a:off x="4955177" y="1349829"/>
+            <a:ext cx="296092" cy="1532708"/>
+          </a:xfrm>
+          <a:prstGeom prst="roundRect">
+            <a:avLst/>
+          </a:prstGeom>
+          <a:solidFill>
+            <a:schemeClr val="accent2">
+              <a:lumMod val="20000"/>
+              <a:lumOff val="80000"/>
+            </a:schemeClr>
+          </a:solidFill>
+          <a:ln>
+            <a:solidFill>
+              <a:schemeClr val="accent2">
+                <a:lumMod val="75000"/>
+              </a:schemeClr>
+            </a:solidFill>
+          </a:ln>
+        </p:spPr>
+        <p:style>
+          <a:lnRef idx="2">
+            <a:schemeClr val="accent1">
+              <a:shade val="50000"/>
+            </a:schemeClr>
+          </a:lnRef>
+          <a:fillRef idx="1">
+            <a:schemeClr val="accent1"/>
+          </a:fillRef>
+          <a:effectRef idx="0">
+            <a:schemeClr val="accent1"/>
+          </a:effectRef>
+          <a:fontRef idx="minor">
+            <a:schemeClr val="lt1"/>
+          </a:fontRef>
+        </p:style>
+        <p:txBody>
+          <a:bodyPr rtlCol="0" anchor="ctr"/>
+          <a:lstStyle/>
+          <a:p>
+            <a:pPr algn="ctr"/>
+            <a:endParaRPr lang="en-US" dirty="0"/>
+          </a:p>
+        </p:txBody>
+      </p:sp>
+      <p:sp>
+        <p:nvSpPr>
+          <p:cNvPr id="7" name="Rectangle: Rounded Corners 6">
+            <a:extLst>
+              <a:ext uri="{FF2B5EF4-FFF2-40B4-BE49-F238E27FC236}">
+                <a16:creationId xmlns:a16="http://schemas.microsoft.com/office/drawing/2014/main" id="{0DDB5930-7671-4E34-8742-87627BA35555}"/>
+              </a:ext>
+            </a:extLst>
+          </p:cNvPr>
+          <p:cNvSpPr/>
+          <p:nvPr/>
+        </p:nvSpPr>
+        <p:spPr>
+          <a:xfrm>
+            <a:off x="4955177" y="4119155"/>
+            <a:ext cx="296092" cy="1532708"/>
+          </a:xfrm>
+          <a:prstGeom prst="roundRect">
+            <a:avLst/>
+          </a:prstGeom>
+          <a:solidFill>
+            <a:schemeClr val="accent2">
+              <a:lumMod val="20000"/>
+              <a:lumOff val="80000"/>
+            </a:schemeClr>
+          </a:solidFill>
+          <a:ln>
+            <a:solidFill>
+              <a:schemeClr val="accent2">
+                <a:lumMod val="75000"/>
+              </a:schemeClr>
+            </a:solidFill>
+          </a:ln>
+        </p:spPr>
+        <p:style>
+          <a:lnRef idx="2">
+            <a:schemeClr val="accent1">
+              <a:shade val="50000"/>
+            </a:schemeClr>
+          </a:lnRef>
+          <a:fillRef idx="1">
+            <a:schemeClr val="accent1"/>
+          </a:fillRef>
+          <a:effectRef idx="0">
+            <a:schemeClr val="accent1"/>
+          </a:effectRef>
+          <a:fontRef idx="minor">
+            <a:schemeClr val="lt1"/>
+          </a:fontRef>
+        </p:style>
+        <p:txBody>
+          <a:bodyPr rtlCol="0" anchor="ctr"/>
+          <a:lstStyle/>
+          <a:p>
+            <a:pPr algn="ctr"/>
+            <a:endParaRPr lang="en-US" dirty="0"/>
+          </a:p>
+        </p:txBody>
+      </p:sp>
+      <p:sp>
+        <p:nvSpPr>
+          <p:cNvPr id="8" name="Rectangle: Rounded Corners 7">
+            <a:extLst>
+              <a:ext uri="{FF2B5EF4-FFF2-40B4-BE49-F238E27FC236}">
+                <a16:creationId xmlns:a16="http://schemas.microsoft.com/office/drawing/2014/main" id="{7AC0897E-9CD7-47F3-95F4-75761D395AF7}"/>
+              </a:ext>
+            </a:extLst>
+          </p:cNvPr>
+          <p:cNvSpPr/>
+          <p:nvPr/>
+        </p:nvSpPr>
+        <p:spPr>
+          <a:xfrm>
+            <a:off x="5651863" y="1349829"/>
+            <a:ext cx="296092" cy="1532708"/>
+          </a:xfrm>
+          <a:prstGeom prst="roundRect">
+            <a:avLst/>
+          </a:prstGeom>
+          <a:solidFill>
+            <a:schemeClr val="accent5">
+              <a:lumMod val="20000"/>
+              <a:lumOff val="80000"/>
+            </a:schemeClr>
+          </a:solidFill>
+          <a:ln>
+            <a:solidFill>
+              <a:schemeClr val="accent5">
+                <a:lumMod val="75000"/>
+              </a:schemeClr>
+            </a:solidFill>
+          </a:ln>
+        </p:spPr>
+        <p:style>
+          <a:lnRef idx="2">
+            <a:schemeClr val="accent1">
+              <a:shade val="50000"/>
+            </a:schemeClr>
+          </a:lnRef>
+          <a:fillRef idx="1">
+            <a:schemeClr val="accent1"/>
+          </a:fillRef>
+          <a:effectRef idx="0">
+            <a:schemeClr val="accent1"/>
+          </a:effectRef>
+          <a:fontRef idx="minor">
+            <a:schemeClr val="lt1"/>
+          </a:fontRef>
+        </p:style>
+        <p:txBody>
+          <a:bodyPr rtlCol="0" anchor="ctr"/>
+          <a:lstStyle/>
+          <a:p>
+            <a:pPr algn="ctr"/>
+            <a:endParaRPr lang="en-US" dirty="0"/>
+          </a:p>
+        </p:txBody>
+      </p:sp>
+      <p:sp>
+        <p:nvSpPr>
+          <p:cNvPr id="9" name="Rectangle: Rounded Corners 8">
+            <a:extLst>
+              <a:ext uri="{FF2B5EF4-FFF2-40B4-BE49-F238E27FC236}">
+                <a16:creationId xmlns:a16="http://schemas.microsoft.com/office/drawing/2014/main" id="{F42AC629-9F29-4BC2-860E-512FDD766654}"/>
+              </a:ext>
+            </a:extLst>
+          </p:cNvPr>
+          <p:cNvSpPr/>
+          <p:nvPr/>
+        </p:nvSpPr>
+        <p:spPr>
+          <a:xfrm>
+            <a:off x="5651863" y="4119155"/>
+            <a:ext cx="296092" cy="1532708"/>
+          </a:xfrm>
+          <a:prstGeom prst="roundRect">
+            <a:avLst/>
+          </a:prstGeom>
+          <a:solidFill>
+            <a:schemeClr val="accent5">
+              <a:lumMod val="20000"/>
+              <a:lumOff val="80000"/>
+            </a:schemeClr>
+          </a:solidFill>
+          <a:ln>
+            <a:solidFill>
+              <a:schemeClr val="accent5">
+                <a:lumMod val="75000"/>
+              </a:schemeClr>
+            </a:solidFill>
+          </a:ln>
+        </p:spPr>
+        <p:style>
+          <a:lnRef idx="2">
+            <a:schemeClr val="accent1">
+              <a:shade val="50000"/>
+            </a:schemeClr>
+          </a:lnRef>
+          <a:fillRef idx="1">
+            <a:schemeClr val="accent1"/>
+          </a:fillRef>
+          <a:effectRef idx="0">
+            <a:schemeClr val="accent1"/>
+          </a:effectRef>
+          <a:fontRef idx="minor">
+            <a:schemeClr val="lt1"/>
+          </a:fontRef>
+        </p:style>
+        <p:txBody>
+          <a:bodyPr rtlCol="0" anchor="ctr"/>
+          <a:lstStyle/>
+          <a:p>
+            <a:pPr algn="ctr"/>
+            <a:endParaRPr lang="en-US" dirty="0"/>
+          </a:p>
+        </p:txBody>
+      </p:sp>
+      <p:sp>
+        <p:nvSpPr>
+          <p:cNvPr id="10" name="Rectangle: Rounded Corners 9">
+            <a:extLst>
+              <a:ext uri="{FF2B5EF4-FFF2-40B4-BE49-F238E27FC236}">
+                <a16:creationId xmlns:a16="http://schemas.microsoft.com/office/drawing/2014/main" id="{D9BA3A38-C9BD-4F95-AA20-6F72A9D50E3A}"/>
+              </a:ext>
+            </a:extLst>
+          </p:cNvPr>
+          <p:cNvSpPr/>
+          <p:nvPr/>
+        </p:nvSpPr>
+        <p:spPr>
+          <a:xfrm>
+            <a:off x="7332618" y="1349829"/>
+            <a:ext cx="296092" cy="1532708"/>
+          </a:xfrm>
+          <a:prstGeom prst="roundRect">
+            <a:avLst/>
+          </a:prstGeom>
+          <a:solidFill>
+            <a:schemeClr val="accent2">
+              <a:lumMod val="20000"/>
+              <a:lumOff val="80000"/>
+            </a:schemeClr>
+          </a:solidFill>
+          <a:ln>
+            <a:solidFill>
+              <a:schemeClr val="accent2">
+                <a:lumMod val="75000"/>
+              </a:schemeClr>
+            </a:solidFill>
+          </a:ln>
+        </p:spPr>
+        <p:style>
+          <a:lnRef idx="2">
+            <a:schemeClr val="accent1">
+              <a:shade val="50000"/>
+            </a:schemeClr>
+          </a:lnRef>
+          <a:fillRef idx="1">
+            <a:schemeClr val="accent1"/>
+          </a:fillRef>
+          <a:effectRef idx="0">
+            <a:schemeClr val="accent1"/>
+          </a:effectRef>
+          <a:fontRef idx="minor">
+            <a:schemeClr val="lt1"/>
+          </a:fontRef>
+        </p:style>
+        <p:txBody>
+          <a:bodyPr rtlCol="0" anchor="ctr"/>
+          <a:lstStyle/>
+          <a:p>
+            <a:pPr algn="ctr"/>
+            <a:endParaRPr lang="en-US" dirty="0"/>
+          </a:p>
+        </p:txBody>
+      </p:sp>
+      <p:sp>
+        <p:nvSpPr>
+          <p:cNvPr id="11" name="Rectangle: Rounded Corners 10">
+            <a:extLst>
+              <a:ext uri="{FF2B5EF4-FFF2-40B4-BE49-F238E27FC236}">
+                <a16:creationId xmlns:a16="http://schemas.microsoft.com/office/drawing/2014/main" id="{3D3A9798-2C55-4928-961A-23C638119EFF}"/>
+              </a:ext>
+            </a:extLst>
+          </p:cNvPr>
+          <p:cNvSpPr/>
+          <p:nvPr/>
+        </p:nvSpPr>
+        <p:spPr>
+          <a:xfrm>
+            <a:off x="7332618" y="4119155"/>
+            <a:ext cx="296092" cy="1532708"/>
+          </a:xfrm>
+          <a:prstGeom prst="roundRect">
+            <a:avLst/>
+          </a:prstGeom>
+          <a:solidFill>
+            <a:schemeClr val="accent2">
+              <a:lumMod val="20000"/>
+              <a:lumOff val="80000"/>
+            </a:schemeClr>
+          </a:solidFill>
+          <a:ln>
+            <a:solidFill>
+              <a:schemeClr val="accent2">
+                <a:lumMod val="75000"/>
+              </a:schemeClr>
+            </a:solidFill>
+          </a:ln>
+        </p:spPr>
+        <p:style>
+          <a:lnRef idx="2">
+            <a:schemeClr val="accent1">
+              <a:shade val="50000"/>
+            </a:schemeClr>
+          </a:lnRef>
+          <a:fillRef idx="1">
+            <a:schemeClr val="accent1"/>
+          </a:fillRef>
+          <a:effectRef idx="0">
+            <a:schemeClr val="accent1"/>
+          </a:effectRef>
+          <a:fontRef idx="minor">
+            <a:schemeClr val="lt1"/>
+          </a:fontRef>
+        </p:style>
+        <p:txBody>
+          <a:bodyPr rtlCol="0" anchor="ctr"/>
+          <a:lstStyle/>
+          <a:p>
+            <a:pPr algn="ctr"/>
+            <a:endParaRPr lang="en-US" dirty="0"/>
+          </a:p>
+        </p:txBody>
+      </p:sp>
+      <p:sp>
+        <p:nvSpPr>
+          <p:cNvPr id="12" name="Rectangle: Rounded Corners 11">
+            <a:extLst>
+              <a:ext uri="{FF2B5EF4-FFF2-40B4-BE49-F238E27FC236}">
+                <a16:creationId xmlns:a16="http://schemas.microsoft.com/office/drawing/2014/main" id="{DF0AFACB-C279-4F05-80F1-1A7D7C2F4C1A}"/>
+              </a:ext>
+            </a:extLst>
+          </p:cNvPr>
+          <p:cNvSpPr/>
+          <p:nvPr/>
+        </p:nvSpPr>
+        <p:spPr>
+          <a:xfrm>
+            <a:off x="8029304" y="1349829"/>
+            <a:ext cx="296092" cy="1532708"/>
+          </a:xfrm>
+          <a:prstGeom prst="roundRect">
+            <a:avLst/>
+          </a:prstGeom>
+          <a:solidFill>
+            <a:schemeClr val="accent5">
+              <a:lumMod val="20000"/>
+              <a:lumOff val="80000"/>
+            </a:schemeClr>
+          </a:solidFill>
+          <a:ln>
+            <a:solidFill>
+              <a:schemeClr val="accent5">
+                <a:lumMod val="75000"/>
+              </a:schemeClr>
+            </a:solidFill>
+          </a:ln>
+        </p:spPr>
+        <p:style>
+          <a:lnRef idx="2">
+            <a:schemeClr val="accent1">
+              <a:shade val="50000"/>
+            </a:schemeClr>
+          </a:lnRef>
+          <a:fillRef idx="1">
+            <a:schemeClr val="accent1"/>
+          </a:fillRef>
+          <a:effectRef idx="0">
+            <a:schemeClr val="accent1"/>
+          </a:effectRef>
+          <a:fontRef idx="minor">
+            <a:schemeClr val="lt1"/>
+          </a:fontRef>
+        </p:style>
+        <p:txBody>
+          <a:bodyPr rtlCol="0" anchor="ctr"/>
+          <a:lstStyle/>
+          <a:p>
+            <a:pPr algn="ctr"/>
+            <a:endParaRPr lang="en-US" dirty="0"/>
+          </a:p>
+        </p:txBody>
+      </p:sp>
+      <p:sp>
+        <p:nvSpPr>
+          <p:cNvPr id="13" name="Rectangle: Rounded Corners 12">
+            <a:extLst>
+              <a:ext uri="{FF2B5EF4-FFF2-40B4-BE49-F238E27FC236}">
+                <a16:creationId xmlns:a16="http://schemas.microsoft.com/office/drawing/2014/main" id="{5EF0FE16-159E-4362-8157-F2D8E8F4C371}"/>
+              </a:ext>
+            </a:extLst>
+          </p:cNvPr>
+          <p:cNvSpPr/>
+          <p:nvPr/>
+        </p:nvSpPr>
+        <p:spPr>
+          <a:xfrm>
+            <a:off x="8029304" y="4119155"/>
+            <a:ext cx="296092" cy="1532708"/>
+          </a:xfrm>
+          <a:prstGeom prst="roundRect">
+            <a:avLst/>
+          </a:prstGeom>
+          <a:solidFill>
+            <a:schemeClr val="accent5">
+              <a:lumMod val="20000"/>
+              <a:lumOff val="80000"/>
+            </a:schemeClr>
+          </a:solidFill>
+          <a:ln>
+            <a:solidFill>
+              <a:schemeClr val="accent5">
+                <a:lumMod val="75000"/>
+              </a:schemeClr>
+            </a:solidFill>
+          </a:ln>
+        </p:spPr>
+        <p:style>
+          <a:lnRef idx="2">
+            <a:schemeClr val="accent1">
+              <a:shade val="50000"/>
+            </a:schemeClr>
+          </a:lnRef>
+          <a:fillRef idx="1">
+            <a:schemeClr val="accent1"/>
+          </a:fillRef>
+          <a:effectRef idx="0">
+            <a:schemeClr val="accent1"/>
+          </a:effectRef>
+          <a:fontRef idx="minor">
+            <a:schemeClr val="lt1"/>
+          </a:fontRef>
+        </p:style>
+        <p:txBody>
+          <a:bodyPr rtlCol="0" anchor="ctr"/>
+          <a:lstStyle/>
+          <a:p>
+            <a:pPr algn="ctr"/>
+            <a:endParaRPr lang="en-US" dirty="0"/>
+          </a:p>
+        </p:txBody>
+      </p:sp>
+      <p:sp>
+        <p:nvSpPr>
+          <p:cNvPr id="14" name="Rectangle 13">
+            <a:extLst>
+              <a:ext uri="{FF2B5EF4-FFF2-40B4-BE49-F238E27FC236}">
+                <a16:creationId xmlns:a16="http://schemas.microsoft.com/office/drawing/2014/main" id="{87C40ECA-1A57-44D7-946C-AD55A697D8BF}"/>
+              </a:ext>
+            </a:extLst>
+          </p:cNvPr>
+          <p:cNvSpPr/>
+          <p:nvPr/>
+        </p:nvSpPr>
+        <p:spPr>
+          <a:xfrm>
+            <a:off x="4049485" y="3176451"/>
+            <a:ext cx="714103" cy="627017"/>
+          </a:xfrm>
+          <a:prstGeom prst="rect">
+            <a:avLst/>
+          </a:prstGeom>
+          <a:solidFill>
+            <a:schemeClr val="accent6">
+              <a:lumMod val="20000"/>
+              <a:lumOff val="80000"/>
+            </a:schemeClr>
+          </a:solidFill>
+          <a:ln>
+            <a:solidFill>
+              <a:schemeClr val="accent6">
+                <a:lumMod val="75000"/>
+              </a:schemeClr>
+            </a:solidFill>
+          </a:ln>
+        </p:spPr>
+        <p:style>
+          <a:lnRef idx="2">
+            <a:schemeClr val="accent1">
+              <a:shade val="50000"/>
+            </a:schemeClr>
+          </a:lnRef>
+          <a:fillRef idx="1">
+            <a:schemeClr val="accent1"/>
+          </a:fillRef>
+          <a:effectRef idx="0">
+            <a:schemeClr val="accent1"/>
+          </a:effectRef>
+          <a:fontRef idx="minor">
+            <a:schemeClr val="lt1"/>
+          </a:fontRef>
+        </p:style>
+        <p:txBody>
+          <a:bodyPr rtlCol="0" anchor="ctr"/>
+          <a:lstStyle/>
+          <a:p>
+            <a:pPr algn="ctr"/>
+            <a:endParaRPr lang="en-US" dirty="0"/>
+          </a:p>
+        </p:txBody>
+      </p:sp>
+      <p:sp>
+        <p:nvSpPr>
+          <p:cNvPr id="15" name="Rectangle 14">
+            <a:extLst>
+              <a:ext uri="{FF2B5EF4-FFF2-40B4-BE49-F238E27FC236}">
+                <a16:creationId xmlns:a16="http://schemas.microsoft.com/office/drawing/2014/main" id="{32500864-4553-46B3-8B84-EDEF81B3AC3C}"/>
+              </a:ext>
+            </a:extLst>
+          </p:cNvPr>
+          <p:cNvSpPr/>
+          <p:nvPr/>
+        </p:nvSpPr>
+        <p:spPr>
+          <a:xfrm>
+            <a:off x="5442857" y="3187337"/>
+            <a:ext cx="714103" cy="627017"/>
+          </a:xfrm>
+          <a:prstGeom prst="rect">
+            <a:avLst/>
+          </a:prstGeom>
+          <a:solidFill>
+            <a:schemeClr val="accent6">
+              <a:lumMod val="20000"/>
+              <a:lumOff val="80000"/>
+            </a:schemeClr>
+          </a:solidFill>
+          <a:ln>
+            <a:solidFill>
+              <a:schemeClr val="accent6">
+                <a:lumMod val="75000"/>
+              </a:schemeClr>
+            </a:solidFill>
+          </a:ln>
+        </p:spPr>
+        <p:style>
+          <a:lnRef idx="2">
+            <a:schemeClr val="accent1">
+              <a:shade val="50000"/>
+            </a:schemeClr>
+          </a:lnRef>
+          <a:fillRef idx="1">
+            <a:schemeClr val="accent1"/>
+          </a:fillRef>
+          <a:effectRef idx="0">
+            <a:schemeClr val="accent1"/>
+          </a:effectRef>
+          <a:fontRef idx="minor">
+            <a:schemeClr val="lt1"/>
+          </a:fontRef>
+        </p:style>
+        <p:txBody>
+          <a:bodyPr rtlCol="0" anchor="ctr"/>
+          <a:lstStyle/>
+          <a:p>
+            <a:pPr algn="ctr"/>
+            <a:endParaRPr lang="en-US" dirty="0"/>
+          </a:p>
+        </p:txBody>
+      </p:sp>
+      <p:cxnSp>
+        <p:nvCxnSpPr>
+          <p:cNvPr id="18" name="Straight Arrow Connector 17">
+            <a:extLst>
+              <a:ext uri="{FF2B5EF4-FFF2-40B4-BE49-F238E27FC236}">
+                <a16:creationId xmlns:a16="http://schemas.microsoft.com/office/drawing/2014/main" id="{C4CA600C-FD70-44CB-9C1B-27FAC86C5D36}"/>
+              </a:ext>
+            </a:extLst>
+          </p:cNvPr>
+          <p:cNvCxnSpPr>
+            <a:stCxn id="2" idx="3"/>
+            <a:endCxn id="4" idx="1"/>
+          </p:cNvCxnSpPr>
+          <p:nvPr/>
+        </p:nvCxnSpPr>
+        <p:spPr>
+          <a:xfrm>
+            <a:off x="3857897" y="2116183"/>
+            <a:ext cx="400594" cy="0"/>
+          </a:xfrm>
+          <a:prstGeom prst="straightConnector1">
+            <a:avLst/>
+          </a:prstGeom>
+          <a:ln>
+            <a:tailEnd type="triangle"/>
+          </a:ln>
+        </p:spPr>
+        <p:style>
+          <a:lnRef idx="1">
+            <a:schemeClr val="accent1"/>
+          </a:lnRef>
+          <a:fillRef idx="0">
+            <a:schemeClr val="accent1"/>
+          </a:fillRef>
+          <a:effectRef idx="0">
+            <a:schemeClr val="accent1"/>
+          </a:effectRef>
+          <a:fontRef idx="minor">
+            <a:schemeClr val="tx1"/>
+          </a:fontRef>
+        </p:style>
+      </p:cxnSp>
+      <p:cxnSp>
+        <p:nvCxnSpPr>
+          <p:cNvPr id="22" name="Straight Arrow Connector 21">
+            <a:extLst>
+              <a:ext uri="{FF2B5EF4-FFF2-40B4-BE49-F238E27FC236}">
+                <a16:creationId xmlns:a16="http://schemas.microsoft.com/office/drawing/2014/main" id="{268617AA-ECF1-44C5-8866-2299640E62AF}"/>
+              </a:ext>
+            </a:extLst>
+          </p:cNvPr>
+          <p:cNvCxnSpPr>
+            <a:cxnSpLocks/>
+            <a:stCxn id="6" idx="3"/>
+            <a:endCxn id="8" idx="1"/>
+          </p:cNvCxnSpPr>
+          <p:nvPr/>
+        </p:nvCxnSpPr>
+        <p:spPr>
+          <a:xfrm>
+            <a:off x="5251269" y="2116183"/>
+            <a:ext cx="400594" cy="0"/>
+          </a:xfrm>
+          <a:prstGeom prst="straightConnector1">
+            <a:avLst/>
+          </a:prstGeom>
+          <a:ln>
+            <a:tailEnd type="triangle"/>
+          </a:ln>
+        </p:spPr>
+        <p:style>
+          <a:lnRef idx="1">
+            <a:schemeClr val="accent1"/>
+          </a:lnRef>
+          <a:fillRef idx="0">
+            <a:schemeClr val="accent1"/>
+          </a:fillRef>
+          <a:effectRef idx="0">
+            <a:schemeClr val="accent1"/>
+          </a:effectRef>
+          <a:fontRef idx="minor">
+            <a:schemeClr val="tx1"/>
+          </a:fontRef>
+        </p:style>
+      </p:cxnSp>
+      <p:cxnSp>
+        <p:nvCxnSpPr>
+          <p:cNvPr id="29" name="Straight Arrow Connector 28">
+            <a:extLst>
+              <a:ext uri="{FF2B5EF4-FFF2-40B4-BE49-F238E27FC236}">
+                <a16:creationId xmlns:a16="http://schemas.microsoft.com/office/drawing/2014/main" id="{D29282B3-59E8-494B-AFB3-A0DEEE1BBDB8}"/>
+              </a:ext>
+            </a:extLst>
+          </p:cNvPr>
+          <p:cNvCxnSpPr>
+            <a:cxnSpLocks/>
+            <a:stCxn id="10" idx="3"/>
+            <a:endCxn id="12" idx="1"/>
+          </p:cNvCxnSpPr>
+          <p:nvPr/>
+        </p:nvCxnSpPr>
+        <p:spPr>
+          <a:xfrm>
+            <a:off x="7628710" y="2116183"/>
+            <a:ext cx="400594" cy="0"/>
+          </a:xfrm>
+          <a:prstGeom prst="straightConnector1">
+            <a:avLst/>
+          </a:prstGeom>
+          <a:ln>
+            <a:tailEnd type="triangle"/>
+          </a:ln>
+        </p:spPr>
+        <p:style>
+          <a:lnRef idx="1">
+            <a:schemeClr val="accent1"/>
+          </a:lnRef>
+          <a:fillRef idx="0">
+            <a:schemeClr val="accent1"/>
+          </a:fillRef>
+          <a:effectRef idx="0">
+            <a:schemeClr val="accent1"/>
+          </a:effectRef>
+          <a:fontRef idx="minor">
+            <a:schemeClr val="tx1"/>
+          </a:fontRef>
+        </p:style>
+      </p:cxnSp>
+      <p:cxnSp>
+        <p:nvCxnSpPr>
+          <p:cNvPr id="33" name="Straight Arrow Connector 32">
+            <a:extLst>
+              <a:ext uri="{FF2B5EF4-FFF2-40B4-BE49-F238E27FC236}">
+                <a16:creationId xmlns:a16="http://schemas.microsoft.com/office/drawing/2014/main" id="{3FFAEEB4-BB35-4999-861D-FD3151AA95BE}"/>
+              </a:ext>
+            </a:extLst>
+          </p:cNvPr>
+          <p:cNvCxnSpPr>
+            <a:cxnSpLocks/>
+            <a:stCxn id="4" idx="2"/>
+            <a:endCxn id="14" idx="0"/>
+          </p:cNvCxnSpPr>
+          <p:nvPr/>
+        </p:nvCxnSpPr>
+        <p:spPr>
+          <a:xfrm>
+            <a:off x="4406537" y="2882537"/>
+            <a:ext cx="0" cy="293914"/>
+          </a:xfrm>
+          <a:prstGeom prst="straightConnector1">
+            <a:avLst/>
+          </a:prstGeom>
+          <a:ln>
+            <a:tailEnd type="triangle"/>
+          </a:ln>
+        </p:spPr>
+        <p:style>
+          <a:lnRef idx="1">
+            <a:schemeClr val="accent1"/>
+          </a:lnRef>
+          <a:fillRef idx="0">
+            <a:schemeClr val="accent1"/>
+          </a:fillRef>
+          <a:effectRef idx="0">
+            <a:schemeClr val="accent1"/>
+          </a:effectRef>
+          <a:fontRef idx="minor">
+            <a:schemeClr val="tx1"/>
+          </a:fontRef>
+        </p:style>
+      </p:cxnSp>
+      <p:cxnSp>
+        <p:nvCxnSpPr>
+          <p:cNvPr id="34" name="Straight Arrow Connector 33">
+            <a:extLst>
+              <a:ext uri="{FF2B5EF4-FFF2-40B4-BE49-F238E27FC236}">
+                <a16:creationId xmlns:a16="http://schemas.microsoft.com/office/drawing/2014/main" id="{3E0FBE59-A5FF-4DD4-96A0-54E60A81237B}"/>
+              </a:ext>
+            </a:extLst>
+          </p:cNvPr>
+          <p:cNvCxnSpPr>
+            <a:cxnSpLocks/>
+            <a:stCxn id="5" idx="0"/>
+            <a:endCxn id="14" idx="2"/>
+          </p:cNvCxnSpPr>
+          <p:nvPr/>
+        </p:nvCxnSpPr>
+        <p:spPr>
+          <a:xfrm flipV="1">
+            <a:off x="4406537" y="3803468"/>
+            <a:ext cx="0" cy="315687"/>
+          </a:xfrm>
+          <a:prstGeom prst="straightConnector1">
+            <a:avLst/>
+          </a:prstGeom>
+          <a:ln>
+            <a:tailEnd type="triangle"/>
+          </a:ln>
+        </p:spPr>
+        <p:style>
+          <a:lnRef idx="1">
+            <a:schemeClr val="accent1"/>
+          </a:lnRef>
+          <a:fillRef idx="0">
+            <a:schemeClr val="accent1"/>
+          </a:fillRef>
+          <a:effectRef idx="0">
+            <a:schemeClr val="accent1"/>
+          </a:effectRef>
+          <a:fontRef idx="minor">
+            <a:schemeClr val="tx1"/>
+          </a:fontRef>
+        </p:style>
+      </p:cxnSp>
+      <p:cxnSp>
+        <p:nvCxnSpPr>
+          <p:cNvPr id="37" name="Straight Arrow Connector 36">
+            <a:extLst>
+              <a:ext uri="{FF2B5EF4-FFF2-40B4-BE49-F238E27FC236}">
+                <a16:creationId xmlns:a16="http://schemas.microsoft.com/office/drawing/2014/main" id="{F5BFE2BF-4FFB-4DF5-B947-ED4A619573D9}"/>
+              </a:ext>
+            </a:extLst>
+          </p:cNvPr>
+          <p:cNvCxnSpPr>
+            <a:cxnSpLocks/>
+            <a:stCxn id="9" idx="0"/>
+            <a:endCxn id="15" idx="2"/>
+          </p:cNvCxnSpPr>
+          <p:nvPr/>
+        </p:nvCxnSpPr>
+        <p:spPr>
+          <a:xfrm flipV="1">
+            <a:off x="5799909" y="3814354"/>
+            <a:ext cx="0" cy="304801"/>
+          </a:xfrm>
+          <a:prstGeom prst="straightConnector1">
+            <a:avLst/>
+          </a:prstGeom>
+          <a:ln>
+            <a:tailEnd type="triangle"/>
+          </a:ln>
+        </p:spPr>
+        <p:style>
+          <a:lnRef idx="1">
+            <a:schemeClr val="accent1"/>
+          </a:lnRef>
+          <a:fillRef idx="0">
+            <a:schemeClr val="accent1"/>
+          </a:fillRef>
+          <a:effectRef idx="0">
+            <a:schemeClr val="accent1"/>
+          </a:effectRef>
+          <a:fontRef idx="minor">
+            <a:schemeClr val="tx1"/>
+          </a:fontRef>
+        </p:style>
+      </p:cxnSp>
+      <p:cxnSp>
+        <p:nvCxnSpPr>
+          <p:cNvPr id="40" name="Straight Arrow Connector 39">
+            <a:extLst>
+              <a:ext uri="{FF2B5EF4-FFF2-40B4-BE49-F238E27FC236}">
+                <a16:creationId xmlns:a16="http://schemas.microsoft.com/office/drawing/2014/main" id="{D0FA5364-2389-4D24-8D95-1A09B266CFF1}"/>
+              </a:ext>
+            </a:extLst>
+          </p:cNvPr>
+          <p:cNvCxnSpPr>
+            <a:cxnSpLocks/>
+            <a:stCxn id="8" idx="2"/>
+            <a:endCxn id="15" idx="0"/>
+          </p:cNvCxnSpPr>
+          <p:nvPr/>
+        </p:nvCxnSpPr>
+        <p:spPr>
+          <a:xfrm>
+            <a:off x="5799909" y="2882537"/>
+            <a:ext cx="0" cy="304800"/>
+          </a:xfrm>
+          <a:prstGeom prst="straightConnector1">
+            <a:avLst/>
+          </a:prstGeom>
+          <a:ln>
+            <a:tailEnd type="triangle"/>
+          </a:ln>
+        </p:spPr>
+        <p:style>
+          <a:lnRef idx="1">
+            <a:schemeClr val="accent1"/>
+          </a:lnRef>
+          <a:fillRef idx="0">
+            <a:schemeClr val="accent1"/>
+          </a:fillRef>
+          <a:effectRef idx="0">
+            <a:schemeClr val="accent1"/>
+          </a:effectRef>
+          <a:fontRef idx="minor">
+            <a:schemeClr val="tx1"/>
+          </a:fontRef>
+        </p:style>
+      </p:cxnSp>
+      <p:cxnSp>
+        <p:nvCxnSpPr>
+          <p:cNvPr id="47" name="Connector: Curved 46">
+            <a:extLst>
+              <a:ext uri="{FF2B5EF4-FFF2-40B4-BE49-F238E27FC236}">
+                <a16:creationId xmlns:a16="http://schemas.microsoft.com/office/drawing/2014/main" id="{894A77DC-E720-4F45-BEC3-009E71F0FD43}"/>
+              </a:ext>
+            </a:extLst>
+          </p:cNvPr>
+          <p:cNvCxnSpPr>
+            <a:stCxn id="14" idx="3"/>
+            <a:endCxn id="6" idx="2"/>
+          </p:cNvCxnSpPr>
+          <p:nvPr/>
+        </p:nvCxnSpPr>
+        <p:spPr>
+          <a:xfrm flipV="1">
+            <a:off x="4763588" y="2882537"/>
+            <a:ext cx="339635" cy="607423"/>
+          </a:xfrm>
+          <a:prstGeom prst="curvedConnector2">
+            <a:avLst/>
+          </a:prstGeom>
+          <a:ln>
+            <a:tailEnd type="triangle"/>
+          </a:ln>
+        </p:spPr>
+        <p:style>
+          <a:lnRef idx="1">
+            <a:schemeClr val="accent1"/>
+          </a:lnRef>
+          <a:fillRef idx="0">
+            <a:schemeClr val="accent1"/>
+          </a:fillRef>
+          <a:effectRef idx="0">
+            <a:schemeClr val="accent1"/>
+          </a:effectRef>
+          <a:fontRef idx="minor">
+            <a:schemeClr val="tx1"/>
+          </a:fontRef>
+        </p:style>
+      </p:cxnSp>
+      <p:cxnSp>
+        <p:nvCxnSpPr>
+          <p:cNvPr id="48" name="Connector: Curved 47">
+            <a:extLst>
+              <a:ext uri="{FF2B5EF4-FFF2-40B4-BE49-F238E27FC236}">
+                <a16:creationId xmlns:a16="http://schemas.microsoft.com/office/drawing/2014/main" id="{4C933DFA-1169-4941-B191-B233526744BE}"/>
+              </a:ext>
+            </a:extLst>
+          </p:cNvPr>
+          <p:cNvCxnSpPr>
+            <a:cxnSpLocks/>
+            <a:stCxn id="14" idx="3"/>
+            <a:endCxn id="7" idx="0"/>
+          </p:cNvCxnSpPr>
+          <p:nvPr/>
+        </p:nvCxnSpPr>
+        <p:spPr>
+          <a:xfrm>
+            <a:off x="4763588" y="3489960"/>
+            <a:ext cx="339635" cy="629195"/>
+          </a:xfrm>
+          <a:prstGeom prst="curvedConnector2">
+            <a:avLst/>
+          </a:prstGeom>
+          <a:ln>
+            <a:tailEnd type="triangle"/>
+          </a:ln>
+        </p:spPr>
+        <p:style>
+          <a:lnRef idx="1">
+            <a:schemeClr val="accent1"/>
+          </a:lnRef>
+          <a:fillRef idx="0">
+            <a:schemeClr val="accent1"/>
+          </a:fillRef>
+          <a:effectRef idx="0">
+            <a:schemeClr val="accent1"/>
+          </a:effectRef>
+          <a:fontRef idx="minor">
+            <a:schemeClr val="tx1"/>
+          </a:fontRef>
+        </p:style>
+      </p:cxnSp>
+      <p:cxnSp>
+        <p:nvCxnSpPr>
+          <p:cNvPr id="51" name="Connector: Curved 50">
+            <a:extLst>
+              <a:ext uri="{FF2B5EF4-FFF2-40B4-BE49-F238E27FC236}">
+                <a16:creationId xmlns:a16="http://schemas.microsoft.com/office/drawing/2014/main" id="{2A16E46B-ADB8-468C-8A73-E877BD03BCAE}"/>
+              </a:ext>
+            </a:extLst>
+          </p:cNvPr>
+          <p:cNvCxnSpPr>
+            <a:cxnSpLocks/>
+          </p:cNvCxnSpPr>
+          <p:nvPr/>
+        </p:nvCxnSpPr>
+        <p:spPr>
+          <a:xfrm flipV="1">
+            <a:off x="6143896" y="2914105"/>
+            <a:ext cx="339635" cy="607423"/>
+          </a:xfrm>
+          <a:prstGeom prst="curvedConnector2">
+            <a:avLst/>
+          </a:prstGeom>
+          <a:ln>
+            <a:tailEnd type="triangle"/>
+          </a:ln>
+        </p:spPr>
+        <p:style>
+          <a:lnRef idx="1">
+            <a:schemeClr val="accent1"/>
+          </a:lnRef>
+          <a:fillRef idx="0">
+            <a:schemeClr val="accent1"/>
+          </a:fillRef>
+          <a:effectRef idx="0">
+            <a:schemeClr val="accent1"/>
+          </a:effectRef>
+          <a:fontRef idx="minor">
+            <a:schemeClr val="tx1"/>
+          </a:fontRef>
+        </p:style>
+      </p:cxnSp>
+      <p:cxnSp>
+        <p:nvCxnSpPr>
+          <p:cNvPr id="52" name="Connector: Curved 51">
+            <a:extLst>
+              <a:ext uri="{FF2B5EF4-FFF2-40B4-BE49-F238E27FC236}">
+                <a16:creationId xmlns:a16="http://schemas.microsoft.com/office/drawing/2014/main" id="{DC6350EE-18F3-454D-BEE0-C88022DE7193}"/>
+              </a:ext>
+            </a:extLst>
+          </p:cNvPr>
+          <p:cNvCxnSpPr>
+            <a:cxnSpLocks/>
+          </p:cNvCxnSpPr>
+          <p:nvPr/>
+        </p:nvCxnSpPr>
+        <p:spPr>
+          <a:xfrm>
+            <a:off x="6143896" y="3521528"/>
+            <a:ext cx="339635" cy="629195"/>
+          </a:xfrm>
+          <a:prstGeom prst="curvedConnector2">
+            <a:avLst/>
+          </a:prstGeom>
+          <a:ln>
+            <a:tailEnd type="triangle"/>
+          </a:ln>
+        </p:spPr>
+        <p:style>
+          <a:lnRef idx="1">
+            <a:schemeClr val="accent1"/>
+          </a:lnRef>
+          <a:fillRef idx="0">
+            <a:schemeClr val="accent1"/>
+          </a:fillRef>
+          <a:effectRef idx="0">
+            <a:schemeClr val="accent1"/>
+          </a:effectRef>
+          <a:fontRef idx="minor">
+            <a:schemeClr val="tx1"/>
+          </a:fontRef>
+        </p:style>
+      </p:cxnSp>
+      <p:cxnSp>
+        <p:nvCxnSpPr>
+          <p:cNvPr id="55" name="Connector: Curved 54">
+            <a:extLst>
+              <a:ext uri="{FF2B5EF4-FFF2-40B4-BE49-F238E27FC236}">
+                <a16:creationId xmlns:a16="http://schemas.microsoft.com/office/drawing/2014/main" id="{6B75F520-9C83-4916-AAFB-5EDB73E94273}"/>
+              </a:ext>
+            </a:extLst>
+          </p:cNvPr>
+          <p:cNvCxnSpPr>
+            <a:cxnSpLocks/>
+          </p:cNvCxnSpPr>
+          <p:nvPr/>
+        </p:nvCxnSpPr>
+        <p:spPr>
+          <a:xfrm flipV="1">
+            <a:off x="7145385" y="2883625"/>
+            <a:ext cx="339635" cy="607423"/>
+          </a:xfrm>
+          <a:prstGeom prst="curvedConnector2">
+            <a:avLst/>
+          </a:prstGeom>
+          <a:ln>
+            <a:tailEnd type="triangle"/>
+          </a:ln>
+        </p:spPr>
+        <p:style>
+          <a:lnRef idx="1">
+            <a:schemeClr val="accent1"/>
+          </a:lnRef>
+          <a:fillRef idx="0">
+            <a:schemeClr val="accent1"/>
+          </a:fillRef>
+          <a:effectRef idx="0">
+            <a:schemeClr val="accent1"/>
+          </a:effectRef>
+          <a:fontRef idx="minor">
+            <a:schemeClr val="tx1"/>
+          </a:fontRef>
+        </p:style>
+      </p:cxnSp>
+      <p:cxnSp>
+        <p:nvCxnSpPr>
+          <p:cNvPr id="56" name="Connector: Curved 55">
+            <a:extLst>
+              <a:ext uri="{FF2B5EF4-FFF2-40B4-BE49-F238E27FC236}">
+                <a16:creationId xmlns:a16="http://schemas.microsoft.com/office/drawing/2014/main" id="{3DDAD4FB-6B11-4545-9A34-2E431FEB7DAC}"/>
+              </a:ext>
+            </a:extLst>
+          </p:cNvPr>
+          <p:cNvCxnSpPr>
+            <a:cxnSpLocks/>
+          </p:cNvCxnSpPr>
+          <p:nvPr/>
+        </p:nvCxnSpPr>
+        <p:spPr>
+          <a:xfrm>
+            <a:off x="7145385" y="3491048"/>
+            <a:ext cx="339635" cy="629195"/>
+          </a:xfrm>
+          <a:prstGeom prst="curvedConnector2">
+            <a:avLst/>
+          </a:prstGeom>
+          <a:ln>
+            <a:tailEnd type="triangle"/>
+          </a:ln>
+        </p:spPr>
+        <p:style>
+          <a:lnRef idx="1">
+            <a:schemeClr val="accent1"/>
+          </a:lnRef>
+          <a:fillRef idx="0">
+            <a:schemeClr val="accent1"/>
+          </a:fillRef>
+          <a:effectRef idx="0">
+            <a:schemeClr val="accent1"/>
+          </a:effectRef>
+          <a:fontRef idx="minor">
+            <a:schemeClr val="tx1"/>
+          </a:fontRef>
+        </p:style>
+      </p:cxnSp>
+      <p:sp>
+        <p:nvSpPr>
+          <p:cNvPr id="57" name="TextBox 56">
+            <a:extLst>
+              <a:ext uri="{FF2B5EF4-FFF2-40B4-BE49-F238E27FC236}">
+                <a16:creationId xmlns:a16="http://schemas.microsoft.com/office/drawing/2014/main" id="{D8A0FB44-1CA4-499F-90AD-57B100AB4CF9}"/>
+              </a:ext>
+            </a:extLst>
+          </p:cNvPr>
+          <p:cNvSpPr txBox="1"/>
+          <p:nvPr/>
+        </p:nvSpPr>
+        <p:spPr>
+          <a:xfrm>
+            <a:off x="6398079" y="1882140"/>
+            <a:ext cx="525781" cy="369332"/>
+          </a:xfrm>
+          <a:prstGeom prst="rect">
+            <a:avLst/>
+          </a:prstGeom>
+          <a:noFill/>
+        </p:spPr>
+        <p:txBody>
+          <a:bodyPr wrap="square" rtlCol="0">
+            <a:spAutoFit/>
+          </a:bodyPr>
+          <a:lstStyle/>
+          <a:p>
+            <a:r>
+              <a:rPr lang="en-US" dirty="0"/>
+              <a:t>……</a:t>
+            </a:r>
+          </a:p>
+        </p:txBody>
+      </p:sp>
+      <p:cxnSp>
+        <p:nvCxnSpPr>
+          <p:cNvPr id="59" name="Straight Arrow Connector 58">
+            <a:extLst>
+              <a:ext uri="{FF2B5EF4-FFF2-40B4-BE49-F238E27FC236}">
+                <a16:creationId xmlns:a16="http://schemas.microsoft.com/office/drawing/2014/main" id="{E28237AF-CFD7-40DD-A101-1E94FB724006}"/>
+              </a:ext>
+            </a:extLst>
+          </p:cNvPr>
+          <p:cNvCxnSpPr/>
+          <p:nvPr/>
+        </p:nvCxnSpPr>
+        <p:spPr>
+          <a:xfrm>
+            <a:off x="3854631" y="4889863"/>
+            <a:ext cx="400594" cy="0"/>
+          </a:xfrm>
+          <a:prstGeom prst="straightConnector1">
+            <a:avLst/>
+          </a:prstGeom>
+          <a:ln>
+            <a:tailEnd type="triangle"/>
+          </a:ln>
+        </p:spPr>
+        <p:style>
+          <a:lnRef idx="1">
+            <a:schemeClr val="accent1"/>
+          </a:lnRef>
+          <a:fillRef idx="0">
+            <a:schemeClr val="accent1"/>
+          </a:fillRef>
+          <a:effectRef idx="0">
+            <a:schemeClr val="accent1"/>
+          </a:effectRef>
+          <a:fontRef idx="minor">
+            <a:schemeClr val="tx1"/>
+          </a:fontRef>
+        </p:style>
+      </p:cxnSp>
+      <p:cxnSp>
+        <p:nvCxnSpPr>
+          <p:cNvPr id="61" name="Straight Arrow Connector 60">
+            <a:extLst>
+              <a:ext uri="{FF2B5EF4-FFF2-40B4-BE49-F238E27FC236}">
+                <a16:creationId xmlns:a16="http://schemas.microsoft.com/office/drawing/2014/main" id="{26120BCB-331C-4F73-ACA3-5262079CC77F}"/>
+              </a:ext>
+            </a:extLst>
+          </p:cNvPr>
+          <p:cNvCxnSpPr>
+            <a:cxnSpLocks/>
+          </p:cNvCxnSpPr>
+          <p:nvPr/>
+        </p:nvCxnSpPr>
+        <p:spPr>
+          <a:xfrm>
+            <a:off x="5248003" y="4889863"/>
+            <a:ext cx="400594" cy="0"/>
+          </a:xfrm>
+          <a:prstGeom prst="straightConnector1">
+            <a:avLst/>
+          </a:prstGeom>
+          <a:ln>
+            <a:tailEnd type="triangle"/>
+          </a:ln>
+        </p:spPr>
+        <p:style>
+          <a:lnRef idx="1">
+            <a:schemeClr val="accent1"/>
+          </a:lnRef>
+          <a:fillRef idx="0">
+            <a:schemeClr val="accent1"/>
+          </a:fillRef>
+          <a:effectRef idx="0">
+            <a:schemeClr val="accent1"/>
+          </a:effectRef>
+          <a:fontRef idx="minor">
+            <a:schemeClr val="tx1"/>
+          </a:fontRef>
+        </p:style>
+      </p:cxnSp>
+      <p:cxnSp>
+        <p:nvCxnSpPr>
+          <p:cNvPr id="64" name="Straight Arrow Connector 63">
+            <a:extLst>
+              <a:ext uri="{FF2B5EF4-FFF2-40B4-BE49-F238E27FC236}">
+                <a16:creationId xmlns:a16="http://schemas.microsoft.com/office/drawing/2014/main" id="{286D691E-FDA5-46FA-B270-5682475FF982}"/>
+              </a:ext>
+            </a:extLst>
+          </p:cNvPr>
+          <p:cNvCxnSpPr>
+            <a:cxnSpLocks/>
+          </p:cNvCxnSpPr>
+          <p:nvPr/>
+        </p:nvCxnSpPr>
+        <p:spPr>
+          <a:xfrm>
+            <a:off x="7625444" y="4889863"/>
+            <a:ext cx="400594" cy="0"/>
+          </a:xfrm>
+          <a:prstGeom prst="straightConnector1">
+            <a:avLst/>
+          </a:prstGeom>
+          <a:ln>
+            <a:tailEnd type="triangle"/>
+          </a:ln>
+        </p:spPr>
+        <p:style>
+          <a:lnRef idx="1">
+            <a:schemeClr val="accent1"/>
+          </a:lnRef>
+          <a:fillRef idx="0">
+            <a:schemeClr val="accent1"/>
+          </a:fillRef>
+          <a:effectRef idx="0">
+            <a:schemeClr val="accent1"/>
+          </a:effectRef>
+          <a:fontRef idx="minor">
+            <a:schemeClr val="tx1"/>
+          </a:fontRef>
+        </p:style>
+      </p:cxnSp>
+      <p:sp>
+        <p:nvSpPr>
+          <p:cNvPr id="65" name="TextBox 64">
+            <a:extLst>
+              <a:ext uri="{FF2B5EF4-FFF2-40B4-BE49-F238E27FC236}">
+                <a16:creationId xmlns:a16="http://schemas.microsoft.com/office/drawing/2014/main" id="{BA2B6EDD-167D-409F-AF81-61A2FE9CCDBE}"/>
+              </a:ext>
+            </a:extLst>
+          </p:cNvPr>
+          <p:cNvSpPr txBox="1"/>
+          <p:nvPr/>
+        </p:nvSpPr>
+        <p:spPr>
+          <a:xfrm>
+            <a:off x="6394813" y="4655820"/>
+            <a:ext cx="525781" cy="369332"/>
+          </a:xfrm>
+          <a:prstGeom prst="rect">
+            <a:avLst/>
+          </a:prstGeom>
+          <a:noFill/>
+        </p:spPr>
+        <p:txBody>
+          <a:bodyPr wrap="square" rtlCol="0">
+            <a:spAutoFit/>
+          </a:bodyPr>
+          <a:lstStyle/>
+          <a:p>
+            <a:r>
+              <a:rPr lang="en-US" dirty="0"/>
+              <a:t>……</a:t>
+            </a:r>
+          </a:p>
+        </p:txBody>
+      </p:sp>
+      <p:grpSp>
+        <p:nvGrpSpPr>
+          <p:cNvPr id="96" name="Group 95">
+            <a:extLst>
+              <a:ext uri="{FF2B5EF4-FFF2-40B4-BE49-F238E27FC236}">
+                <a16:creationId xmlns:a16="http://schemas.microsoft.com/office/drawing/2014/main" id="{9FEF956E-7312-404B-80F9-1EE7108C9215}"/>
+              </a:ext>
+            </a:extLst>
+          </p:cNvPr>
+          <p:cNvGrpSpPr/>
+          <p:nvPr/>
+        </p:nvGrpSpPr>
+        <p:grpSpPr>
+          <a:xfrm>
+            <a:off x="1231210" y="1285027"/>
+            <a:ext cx="2148715" cy="1306563"/>
+            <a:chOff x="1720840" y="2116182"/>
+            <a:chExt cx="2372940" cy="1377320"/>
+          </a:xfrm>
+        </p:grpSpPr>
+        <p:grpSp>
+          <p:nvGrpSpPr>
+            <p:cNvPr id="93" name="Group 92">
+              <a:extLst>
+                <a:ext uri="{FF2B5EF4-FFF2-40B4-BE49-F238E27FC236}">
+                  <a16:creationId xmlns:a16="http://schemas.microsoft.com/office/drawing/2014/main" id="{FBE44674-4681-4725-986C-3591AB8DC46E}"/>
+                </a:ext>
+              </a:extLst>
+            </p:cNvPr>
+            <p:cNvGrpSpPr/>
+            <p:nvPr/>
+          </p:nvGrpSpPr>
+          <p:grpSpPr>
+            <a:xfrm>
+              <a:off x="1720840" y="2116182"/>
+              <a:ext cx="1887285" cy="1377320"/>
+              <a:chOff x="1720840" y="1447162"/>
+              <a:chExt cx="2872630" cy="2096414"/>
+            </a:xfrm>
+          </p:grpSpPr>
+          <p:sp>
+            <p:nvSpPr>
+              <p:cNvPr id="76" name="Oval 75">
+                <a:extLst>
+                  <a:ext uri="{FF2B5EF4-FFF2-40B4-BE49-F238E27FC236}">
+                    <a16:creationId xmlns:a16="http://schemas.microsoft.com/office/drawing/2014/main" id="{812650E9-4710-4351-B276-A4D758502068}"/>
+                  </a:ext>
+                </a:extLst>
+              </p:cNvPr>
+              <p:cNvSpPr/>
+              <p:nvPr/>
+            </p:nvSpPr>
+            <p:spPr>
+              <a:xfrm>
+                <a:off x="2261130" y="1923313"/>
+                <a:ext cx="161968" cy="169333"/>
+              </a:xfrm>
+              <a:prstGeom prst="ellipse">
+                <a:avLst/>
+              </a:prstGeom>
+              <a:solidFill>
+                <a:schemeClr val="accent4">
+                  <a:lumMod val="20000"/>
+                  <a:lumOff val="80000"/>
+                </a:schemeClr>
+              </a:solidFill>
+              <a:ln>
+                <a:solidFill>
+                  <a:srgbClr val="FFC000"/>
+                </a:solidFill>
+              </a:ln>
+            </p:spPr>
+            <p:style>
+              <a:lnRef idx="2">
+                <a:schemeClr val="accent1">
+                  <a:shade val="50000"/>
+                </a:schemeClr>
+              </a:lnRef>
+              <a:fillRef idx="1">
+                <a:schemeClr val="accent1"/>
+              </a:fillRef>
+              <a:effectRef idx="0">
+                <a:schemeClr val="accent1"/>
+              </a:effectRef>
+              <a:fontRef idx="minor">
+                <a:schemeClr val="lt1"/>
+              </a:fontRef>
+            </p:style>
+            <p:txBody>
+              <a:bodyPr rtlCol="0" anchor="ctr"/>
+              <a:lstStyle/>
+              <a:p>
+                <a:pPr algn="ctr"/>
+                <a:endParaRPr lang="en-US" sz="1600" dirty="0"/>
+              </a:p>
+            </p:txBody>
+          </p:sp>
+          <p:sp>
+            <p:nvSpPr>
+              <p:cNvPr id="77" name="Oval 76">
+                <a:extLst>
+                  <a:ext uri="{FF2B5EF4-FFF2-40B4-BE49-F238E27FC236}">
+                    <a16:creationId xmlns:a16="http://schemas.microsoft.com/office/drawing/2014/main" id="{9046964F-5557-4C81-8663-159FCC1B7D79}"/>
+                  </a:ext>
+                </a:extLst>
+              </p:cNvPr>
+              <p:cNvSpPr/>
+              <p:nvPr/>
+            </p:nvSpPr>
+            <p:spPr>
+              <a:xfrm>
+                <a:off x="2902488" y="2576646"/>
+                <a:ext cx="161968" cy="169333"/>
+              </a:xfrm>
+              <a:prstGeom prst="ellipse">
+                <a:avLst/>
+              </a:prstGeom>
+              <a:solidFill>
+                <a:schemeClr val="accent4">
+                  <a:lumMod val="20000"/>
+                  <a:lumOff val="80000"/>
+                </a:schemeClr>
+              </a:solidFill>
+              <a:ln>
+                <a:solidFill>
+                  <a:srgbClr val="FFC000"/>
+                </a:solidFill>
+              </a:ln>
+            </p:spPr>
+            <p:style>
+              <a:lnRef idx="2">
+                <a:schemeClr val="accent1">
+                  <a:shade val="50000"/>
+                </a:schemeClr>
+              </a:lnRef>
+              <a:fillRef idx="1">
+                <a:schemeClr val="accent1"/>
+              </a:fillRef>
+              <a:effectRef idx="0">
+                <a:schemeClr val="accent1"/>
+              </a:effectRef>
+              <a:fontRef idx="minor">
+                <a:schemeClr val="lt1"/>
+              </a:fontRef>
+            </p:style>
+            <p:txBody>
+              <a:bodyPr rtlCol="0" anchor="ctr"/>
+              <a:lstStyle/>
+              <a:p>
+                <a:pPr algn="ctr"/>
+                <a:endParaRPr lang="en-US" sz="1600" dirty="0"/>
+              </a:p>
+            </p:txBody>
+          </p:sp>
+          <p:sp>
+            <p:nvSpPr>
+              <p:cNvPr id="78" name="Oval 77">
+                <a:extLst>
+                  <a:ext uri="{FF2B5EF4-FFF2-40B4-BE49-F238E27FC236}">
+                    <a16:creationId xmlns:a16="http://schemas.microsoft.com/office/drawing/2014/main" id="{AFC107FE-33F7-4AE1-8241-77EF2A867934}"/>
+                  </a:ext>
+                </a:extLst>
+              </p:cNvPr>
+              <p:cNvSpPr/>
+              <p:nvPr/>
+            </p:nvSpPr>
+            <p:spPr>
+              <a:xfrm>
+                <a:off x="3281529" y="1753980"/>
+                <a:ext cx="161968" cy="169333"/>
+              </a:xfrm>
+              <a:prstGeom prst="ellipse">
+                <a:avLst/>
+              </a:prstGeom>
+              <a:solidFill>
+                <a:schemeClr val="accent4">
+                  <a:lumMod val="20000"/>
+                  <a:lumOff val="80000"/>
+                </a:schemeClr>
+              </a:solidFill>
+              <a:ln>
+                <a:solidFill>
+                  <a:srgbClr val="FFC000"/>
+                </a:solidFill>
+              </a:ln>
+            </p:spPr>
+            <p:style>
+              <a:lnRef idx="2">
+                <a:schemeClr val="accent1">
+                  <a:shade val="50000"/>
+                </a:schemeClr>
+              </a:lnRef>
+              <a:fillRef idx="1">
+                <a:schemeClr val="accent1"/>
+              </a:fillRef>
+              <a:effectRef idx="0">
+                <a:schemeClr val="accent1"/>
+              </a:effectRef>
+              <a:fontRef idx="minor">
+                <a:schemeClr val="lt1"/>
+              </a:fontRef>
+            </p:style>
+            <p:txBody>
+              <a:bodyPr rtlCol="0" anchor="ctr"/>
+              <a:lstStyle/>
+              <a:p>
+                <a:pPr algn="ctr"/>
+                <a:endParaRPr lang="en-US" sz="1600" dirty="0"/>
+              </a:p>
+            </p:txBody>
+          </p:sp>
+          <p:sp>
+            <p:nvSpPr>
+              <p:cNvPr id="79" name="Oval 78">
+                <a:extLst>
+                  <a:ext uri="{FF2B5EF4-FFF2-40B4-BE49-F238E27FC236}">
+                    <a16:creationId xmlns:a16="http://schemas.microsoft.com/office/drawing/2014/main" id="{5239495C-F06D-4745-90C4-03CAA62DD6A2}"/>
+                  </a:ext>
+                </a:extLst>
+              </p:cNvPr>
+              <p:cNvSpPr/>
+              <p:nvPr/>
+            </p:nvSpPr>
+            <p:spPr>
+              <a:xfrm>
+                <a:off x="3909155" y="2858878"/>
+                <a:ext cx="161968" cy="169333"/>
+              </a:xfrm>
+              <a:prstGeom prst="ellipse">
+                <a:avLst/>
+              </a:prstGeom>
+              <a:solidFill>
+                <a:schemeClr val="accent4">
+                  <a:lumMod val="20000"/>
+                  <a:lumOff val="80000"/>
+                </a:schemeClr>
+              </a:solidFill>
+              <a:ln>
+                <a:solidFill>
+                  <a:srgbClr val="FFC000"/>
+                </a:solidFill>
+              </a:ln>
+            </p:spPr>
+            <p:style>
+              <a:lnRef idx="2">
+                <a:schemeClr val="accent1">
+                  <a:shade val="50000"/>
+                </a:schemeClr>
+              </a:lnRef>
+              <a:fillRef idx="1">
+                <a:schemeClr val="accent1"/>
+              </a:fillRef>
+              <a:effectRef idx="0">
+                <a:schemeClr val="accent1"/>
+              </a:effectRef>
+              <a:fontRef idx="minor">
+                <a:schemeClr val="lt1"/>
+              </a:fontRef>
+            </p:style>
+            <p:txBody>
+              <a:bodyPr rtlCol="0" anchor="ctr"/>
+              <a:lstStyle/>
+              <a:p>
+                <a:pPr algn="ctr"/>
+                <a:endParaRPr lang="en-US" sz="1600" dirty="0"/>
+              </a:p>
+            </p:txBody>
+          </p:sp>
+          <p:sp>
+            <p:nvSpPr>
+              <p:cNvPr id="80" name="Oval 79">
+                <a:extLst>
+                  <a:ext uri="{FF2B5EF4-FFF2-40B4-BE49-F238E27FC236}">
+                    <a16:creationId xmlns:a16="http://schemas.microsoft.com/office/drawing/2014/main" id="{2D84533D-3E38-4047-A4AD-9AE522D6873A}"/>
+                  </a:ext>
+                </a:extLst>
+              </p:cNvPr>
+              <p:cNvSpPr/>
+              <p:nvPr/>
+            </p:nvSpPr>
+            <p:spPr>
+              <a:xfrm>
+                <a:off x="4431502" y="2094762"/>
+                <a:ext cx="161968" cy="169333"/>
+              </a:xfrm>
+              <a:prstGeom prst="ellipse">
+                <a:avLst/>
+              </a:prstGeom>
+              <a:solidFill>
+                <a:schemeClr val="accent2">
+                  <a:lumMod val="40000"/>
+                  <a:lumOff val="60000"/>
+                </a:schemeClr>
+              </a:solidFill>
+              <a:ln>
+                <a:solidFill>
+                  <a:srgbClr val="FF0000"/>
+                </a:solidFill>
+              </a:ln>
+            </p:spPr>
+            <p:style>
+              <a:lnRef idx="2">
+                <a:schemeClr val="accent1">
+                  <a:shade val="50000"/>
+                </a:schemeClr>
+              </a:lnRef>
+              <a:fillRef idx="1">
+                <a:schemeClr val="accent1"/>
+              </a:fillRef>
+              <a:effectRef idx="0">
+                <a:schemeClr val="accent1"/>
+              </a:effectRef>
+              <a:fontRef idx="minor">
+                <a:schemeClr val="lt1"/>
+              </a:fontRef>
+            </p:style>
+            <p:txBody>
+              <a:bodyPr rtlCol="0" anchor="ctr"/>
+              <a:lstStyle/>
+              <a:p>
+                <a:pPr algn="ctr"/>
+                <a:endParaRPr lang="en-US" sz="1600" dirty="0"/>
+              </a:p>
+            </p:txBody>
+          </p:sp>
+          <p:sp>
+            <p:nvSpPr>
+              <p:cNvPr id="81" name="Oval 80">
+                <a:extLst>
+                  <a:ext uri="{FF2B5EF4-FFF2-40B4-BE49-F238E27FC236}">
+                    <a16:creationId xmlns:a16="http://schemas.microsoft.com/office/drawing/2014/main" id="{E29934A3-AC9F-446A-B469-F3B01B62C954}"/>
+                  </a:ext>
+                </a:extLst>
+              </p:cNvPr>
+              <p:cNvSpPr/>
+              <p:nvPr/>
+            </p:nvSpPr>
+            <p:spPr>
+              <a:xfrm>
+                <a:off x="2029700" y="2908776"/>
+                <a:ext cx="161968" cy="169333"/>
+              </a:xfrm>
+              <a:prstGeom prst="ellipse">
+                <a:avLst/>
+              </a:prstGeom>
+              <a:solidFill>
+                <a:schemeClr val="accent4">
+                  <a:lumMod val="20000"/>
+                  <a:lumOff val="80000"/>
+                </a:schemeClr>
+              </a:solidFill>
+              <a:ln>
+                <a:solidFill>
+                  <a:srgbClr val="FFC000"/>
+                </a:solidFill>
+              </a:ln>
+            </p:spPr>
+            <p:style>
+              <a:lnRef idx="2">
+                <a:schemeClr val="accent1">
+                  <a:shade val="50000"/>
+                </a:schemeClr>
+              </a:lnRef>
+              <a:fillRef idx="1">
+                <a:schemeClr val="accent1"/>
+              </a:fillRef>
+              <a:effectRef idx="0">
+                <a:schemeClr val="accent1"/>
+              </a:effectRef>
+              <a:fontRef idx="minor">
+                <a:schemeClr val="lt1"/>
+              </a:fontRef>
+            </p:style>
+            <p:txBody>
+              <a:bodyPr rtlCol="0" anchor="ctr"/>
+              <a:lstStyle/>
+              <a:p>
+                <a:pPr algn="ctr"/>
+                <a:endParaRPr lang="en-US" sz="1600" dirty="0"/>
+              </a:p>
+            </p:txBody>
+          </p:sp>
+          <p:cxnSp>
+            <p:nvCxnSpPr>
+              <p:cNvPr id="82" name="Straight Arrow Connector 81">
+                <a:extLst>
+                  <a:ext uri="{FF2B5EF4-FFF2-40B4-BE49-F238E27FC236}">
+                    <a16:creationId xmlns:a16="http://schemas.microsoft.com/office/drawing/2014/main" id="{3D1A2ECF-59B2-4E43-B409-F974DFE645A3}"/>
+                  </a:ext>
+                </a:extLst>
+              </p:cNvPr>
+              <p:cNvCxnSpPr>
+                <a:stCxn id="76" idx="6"/>
+                <a:endCxn id="78" idx="2"/>
+              </p:cNvCxnSpPr>
+              <p:nvPr/>
+            </p:nvCxnSpPr>
+            <p:spPr>
+              <a:xfrm flipV="1">
+                <a:off x="2423098" y="1838647"/>
+                <a:ext cx="858431" cy="169333"/>
+              </a:xfrm>
+              <a:prstGeom prst="straightConnector1">
+                <a:avLst/>
+              </a:prstGeom>
+              <a:ln w="25400">
+                <a:tailEnd type="triangle"/>
+              </a:ln>
+            </p:spPr>
+            <p:style>
+              <a:lnRef idx="1">
+                <a:schemeClr val="accent1"/>
+              </a:lnRef>
+              <a:fillRef idx="0">
+                <a:schemeClr val="accent1"/>
+              </a:fillRef>
+              <a:effectRef idx="0">
+                <a:schemeClr val="accent1"/>
+              </a:effectRef>
+              <a:fontRef idx="minor">
+                <a:schemeClr val="tx1"/>
+              </a:fontRef>
+            </p:style>
+          </p:cxnSp>
+          <p:cxnSp>
+            <p:nvCxnSpPr>
+              <p:cNvPr id="83" name="Straight Arrow Connector 82">
+                <a:extLst>
+                  <a:ext uri="{FF2B5EF4-FFF2-40B4-BE49-F238E27FC236}">
+                    <a16:creationId xmlns:a16="http://schemas.microsoft.com/office/drawing/2014/main" id="{BF68A40C-7A05-4F4D-BAC3-A34DBD6521FF}"/>
+                  </a:ext>
+                </a:extLst>
+              </p:cNvPr>
+              <p:cNvCxnSpPr>
+                <a:cxnSpLocks/>
+                <a:stCxn id="78" idx="6"/>
+                <a:endCxn id="80" idx="2"/>
+              </p:cNvCxnSpPr>
+              <p:nvPr/>
+            </p:nvCxnSpPr>
+            <p:spPr>
+              <a:xfrm>
+                <a:off x="3443497" y="1838647"/>
+                <a:ext cx="988006" cy="340782"/>
+              </a:xfrm>
+              <a:prstGeom prst="straightConnector1">
+                <a:avLst/>
+              </a:prstGeom>
+              <a:ln w="25400">
+                <a:tailEnd type="triangle"/>
+              </a:ln>
+            </p:spPr>
+            <p:style>
+              <a:lnRef idx="1">
+                <a:schemeClr val="accent1"/>
+              </a:lnRef>
+              <a:fillRef idx="0">
+                <a:schemeClr val="accent1"/>
+              </a:fillRef>
+              <a:effectRef idx="0">
+                <a:schemeClr val="accent1"/>
+              </a:effectRef>
+              <a:fontRef idx="minor">
+                <a:schemeClr val="tx1"/>
+              </a:fontRef>
+            </p:style>
+          </p:cxnSp>
+          <p:cxnSp>
+            <p:nvCxnSpPr>
+              <p:cNvPr id="84" name="Straight Arrow Connector 83">
+                <a:extLst>
+                  <a:ext uri="{FF2B5EF4-FFF2-40B4-BE49-F238E27FC236}">
+                    <a16:creationId xmlns:a16="http://schemas.microsoft.com/office/drawing/2014/main" id="{49DFC2D5-8DDC-45ED-81ED-3E87E07E7171}"/>
+                  </a:ext>
+                </a:extLst>
+              </p:cNvPr>
+              <p:cNvCxnSpPr>
+                <a:cxnSpLocks/>
+                <a:stCxn id="78" idx="5"/>
+                <a:endCxn id="79" idx="1"/>
+              </p:cNvCxnSpPr>
+              <p:nvPr/>
+            </p:nvCxnSpPr>
+            <p:spPr>
+              <a:xfrm>
+                <a:off x="3419777" y="1898515"/>
+                <a:ext cx="513098" cy="985161"/>
+              </a:xfrm>
+              <a:prstGeom prst="straightConnector1">
+                <a:avLst/>
+              </a:prstGeom>
+              <a:ln w="25400">
+                <a:solidFill>
+                  <a:schemeClr val="accent6">
+                    <a:lumMod val="75000"/>
+                  </a:schemeClr>
+                </a:solidFill>
+                <a:prstDash val="dash"/>
+                <a:tailEnd type="triangle"/>
+              </a:ln>
+            </p:spPr>
+            <p:style>
+              <a:lnRef idx="1">
+                <a:schemeClr val="accent1"/>
+              </a:lnRef>
+              <a:fillRef idx="0">
+                <a:schemeClr val="accent1"/>
+              </a:fillRef>
+              <a:effectRef idx="0">
+                <a:schemeClr val="accent1"/>
+              </a:effectRef>
+              <a:fontRef idx="minor">
+                <a:schemeClr val="tx1"/>
+              </a:fontRef>
+            </p:style>
+          </p:cxnSp>
+          <p:cxnSp>
+            <p:nvCxnSpPr>
+              <p:cNvPr id="85" name="Straight Arrow Connector 84">
+                <a:extLst>
+                  <a:ext uri="{FF2B5EF4-FFF2-40B4-BE49-F238E27FC236}">
+                    <a16:creationId xmlns:a16="http://schemas.microsoft.com/office/drawing/2014/main" id="{E4F59502-5836-404A-805D-36B47FAF0633}"/>
+                  </a:ext>
+                </a:extLst>
+              </p:cNvPr>
+              <p:cNvCxnSpPr>
+                <a:cxnSpLocks/>
+                <a:stCxn id="76" idx="5"/>
+                <a:endCxn id="77" idx="1"/>
+              </p:cNvCxnSpPr>
+              <p:nvPr/>
+            </p:nvCxnSpPr>
+            <p:spPr>
+              <a:xfrm>
+                <a:off x="2399378" y="2067848"/>
+                <a:ext cx="526829" cy="533596"/>
+              </a:xfrm>
+              <a:prstGeom prst="straightConnector1">
+                <a:avLst/>
+              </a:prstGeom>
+              <a:ln w="25400">
+                <a:solidFill>
+                  <a:schemeClr val="accent6">
+                    <a:lumMod val="75000"/>
+                  </a:schemeClr>
+                </a:solidFill>
+                <a:prstDash val="dash"/>
+                <a:tailEnd type="triangle"/>
+              </a:ln>
+            </p:spPr>
+            <p:style>
+              <a:lnRef idx="1">
+                <a:schemeClr val="accent1"/>
+              </a:lnRef>
+              <a:fillRef idx="0">
+                <a:schemeClr val="accent1"/>
+              </a:fillRef>
+              <a:effectRef idx="0">
+                <a:schemeClr val="accent1"/>
+              </a:effectRef>
+              <a:fontRef idx="minor">
+                <a:schemeClr val="tx1"/>
+              </a:fontRef>
+            </p:style>
+          </p:cxnSp>
+          <p:cxnSp>
+            <p:nvCxnSpPr>
+              <p:cNvPr id="86" name="Straight Arrow Connector 85">
+                <a:extLst>
+                  <a:ext uri="{FF2B5EF4-FFF2-40B4-BE49-F238E27FC236}">
+                    <a16:creationId xmlns:a16="http://schemas.microsoft.com/office/drawing/2014/main" id="{91C94D27-A492-4FF0-91AB-929157FBC503}"/>
+                  </a:ext>
+                </a:extLst>
+              </p:cNvPr>
+              <p:cNvCxnSpPr>
+                <a:cxnSpLocks/>
+                <a:endCxn id="76" idx="2"/>
+              </p:cNvCxnSpPr>
+              <p:nvPr/>
+            </p:nvCxnSpPr>
+            <p:spPr>
+              <a:xfrm>
+                <a:off x="1720840" y="1923313"/>
+                <a:ext cx="540290" cy="84667"/>
+              </a:xfrm>
+              <a:prstGeom prst="straightConnector1">
+                <a:avLst/>
+              </a:prstGeom>
+              <a:ln w="25400">
+                <a:tailEnd type="triangle"/>
+              </a:ln>
+            </p:spPr>
+            <p:style>
+              <a:lnRef idx="1">
+                <a:schemeClr val="accent1"/>
+              </a:lnRef>
+              <a:fillRef idx="0">
+                <a:schemeClr val="accent1"/>
+              </a:fillRef>
+              <a:effectRef idx="0">
+                <a:schemeClr val="accent1"/>
+              </a:effectRef>
+              <a:fontRef idx="minor">
+                <a:schemeClr val="tx1"/>
+              </a:fontRef>
+            </p:style>
+          </p:cxnSp>
+          <p:cxnSp>
+            <p:nvCxnSpPr>
+              <p:cNvPr id="87" name="Straight Arrow Connector 86">
+                <a:extLst>
+                  <a:ext uri="{FF2B5EF4-FFF2-40B4-BE49-F238E27FC236}">
+                    <a16:creationId xmlns:a16="http://schemas.microsoft.com/office/drawing/2014/main" id="{C9B09CD7-9C4C-4F59-AEB5-90AEBF38C5B2}"/>
+                  </a:ext>
+                </a:extLst>
+              </p:cNvPr>
+              <p:cNvCxnSpPr>
+                <a:cxnSpLocks/>
+                <a:stCxn id="77" idx="3"/>
+                <a:endCxn id="81" idx="5"/>
+              </p:cNvCxnSpPr>
+              <p:nvPr/>
+            </p:nvCxnSpPr>
+            <p:spPr>
+              <a:xfrm flipH="1">
+                <a:off x="2167948" y="2721181"/>
+                <a:ext cx="758259" cy="332130"/>
+              </a:xfrm>
+              <a:prstGeom prst="straightConnector1">
+                <a:avLst/>
+              </a:prstGeom>
+              <a:ln w="25400">
+                <a:solidFill>
+                  <a:schemeClr val="accent6">
+                    <a:lumMod val="75000"/>
+                  </a:schemeClr>
+                </a:solidFill>
+                <a:prstDash val="dash"/>
+                <a:tailEnd type="triangle"/>
+              </a:ln>
+            </p:spPr>
+            <p:style>
+              <a:lnRef idx="1">
+                <a:schemeClr val="accent1"/>
+              </a:lnRef>
+              <a:fillRef idx="0">
+                <a:schemeClr val="accent1"/>
+              </a:fillRef>
+              <a:effectRef idx="0">
+                <a:schemeClr val="accent1"/>
+              </a:effectRef>
+              <a:fontRef idx="minor">
+                <a:schemeClr val="tx1"/>
+              </a:fontRef>
+            </p:style>
+          </p:cxnSp>
+          <p:cxnSp>
+            <p:nvCxnSpPr>
+              <p:cNvPr id="88" name="Straight Arrow Connector 87">
+                <a:extLst>
+                  <a:ext uri="{FF2B5EF4-FFF2-40B4-BE49-F238E27FC236}">
+                    <a16:creationId xmlns:a16="http://schemas.microsoft.com/office/drawing/2014/main" id="{DE0F7056-10EB-4277-983E-75C2D09194B0}"/>
+                  </a:ext>
+                </a:extLst>
+              </p:cNvPr>
+              <p:cNvCxnSpPr>
+                <a:cxnSpLocks/>
+                <a:stCxn id="77" idx="1"/>
+                <a:endCxn id="81" idx="7"/>
+              </p:cNvCxnSpPr>
+              <p:nvPr/>
+            </p:nvCxnSpPr>
+            <p:spPr>
+              <a:xfrm flipH="1">
+                <a:off x="2167948" y="2601444"/>
+                <a:ext cx="758259" cy="332130"/>
+              </a:xfrm>
+              <a:prstGeom prst="straightConnector1">
+                <a:avLst/>
+              </a:prstGeom>
+              <a:ln w="25400">
+                <a:solidFill>
+                  <a:schemeClr val="accent2">
+                    <a:lumMod val="75000"/>
+                  </a:schemeClr>
+                </a:solidFill>
+                <a:prstDash val="lgDash"/>
+                <a:headEnd type="triangle"/>
+                <a:tailEnd type="triangle"/>
+              </a:ln>
+            </p:spPr>
+            <p:style>
+              <a:lnRef idx="1">
+                <a:schemeClr val="accent1"/>
+              </a:lnRef>
+              <a:fillRef idx="0">
+                <a:schemeClr val="accent1"/>
+              </a:fillRef>
+              <a:effectRef idx="0">
+                <a:schemeClr val="accent1"/>
+              </a:effectRef>
+              <a:fontRef idx="minor">
+                <a:schemeClr val="tx1"/>
+              </a:fontRef>
+            </p:style>
+          </p:cxnSp>
+          <p:sp>
+            <p:nvSpPr>
+              <p:cNvPr id="89" name="TextBox 88">
+                <a:extLst>
+                  <a:ext uri="{FF2B5EF4-FFF2-40B4-BE49-F238E27FC236}">
+                    <a16:creationId xmlns:a16="http://schemas.microsoft.com/office/drawing/2014/main" id="{F44EE462-F9B1-4B44-8F52-9D3B599C4895}"/>
+                  </a:ext>
+                </a:extLst>
+              </p:cNvPr>
+              <p:cNvSpPr txBox="1"/>
+              <p:nvPr/>
+            </p:nvSpPr>
+            <p:spPr>
+              <a:xfrm>
+                <a:off x="3254334" y="1447162"/>
+                <a:ext cx="796990" cy="515312"/>
+              </a:xfrm>
+              <a:prstGeom prst="rect">
+                <a:avLst/>
+              </a:prstGeom>
+              <a:noFill/>
+            </p:spPr>
+            <p:txBody>
+              <a:bodyPr wrap="square" rtlCol="0">
+                <a:spAutoFit/>
+              </a:bodyPr>
+              <a:lstStyle/>
+              <a:p>
+                <a:r>
+                  <a:rPr lang="en-US" sz="1600" dirty="0"/>
+                  <a:t>M2</a:t>
+                </a:r>
+              </a:p>
+            </p:txBody>
+          </p:sp>
+          <p:sp>
+            <p:nvSpPr>
+              <p:cNvPr id="90" name="TextBox 89">
+                <a:extLst>
+                  <a:ext uri="{FF2B5EF4-FFF2-40B4-BE49-F238E27FC236}">
+                    <a16:creationId xmlns:a16="http://schemas.microsoft.com/office/drawing/2014/main" id="{1836BC31-5E29-40D4-BA08-73919DA36D71}"/>
+                  </a:ext>
+                </a:extLst>
+              </p:cNvPr>
+              <p:cNvSpPr txBox="1"/>
+              <p:nvPr/>
+            </p:nvSpPr>
+            <p:spPr>
+              <a:xfrm>
+                <a:off x="2185634" y="1538010"/>
+                <a:ext cx="796989" cy="515313"/>
+              </a:xfrm>
+              <a:prstGeom prst="rect">
+                <a:avLst/>
+              </a:prstGeom>
+              <a:noFill/>
+            </p:spPr>
+            <p:txBody>
+              <a:bodyPr wrap="square" rtlCol="0">
+                <a:spAutoFit/>
+              </a:bodyPr>
+              <a:lstStyle/>
+              <a:p>
+                <a:r>
+                  <a:rPr lang="en-US" sz="1600" dirty="0"/>
+                  <a:t>M3</a:t>
+                </a:r>
+              </a:p>
+            </p:txBody>
+          </p:sp>
+          <p:sp>
+            <p:nvSpPr>
+              <p:cNvPr id="91" name="TextBox 90">
+                <a:extLst>
+                  <a:ext uri="{FF2B5EF4-FFF2-40B4-BE49-F238E27FC236}">
+                    <a16:creationId xmlns:a16="http://schemas.microsoft.com/office/drawing/2014/main" id="{47B3E60C-7508-4E4C-A86A-1D74D752207F}"/>
+                  </a:ext>
+                </a:extLst>
+              </p:cNvPr>
+              <p:cNvSpPr txBox="1"/>
+              <p:nvPr/>
+            </p:nvSpPr>
+            <p:spPr>
+              <a:xfrm>
+                <a:off x="2908613" y="2641620"/>
+                <a:ext cx="796990" cy="515312"/>
+              </a:xfrm>
+              <a:prstGeom prst="rect">
+                <a:avLst/>
+              </a:prstGeom>
+              <a:noFill/>
+            </p:spPr>
+            <p:txBody>
+              <a:bodyPr wrap="square" rtlCol="0">
+                <a:spAutoFit/>
+              </a:bodyPr>
+              <a:lstStyle/>
+              <a:p>
+                <a:r>
+                  <a:rPr lang="en-US" sz="1600" dirty="0"/>
+                  <a:t>M5</a:t>
+                </a:r>
+              </a:p>
+            </p:txBody>
+          </p:sp>
+          <p:sp>
+            <p:nvSpPr>
+              <p:cNvPr id="92" name="TextBox 91">
+                <a:extLst>
+                  <a:ext uri="{FF2B5EF4-FFF2-40B4-BE49-F238E27FC236}">
+                    <a16:creationId xmlns:a16="http://schemas.microsoft.com/office/drawing/2014/main" id="{FFD33FFC-3325-41BD-95E0-41846FB2261D}"/>
+                  </a:ext>
+                </a:extLst>
+              </p:cNvPr>
+              <p:cNvSpPr txBox="1"/>
+              <p:nvPr/>
+            </p:nvSpPr>
+            <p:spPr>
+              <a:xfrm>
+                <a:off x="1884112" y="3028264"/>
+                <a:ext cx="964620" cy="515312"/>
+              </a:xfrm>
+              <a:prstGeom prst="rect">
+                <a:avLst/>
+              </a:prstGeom>
+              <a:noFill/>
+            </p:spPr>
+            <p:txBody>
+              <a:bodyPr wrap="square" rtlCol="0">
+                <a:spAutoFit/>
+              </a:bodyPr>
+              <a:lstStyle/>
+              <a:p>
+                <a:r>
+                  <a:rPr lang="en-US" sz="1600" dirty="0"/>
+                  <a:t>M6</a:t>
+                </a:r>
+              </a:p>
+            </p:txBody>
+          </p:sp>
+        </p:grpSp>
+        <p:sp>
+          <p:nvSpPr>
+            <p:cNvPr id="94" name="TextBox 93">
+              <a:extLst>
+                <a:ext uri="{FF2B5EF4-FFF2-40B4-BE49-F238E27FC236}">
+                  <a16:creationId xmlns:a16="http://schemas.microsoft.com/office/drawing/2014/main" id="{2E529A93-AEF9-4775-A37F-1C92F252E4E2}"/>
+                </a:ext>
+              </a:extLst>
+            </p:cNvPr>
+            <p:cNvSpPr txBox="1"/>
+            <p:nvPr/>
+          </p:nvSpPr>
+          <p:spPr>
+            <a:xfrm>
+              <a:off x="3415241" y="2218814"/>
+              <a:ext cx="678539" cy="338554"/>
+            </a:xfrm>
+            <a:prstGeom prst="rect">
+              <a:avLst/>
+            </a:prstGeom>
+            <a:noFill/>
+          </p:spPr>
+          <p:txBody>
+            <a:bodyPr wrap="square" rtlCol="0">
+              <a:spAutoFit/>
+            </a:bodyPr>
+            <a:lstStyle/>
+            <a:p>
+              <a:r>
+                <a:rPr lang="en-US" sz="1600" dirty="0"/>
+                <a:t>M1</a:t>
+              </a:r>
+            </a:p>
+          </p:txBody>
+        </p:sp>
+        <p:sp>
+          <p:nvSpPr>
+            <p:cNvPr id="95" name="TextBox 94">
+              <a:extLst>
+                <a:ext uri="{FF2B5EF4-FFF2-40B4-BE49-F238E27FC236}">
+                  <a16:creationId xmlns:a16="http://schemas.microsoft.com/office/drawing/2014/main" id="{47790458-6395-460F-9116-69DDB187AF87}"/>
+                </a:ext>
+              </a:extLst>
+            </p:cNvPr>
+            <p:cNvSpPr txBox="1"/>
+            <p:nvPr/>
+          </p:nvSpPr>
+          <p:spPr>
+            <a:xfrm>
+              <a:off x="3128789" y="3076446"/>
+              <a:ext cx="678538" cy="338554"/>
+            </a:xfrm>
+            <a:prstGeom prst="rect">
+              <a:avLst/>
+            </a:prstGeom>
+            <a:noFill/>
+          </p:spPr>
+          <p:txBody>
+            <a:bodyPr wrap="square" rtlCol="0">
+              <a:spAutoFit/>
+            </a:bodyPr>
+            <a:lstStyle/>
+            <a:p>
+              <a:r>
+                <a:rPr lang="en-US" sz="1600" dirty="0"/>
+                <a:t>M4</a:t>
+              </a:r>
+            </a:p>
+          </p:txBody>
+        </p:sp>
+      </p:grpSp>
+      <p:sp>
+        <p:nvSpPr>
+          <p:cNvPr id="97" name="TextBox 96">
+            <a:extLst>
+              <a:ext uri="{FF2B5EF4-FFF2-40B4-BE49-F238E27FC236}">
+                <a16:creationId xmlns:a16="http://schemas.microsoft.com/office/drawing/2014/main" id="{64A3D5D0-DBAC-42A8-97F3-A0D15F7A8170}"/>
+              </a:ext>
+            </a:extLst>
+          </p:cNvPr>
+          <p:cNvSpPr txBox="1"/>
+          <p:nvPr/>
+        </p:nvSpPr>
+        <p:spPr>
+          <a:xfrm>
+            <a:off x="3283738" y="1030334"/>
+            <a:ext cx="876237" cy="369332"/>
+          </a:xfrm>
+          <a:prstGeom prst="rect">
+            <a:avLst/>
+          </a:prstGeom>
+          <a:noFill/>
+        </p:spPr>
+        <p:txBody>
+          <a:bodyPr wrap="square" rtlCol="0">
+            <a:spAutoFit/>
+          </a:bodyPr>
+          <a:lstStyle/>
+          <a:p>
+            <a:r>
+              <a:rPr lang="en-US" dirty="0"/>
+              <a:t>Conv1</a:t>
+            </a:r>
+          </a:p>
+        </p:txBody>
+      </p:sp>
+      <p:sp>
+        <p:nvSpPr>
+          <p:cNvPr id="98" name="TextBox 97">
+            <a:extLst>
+              <a:ext uri="{FF2B5EF4-FFF2-40B4-BE49-F238E27FC236}">
+                <a16:creationId xmlns:a16="http://schemas.microsoft.com/office/drawing/2014/main" id="{A53304BA-AE91-4BDE-B394-0535B0204EB0}"/>
+              </a:ext>
+            </a:extLst>
+          </p:cNvPr>
+          <p:cNvSpPr txBox="1"/>
+          <p:nvPr/>
+        </p:nvSpPr>
+        <p:spPr>
+          <a:xfrm>
+            <a:off x="4762531" y="1006928"/>
+            <a:ext cx="876237" cy="369332"/>
+          </a:xfrm>
+          <a:prstGeom prst="rect">
+            <a:avLst/>
+          </a:prstGeom>
+          <a:noFill/>
+        </p:spPr>
+        <p:txBody>
+          <a:bodyPr wrap="square" rtlCol="0">
+            <a:spAutoFit/>
+          </a:bodyPr>
+          <a:lstStyle/>
+          <a:p>
+            <a:r>
+              <a:rPr lang="en-US" dirty="0"/>
+              <a:t>Conv2</a:t>
+            </a:r>
+          </a:p>
+        </p:txBody>
+      </p:sp>
+      <p:sp>
+        <p:nvSpPr>
+          <p:cNvPr id="99" name="TextBox 98">
+            <a:extLst>
+              <a:ext uri="{FF2B5EF4-FFF2-40B4-BE49-F238E27FC236}">
+                <a16:creationId xmlns:a16="http://schemas.microsoft.com/office/drawing/2014/main" id="{6384307C-8C14-43FC-A61B-FCFC78A13987}"/>
+              </a:ext>
+            </a:extLst>
+          </p:cNvPr>
+          <p:cNvSpPr txBox="1"/>
+          <p:nvPr/>
+        </p:nvSpPr>
+        <p:spPr>
+          <a:xfrm>
+            <a:off x="7070546" y="1011675"/>
+            <a:ext cx="876237" cy="369332"/>
+          </a:xfrm>
+          <a:prstGeom prst="rect">
+            <a:avLst/>
+          </a:prstGeom>
+          <a:noFill/>
+        </p:spPr>
+        <p:txBody>
+          <a:bodyPr wrap="square" rtlCol="0">
+            <a:spAutoFit/>
+          </a:bodyPr>
+          <a:lstStyle/>
+          <a:p>
+            <a:r>
+              <a:rPr lang="en-US" dirty="0"/>
+              <a:t>Conv’i</a:t>
+            </a:r>
+          </a:p>
+        </p:txBody>
+      </p:sp>
+      <p:sp>
+        <p:nvSpPr>
+          <p:cNvPr id="100" name="TextBox 99">
+            <a:extLst>
+              <a:ext uri="{FF2B5EF4-FFF2-40B4-BE49-F238E27FC236}">
+                <a16:creationId xmlns:a16="http://schemas.microsoft.com/office/drawing/2014/main" id="{090E44AE-B8DD-4A43-8311-5AB797292C0D}"/>
+              </a:ext>
+            </a:extLst>
+          </p:cNvPr>
+          <p:cNvSpPr txBox="1"/>
+          <p:nvPr/>
+        </p:nvSpPr>
+        <p:spPr>
+          <a:xfrm>
+            <a:off x="3283738" y="5603695"/>
+            <a:ext cx="876237" cy="369332"/>
+          </a:xfrm>
+          <a:prstGeom prst="rect">
+            <a:avLst/>
+          </a:prstGeom>
+          <a:noFill/>
+        </p:spPr>
+        <p:txBody>
+          <a:bodyPr wrap="square" rtlCol="0">
+            <a:spAutoFit/>
+          </a:bodyPr>
+          <a:lstStyle/>
+          <a:p>
+            <a:r>
+              <a:rPr lang="en-US" dirty="0"/>
+              <a:t>Conv’1</a:t>
+            </a:r>
+          </a:p>
+        </p:txBody>
+      </p:sp>
+      <p:sp>
+        <p:nvSpPr>
+          <p:cNvPr id="101" name="TextBox 100">
+            <a:extLst>
+              <a:ext uri="{FF2B5EF4-FFF2-40B4-BE49-F238E27FC236}">
+                <a16:creationId xmlns:a16="http://schemas.microsoft.com/office/drawing/2014/main" id="{CB073200-2761-4A06-AACF-01E8CC88A771}"/>
+              </a:ext>
+            </a:extLst>
+          </p:cNvPr>
+          <p:cNvSpPr txBox="1"/>
+          <p:nvPr/>
+        </p:nvSpPr>
+        <p:spPr>
+          <a:xfrm>
+            <a:off x="4696160" y="5615363"/>
+            <a:ext cx="876237" cy="369332"/>
+          </a:xfrm>
+          <a:prstGeom prst="rect">
+            <a:avLst/>
+          </a:prstGeom>
+          <a:noFill/>
+        </p:spPr>
+        <p:txBody>
+          <a:bodyPr wrap="square" rtlCol="0">
+            <a:spAutoFit/>
+          </a:bodyPr>
+          <a:lstStyle/>
+          <a:p>
+            <a:r>
+              <a:rPr lang="en-US" dirty="0"/>
+              <a:t>Conv’2</a:t>
+            </a:r>
+          </a:p>
+        </p:txBody>
+      </p:sp>
+      <p:sp>
+        <p:nvSpPr>
+          <p:cNvPr id="102" name="TextBox 101">
+            <a:extLst>
+              <a:ext uri="{FF2B5EF4-FFF2-40B4-BE49-F238E27FC236}">
+                <a16:creationId xmlns:a16="http://schemas.microsoft.com/office/drawing/2014/main" id="{D596E9E7-9739-4A3E-9F6F-A12AD8F5E72A}"/>
+              </a:ext>
+            </a:extLst>
+          </p:cNvPr>
+          <p:cNvSpPr txBox="1"/>
+          <p:nvPr/>
+        </p:nvSpPr>
+        <p:spPr>
+          <a:xfrm>
+            <a:off x="7065102" y="5605838"/>
+            <a:ext cx="876237" cy="369332"/>
+          </a:xfrm>
+          <a:prstGeom prst="rect">
+            <a:avLst/>
+          </a:prstGeom>
+          <a:noFill/>
+        </p:spPr>
+        <p:txBody>
+          <a:bodyPr wrap="square" rtlCol="0">
+            <a:spAutoFit/>
+          </a:bodyPr>
+          <a:lstStyle/>
+          <a:p>
+            <a:r>
+              <a:rPr lang="en-US" dirty="0"/>
+              <a:t>Conv’i</a:t>
+            </a:r>
+          </a:p>
+        </p:txBody>
+      </p:sp>
+      <p:sp>
+        <p:nvSpPr>
+          <p:cNvPr id="103" name="TextBox 102">
+            <a:extLst>
+              <a:ext uri="{FF2B5EF4-FFF2-40B4-BE49-F238E27FC236}">
+                <a16:creationId xmlns:a16="http://schemas.microsoft.com/office/drawing/2014/main" id="{F127DA51-B030-4DEA-AD09-620B3E4A4CD8}"/>
+              </a:ext>
+            </a:extLst>
+          </p:cNvPr>
+          <p:cNvSpPr txBox="1"/>
+          <p:nvPr/>
+        </p:nvSpPr>
+        <p:spPr>
+          <a:xfrm>
+            <a:off x="4088466" y="1021200"/>
+            <a:ext cx="876237" cy="369332"/>
+          </a:xfrm>
+          <a:prstGeom prst="rect">
+            <a:avLst/>
+          </a:prstGeom>
+          <a:noFill/>
+        </p:spPr>
+        <p:txBody>
+          <a:bodyPr wrap="square" rtlCol="0">
+            <a:spAutoFit/>
+          </a:bodyPr>
+          <a:lstStyle/>
+          <a:p>
+            <a:r>
+              <a:rPr lang="en-US" dirty="0"/>
+              <a:t>ReLU</a:t>
+            </a:r>
+          </a:p>
+        </p:txBody>
+      </p:sp>
+      <p:sp>
+        <p:nvSpPr>
+          <p:cNvPr id="104" name="TextBox 103">
+            <a:extLst>
+              <a:ext uri="{FF2B5EF4-FFF2-40B4-BE49-F238E27FC236}">
+                <a16:creationId xmlns:a16="http://schemas.microsoft.com/office/drawing/2014/main" id="{066A0DBE-3F82-489E-8BE9-4E4A9F98285F}"/>
+              </a:ext>
+            </a:extLst>
+          </p:cNvPr>
+          <p:cNvSpPr txBox="1"/>
+          <p:nvPr/>
+        </p:nvSpPr>
+        <p:spPr>
+          <a:xfrm>
+            <a:off x="5461843" y="1011675"/>
+            <a:ext cx="876237" cy="369332"/>
+          </a:xfrm>
+          <a:prstGeom prst="rect">
+            <a:avLst/>
+          </a:prstGeom>
+          <a:noFill/>
+        </p:spPr>
+        <p:txBody>
+          <a:bodyPr wrap="square" rtlCol="0">
+            <a:spAutoFit/>
+          </a:bodyPr>
+          <a:lstStyle/>
+          <a:p>
+            <a:r>
+              <a:rPr lang="en-US" dirty="0"/>
+              <a:t>ReLU</a:t>
+            </a:r>
+          </a:p>
+        </p:txBody>
+      </p:sp>
+      <p:sp>
+        <p:nvSpPr>
+          <p:cNvPr id="105" name="TextBox 104">
+            <a:extLst>
+              <a:ext uri="{FF2B5EF4-FFF2-40B4-BE49-F238E27FC236}">
+                <a16:creationId xmlns:a16="http://schemas.microsoft.com/office/drawing/2014/main" id="{E530514D-62CC-4055-94D2-35E0C13DCD3C}"/>
+              </a:ext>
+            </a:extLst>
+          </p:cNvPr>
+          <p:cNvSpPr txBox="1"/>
+          <p:nvPr/>
+        </p:nvSpPr>
+        <p:spPr>
+          <a:xfrm>
+            <a:off x="7702119" y="1017634"/>
+            <a:ext cx="984338" cy="369332"/>
+          </a:xfrm>
+          <a:prstGeom prst="rect">
+            <a:avLst/>
+          </a:prstGeom>
+          <a:noFill/>
+        </p:spPr>
+        <p:txBody>
+          <a:bodyPr wrap="square" rtlCol="0">
+            <a:spAutoFit/>
+          </a:bodyPr>
+          <a:lstStyle/>
+          <a:p>
+            <a:r>
+              <a:rPr lang="en-US" dirty="0"/>
+              <a:t>SoftMax</a:t>
+            </a:r>
+          </a:p>
+        </p:txBody>
+      </p:sp>
+      <p:sp>
+        <p:nvSpPr>
+          <p:cNvPr id="106" name="TextBox 105">
+            <a:extLst>
+              <a:ext uri="{FF2B5EF4-FFF2-40B4-BE49-F238E27FC236}">
+                <a16:creationId xmlns:a16="http://schemas.microsoft.com/office/drawing/2014/main" id="{EFF91735-428C-4388-90E8-FBE7509FE98B}"/>
+              </a:ext>
+            </a:extLst>
+          </p:cNvPr>
+          <p:cNvSpPr txBox="1"/>
+          <p:nvPr/>
+        </p:nvSpPr>
+        <p:spPr>
+          <a:xfrm>
+            <a:off x="4125573" y="5613220"/>
+            <a:ext cx="876237" cy="369332"/>
+          </a:xfrm>
+          <a:prstGeom prst="rect">
+            <a:avLst/>
+          </a:prstGeom>
+          <a:noFill/>
+        </p:spPr>
+        <p:txBody>
+          <a:bodyPr wrap="square" rtlCol="0">
+            <a:spAutoFit/>
+          </a:bodyPr>
+          <a:lstStyle/>
+          <a:p>
+            <a:r>
+              <a:rPr lang="en-US" dirty="0"/>
+              <a:t>ReLU</a:t>
+            </a:r>
+          </a:p>
+        </p:txBody>
+      </p:sp>
+      <p:sp>
+        <p:nvSpPr>
+          <p:cNvPr id="107" name="TextBox 106">
+            <a:extLst>
+              <a:ext uri="{FF2B5EF4-FFF2-40B4-BE49-F238E27FC236}">
+                <a16:creationId xmlns:a16="http://schemas.microsoft.com/office/drawing/2014/main" id="{231C773C-6BA0-4CB6-BB93-BAF65B45A4B3}"/>
+              </a:ext>
+            </a:extLst>
+          </p:cNvPr>
+          <p:cNvSpPr txBox="1"/>
+          <p:nvPr/>
+        </p:nvSpPr>
+        <p:spPr>
+          <a:xfrm>
+            <a:off x="5498950" y="5603695"/>
+            <a:ext cx="876237" cy="369332"/>
+          </a:xfrm>
+          <a:prstGeom prst="rect">
+            <a:avLst/>
+          </a:prstGeom>
+          <a:noFill/>
+        </p:spPr>
+        <p:txBody>
+          <a:bodyPr wrap="square" rtlCol="0">
+            <a:spAutoFit/>
+          </a:bodyPr>
+          <a:lstStyle/>
+          <a:p>
+            <a:r>
+              <a:rPr lang="en-US" dirty="0"/>
+              <a:t>ReLU</a:t>
+            </a:r>
+          </a:p>
+        </p:txBody>
+      </p:sp>
+      <p:sp>
+        <p:nvSpPr>
+          <p:cNvPr id="108" name="TextBox 107">
+            <a:extLst>
+              <a:ext uri="{FF2B5EF4-FFF2-40B4-BE49-F238E27FC236}">
+                <a16:creationId xmlns:a16="http://schemas.microsoft.com/office/drawing/2014/main" id="{286429E9-EE5B-40A8-9066-AF1D3858F37D}"/>
+              </a:ext>
+            </a:extLst>
+          </p:cNvPr>
+          <p:cNvSpPr txBox="1"/>
+          <p:nvPr/>
+        </p:nvSpPr>
+        <p:spPr>
+          <a:xfrm>
+            <a:off x="7740800" y="5603304"/>
+            <a:ext cx="998285" cy="369332"/>
+          </a:xfrm>
+          <a:prstGeom prst="rect">
+            <a:avLst/>
+          </a:prstGeom>
+          <a:noFill/>
+        </p:spPr>
+        <p:txBody>
+          <a:bodyPr wrap="square" rtlCol="0">
+            <a:spAutoFit/>
+          </a:bodyPr>
+          <a:lstStyle/>
+          <a:p>
+            <a:r>
+              <a:rPr lang="en-US" dirty="0"/>
+              <a:t>SoftMax</a:t>
+            </a:r>
+          </a:p>
+        </p:txBody>
+      </p:sp>
+      <p:sp>
+        <p:nvSpPr>
+          <p:cNvPr id="109" name="TextBox 108">
+            <a:extLst>
+              <a:ext uri="{FF2B5EF4-FFF2-40B4-BE49-F238E27FC236}">
+                <a16:creationId xmlns:a16="http://schemas.microsoft.com/office/drawing/2014/main" id="{01AE721E-D7A9-4B26-855B-8E0BA7C5A3D6}"/>
+              </a:ext>
+            </a:extLst>
+          </p:cNvPr>
+          <p:cNvSpPr txBox="1"/>
+          <p:nvPr/>
+        </p:nvSpPr>
+        <p:spPr>
+          <a:xfrm>
+            <a:off x="2754742" y="3168023"/>
+            <a:ext cx="1278271" cy="646331"/>
+          </a:xfrm>
+          <a:prstGeom prst="rect">
+            <a:avLst/>
+          </a:prstGeom>
+          <a:noFill/>
+        </p:spPr>
+        <p:txBody>
+          <a:bodyPr wrap="square" rtlCol="0">
+            <a:spAutoFit/>
+          </a:bodyPr>
+          <a:lstStyle/>
+          <a:p>
+            <a:pPr algn="ctr"/>
+            <a:r>
+              <a:rPr lang="en-US" dirty="0"/>
+              <a:t>cross-stitch units</a:t>
+            </a:r>
+          </a:p>
+        </p:txBody>
+      </p:sp>
+      <p:grpSp>
+        <p:nvGrpSpPr>
+          <p:cNvPr id="110" name="Group 109">
+            <a:extLst>
+              <a:ext uri="{FF2B5EF4-FFF2-40B4-BE49-F238E27FC236}">
+                <a16:creationId xmlns:a16="http://schemas.microsoft.com/office/drawing/2014/main" id="{8AEA25BE-50F4-4BDA-9927-C60B847ABA38}"/>
+              </a:ext>
+            </a:extLst>
+          </p:cNvPr>
+          <p:cNvGrpSpPr/>
+          <p:nvPr/>
+        </p:nvGrpSpPr>
+        <p:grpSpPr>
+          <a:xfrm>
+            <a:off x="1490054" y="4098106"/>
+            <a:ext cx="1726793" cy="1461486"/>
+            <a:chOff x="2776280" y="1868495"/>
+            <a:chExt cx="2326799" cy="1969306"/>
+          </a:xfrm>
+        </p:grpSpPr>
+        <p:grpSp>
+          <p:nvGrpSpPr>
+            <p:cNvPr id="111" name="Group 110">
+              <a:extLst>
+                <a:ext uri="{FF2B5EF4-FFF2-40B4-BE49-F238E27FC236}">
+                  <a16:creationId xmlns:a16="http://schemas.microsoft.com/office/drawing/2014/main" id="{D87C1C1C-32FE-4FC8-828B-605876E16F6E}"/>
+                </a:ext>
+              </a:extLst>
+            </p:cNvPr>
+            <p:cNvGrpSpPr/>
+            <p:nvPr/>
+          </p:nvGrpSpPr>
+          <p:grpSpPr>
+            <a:xfrm>
+              <a:off x="2866515" y="2140165"/>
+              <a:ext cx="1832485" cy="1446049"/>
+              <a:chOff x="2866515" y="2140165"/>
+              <a:chExt cx="1832485" cy="1446049"/>
+            </a:xfrm>
+          </p:grpSpPr>
+          <p:sp>
+            <p:nvSpPr>
+              <p:cNvPr id="131" name="Oval 130">
+                <a:extLst>
+                  <a:ext uri="{FF2B5EF4-FFF2-40B4-BE49-F238E27FC236}">
+                    <a16:creationId xmlns:a16="http://schemas.microsoft.com/office/drawing/2014/main" id="{DFA2FF87-8274-4CC4-9A54-8784FE8222C4}"/>
+                  </a:ext>
+                </a:extLst>
+              </p:cNvPr>
+              <p:cNvSpPr/>
+              <p:nvPr/>
+            </p:nvSpPr>
+            <p:spPr>
+              <a:xfrm>
+                <a:off x="3830042" y="2140165"/>
+                <a:ext cx="169333" cy="169333"/>
+              </a:xfrm>
+              <a:prstGeom prst="ellipse">
+                <a:avLst/>
+              </a:prstGeom>
+              <a:solidFill>
+                <a:schemeClr val="accent4">
+                  <a:lumMod val="20000"/>
+                  <a:lumOff val="80000"/>
+                </a:schemeClr>
+              </a:solidFill>
+              <a:ln>
+                <a:solidFill>
+                  <a:srgbClr val="FFC000"/>
+                </a:solidFill>
+              </a:ln>
+            </p:spPr>
+            <p:style>
+              <a:lnRef idx="2">
+                <a:schemeClr val="accent1">
+                  <a:shade val="50000"/>
+                </a:schemeClr>
+              </a:lnRef>
+              <a:fillRef idx="1">
+                <a:schemeClr val="accent1"/>
+              </a:fillRef>
+              <a:effectRef idx="0">
+                <a:schemeClr val="accent1"/>
+              </a:effectRef>
+              <a:fontRef idx="minor">
+                <a:schemeClr val="lt1"/>
+              </a:fontRef>
+            </p:style>
+            <p:txBody>
+              <a:bodyPr rtlCol="0" anchor="ctr"/>
+              <a:lstStyle/>
+              <a:p>
+                <a:pPr algn="ctr"/>
+                <a:endParaRPr lang="en-US" sz="1600" dirty="0"/>
+              </a:p>
+            </p:txBody>
+          </p:sp>
+          <p:sp>
+            <p:nvSpPr>
+              <p:cNvPr id="132" name="Oval 131">
+                <a:extLst>
+                  <a:ext uri="{FF2B5EF4-FFF2-40B4-BE49-F238E27FC236}">
+                    <a16:creationId xmlns:a16="http://schemas.microsoft.com/office/drawing/2014/main" id="{30FDA91D-C956-4509-92BF-F020B9F93427}"/>
+                  </a:ext>
+                </a:extLst>
+              </p:cNvPr>
+              <p:cNvSpPr/>
+              <p:nvPr/>
+            </p:nvSpPr>
+            <p:spPr>
+              <a:xfrm>
+                <a:off x="3590744" y="2660695"/>
+                <a:ext cx="169333" cy="169333"/>
+              </a:xfrm>
+              <a:prstGeom prst="ellipse">
+                <a:avLst/>
+              </a:prstGeom>
+              <a:solidFill>
+                <a:schemeClr val="accent4">
+                  <a:lumMod val="20000"/>
+                  <a:lumOff val="80000"/>
+                </a:schemeClr>
+              </a:solidFill>
+              <a:ln>
+                <a:solidFill>
+                  <a:srgbClr val="FFC000"/>
+                </a:solidFill>
+              </a:ln>
+            </p:spPr>
+            <p:style>
+              <a:lnRef idx="2">
+                <a:schemeClr val="accent1">
+                  <a:shade val="50000"/>
+                </a:schemeClr>
+              </a:lnRef>
+              <a:fillRef idx="1">
+                <a:schemeClr val="accent1"/>
+              </a:fillRef>
+              <a:effectRef idx="0">
+                <a:schemeClr val="accent1"/>
+              </a:effectRef>
+              <a:fontRef idx="minor">
+                <a:schemeClr val="lt1"/>
+              </a:fontRef>
+            </p:style>
+            <p:txBody>
+              <a:bodyPr rtlCol="0" anchor="ctr"/>
+              <a:lstStyle/>
+              <a:p>
+                <a:pPr algn="ctr"/>
+                <a:endParaRPr lang="en-US" sz="1600" dirty="0"/>
+              </a:p>
+            </p:txBody>
+          </p:sp>
+          <p:sp>
+            <p:nvSpPr>
+              <p:cNvPr id="133" name="Oval 132">
+                <a:extLst>
+                  <a:ext uri="{FF2B5EF4-FFF2-40B4-BE49-F238E27FC236}">
+                    <a16:creationId xmlns:a16="http://schemas.microsoft.com/office/drawing/2014/main" id="{6E5E59DD-B488-4011-BD12-B67938D8F39A}"/>
+                  </a:ext>
+                </a:extLst>
+              </p:cNvPr>
+              <p:cNvSpPr/>
+              <p:nvPr/>
+            </p:nvSpPr>
+            <p:spPr>
+              <a:xfrm>
+                <a:off x="4289943" y="3273751"/>
+                <a:ext cx="169333" cy="169333"/>
+              </a:xfrm>
+              <a:prstGeom prst="ellipse">
+                <a:avLst/>
+              </a:prstGeom>
+              <a:solidFill>
+                <a:schemeClr val="accent4">
+                  <a:lumMod val="20000"/>
+                  <a:lumOff val="80000"/>
+                </a:schemeClr>
+              </a:solidFill>
+              <a:ln>
+                <a:solidFill>
+                  <a:srgbClr val="FFC000"/>
+                </a:solidFill>
+              </a:ln>
+            </p:spPr>
+            <p:style>
+              <a:lnRef idx="2">
+                <a:schemeClr val="accent1">
+                  <a:shade val="50000"/>
+                </a:schemeClr>
+              </a:lnRef>
+              <a:fillRef idx="1">
+                <a:schemeClr val="accent1"/>
+              </a:fillRef>
+              <a:effectRef idx="0">
+                <a:schemeClr val="accent1"/>
+              </a:effectRef>
+              <a:fontRef idx="minor">
+                <a:schemeClr val="lt1"/>
+              </a:fontRef>
+            </p:style>
+            <p:txBody>
+              <a:bodyPr rtlCol="0" anchor="ctr"/>
+              <a:lstStyle/>
+              <a:p>
+                <a:pPr algn="ctr"/>
+                <a:endParaRPr lang="en-US" sz="1600" dirty="0"/>
+              </a:p>
+            </p:txBody>
+          </p:sp>
+          <p:sp>
+            <p:nvSpPr>
+              <p:cNvPr id="134" name="Oval 133">
+                <a:extLst>
+                  <a:ext uri="{FF2B5EF4-FFF2-40B4-BE49-F238E27FC236}">
+                    <a16:creationId xmlns:a16="http://schemas.microsoft.com/office/drawing/2014/main" id="{A830E77B-C8A1-4E11-8968-0FD76F715303}"/>
+                  </a:ext>
+                </a:extLst>
+              </p:cNvPr>
+              <p:cNvSpPr/>
+              <p:nvPr/>
+            </p:nvSpPr>
+            <p:spPr>
+              <a:xfrm>
+                <a:off x="2866515" y="2861393"/>
+                <a:ext cx="169333" cy="169333"/>
+              </a:xfrm>
+              <a:prstGeom prst="ellipse">
+                <a:avLst/>
+              </a:prstGeom>
+              <a:solidFill>
+                <a:schemeClr val="accent4">
+                  <a:lumMod val="20000"/>
+                  <a:lumOff val="80000"/>
+                </a:schemeClr>
+              </a:solidFill>
+              <a:ln>
+                <a:solidFill>
+                  <a:srgbClr val="FFC000"/>
+                </a:solidFill>
+              </a:ln>
+            </p:spPr>
+            <p:style>
+              <a:lnRef idx="2">
+                <a:schemeClr val="accent1">
+                  <a:shade val="50000"/>
+                </a:schemeClr>
+              </a:lnRef>
+              <a:fillRef idx="1">
+                <a:schemeClr val="accent1"/>
+              </a:fillRef>
+              <a:effectRef idx="0">
+                <a:schemeClr val="accent1"/>
+              </a:effectRef>
+              <a:fontRef idx="minor">
+                <a:schemeClr val="lt1"/>
+              </a:fontRef>
+            </p:style>
+            <p:txBody>
+              <a:bodyPr rtlCol="0" anchor="ctr"/>
+              <a:lstStyle/>
+              <a:p>
+                <a:pPr algn="ctr"/>
+                <a:endParaRPr lang="en-US" sz="1600" dirty="0"/>
+              </a:p>
+            </p:txBody>
+          </p:sp>
+          <p:sp>
+            <p:nvSpPr>
+              <p:cNvPr id="135" name="Oval 134">
+                <a:extLst>
+                  <a:ext uri="{FF2B5EF4-FFF2-40B4-BE49-F238E27FC236}">
+                    <a16:creationId xmlns:a16="http://schemas.microsoft.com/office/drawing/2014/main" id="{AEFCA3A2-EC60-491A-B146-88962F039CA4}"/>
+                  </a:ext>
+                </a:extLst>
+              </p:cNvPr>
+              <p:cNvSpPr/>
+              <p:nvPr/>
+            </p:nvSpPr>
+            <p:spPr>
+              <a:xfrm>
+                <a:off x="4529667" y="2567516"/>
+                <a:ext cx="169333" cy="169333"/>
+              </a:xfrm>
+              <a:prstGeom prst="ellipse">
+                <a:avLst/>
+              </a:prstGeom>
+              <a:solidFill>
+                <a:schemeClr val="accent2">
+                  <a:lumMod val="40000"/>
+                  <a:lumOff val="60000"/>
+                </a:schemeClr>
+              </a:solidFill>
+              <a:ln>
+                <a:solidFill>
+                  <a:srgbClr val="FF0000"/>
+                </a:solidFill>
+              </a:ln>
+            </p:spPr>
+            <p:style>
+              <a:lnRef idx="2">
+                <a:schemeClr val="accent1">
+                  <a:shade val="50000"/>
+                </a:schemeClr>
+              </a:lnRef>
+              <a:fillRef idx="1">
+                <a:schemeClr val="accent1"/>
+              </a:fillRef>
+              <a:effectRef idx="0">
+                <a:schemeClr val="accent1"/>
+              </a:effectRef>
+              <a:fontRef idx="minor">
+                <a:schemeClr val="lt1"/>
+              </a:fontRef>
+            </p:style>
+            <p:txBody>
+              <a:bodyPr rtlCol="0" anchor="ctr"/>
+              <a:lstStyle/>
+              <a:p>
+                <a:pPr algn="ctr"/>
+                <a:endParaRPr lang="en-US" sz="1600" dirty="0"/>
+              </a:p>
+            </p:txBody>
+          </p:sp>
+          <p:sp>
+            <p:nvSpPr>
+              <p:cNvPr id="136" name="Oval 135">
+                <a:extLst>
+                  <a:ext uri="{FF2B5EF4-FFF2-40B4-BE49-F238E27FC236}">
+                    <a16:creationId xmlns:a16="http://schemas.microsoft.com/office/drawing/2014/main" id="{F6271D1B-1FAC-4948-B313-1A498DFE285C}"/>
+                  </a:ext>
+                </a:extLst>
+              </p:cNvPr>
+              <p:cNvSpPr/>
+              <p:nvPr/>
+            </p:nvSpPr>
+            <p:spPr>
+              <a:xfrm>
+                <a:off x="3681823" y="3416881"/>
+                <a:ext cx="169333" cy="169333"/>
+              </a:xfrm>
+              <a:prstGeom prst="ellipse">
+                <a:avLst/>
+              </a:prstGeom>
+              <a:solidFill>
+                <a:schemeClr val="accent4">
+                  <a:lumMod val="20000"/>
+                  <a:lumOff val="80000"/>
+                </a:schemeClr>
+              </a:solidFill>
+              <a:ln>
+                <a:solidFill>
+                  <a:srgbClr val="FFC000"/>
+                </a:solidFill>
+              </a:ln>
+            </p:spPr>
+            <p:style>
+              <a:lnRef idx="2">
+                <a:schemeClr val="accent1">
+                  <a:shade val="50000"/>
+                </a:schemeClr>
+              </a:lnRef>
+              <a:fillRef idx="1">
+                <a:schemeClr val="accent1"/>
+              </a:fillRef>
+              <a:effectRef idx="0">
+                <a:schemeClr val="accent1"/>
+              </a:effectRef>
+              <a:fontRef idx="minor">
+                <a:schemeClr val="lt1"/>
+              </a:fontRef>
+            </p:style>
+            <p:txBody>
+              <a:bodyPr rtlCol="0" anchor="ctr"/>
+              <a:lstStyle/>
+              <a:p>
+                <a:pPr algn="ctr"/>
+                <a:endParaRPr lang="en-US" sz="1600" dirty="0"/>
+              </a:p>
+            </p:txBody>
+          </p:sp>
+        </p:grpSp>
+        <p:cxnSp>
+          <p:nvCxnSpPr>
+            <p:cNvPr id="112" name="Straight Arrow Connector 111">
+              <a:extLst>
+                <a:ext uri="{FF2B5EF4-FFF2-40B4-BE49-F238E27FC236}">
+                  <a16:creationId xmlns:a16="http://schemas.microsoft.com/office/drawing/2014/main" id="{ACF80DA1-341E-4055-B8B0-579A29947BAF}"/>
+                </a:ext>
+              </a:extLst>
+            </p:cNvPr>
+            <p:cNvCxnSpPr>
+              <a:cxnSpLocks/>
+              <a:endCxn id="131" idx="3"/>
+            </p:cNvCxnSpPr>
+            <p:nvPr/>
+          </p:nvCxnSpPr>
+          <p:spPr>
+            <a:xfrm flipV="1">
+              <a:off x="3083267" y="2284700"/>
+              <a:ext cx="771573" cy="193474"/>
+            </a:xfrm>
+            <a:prstGeom prst="straightConnector1">
+              <a:avLst/>
+            </a:prstGeom>
+            <a:ln w="25400">
+              <a:solidFill>
+                <a:schemeClr val="accent6">
+                  <a:lumMod val="75000"/>
+                </a:schemeClr>
+              </a:solidFill>
+              <a:prstDash val="dash"/>
+              <a:tailEnd type="triangle"/>
+            </a:ln>
+          </p:spPr>
+          <p:style>
+            <a:lnRef idx="1">
+              <a:schemeClr val="accent1"/>
+            </a:lnRef>
+            <a:fillRef idx="0">
+              <a:schemeClr val="accent1"/>
+            </a:fillRef>
+            <a:effectRef idx="0">
+              <a:schemeClr val="accent1"/>
+            </a:effectRef>
+            <a:fontRef idx="minor">
+              <a:schemeClr val="tx1"/>
+            </a:fontRef>
+          </p:style>
+        </p:cxnSp>
+        <p:cxnSp>
+          <p:nvCxnSpPr>
+            <p:cNvPr id="113" name="Straight Arrow Connector 112">
+              <a:extLst>
+                <a:ext uri="{FF2B5EF4-FFF2-40B4-BE49-F238E27FC236}">
+                  <a16:creationId xmlns:a16="http://schemas.microsoft.com/office/drawing/2014/main" id="{AEEB5CD2-1B0B-46F6-8418-730637B25756}"/>
+                </a:ext>
+              </a:extLst>
+            </p:cNvPr>
+            <p:cNvCxnSpPr>
+              <a:cxnSpLocks/>
+              <a:endCxn id="131" idx="1"/>
+            </p:cNvCxnSpPr>
+            <p:nvPr/>
+          </p:nvCxnSpPr>
+          <p:spPr>
+            <a:xfrm flipV="1">
+              <a:off x="3083267" y="2164963"/>
+              <a:ext cx="771573" cy="168676"/>
+            </a:xfrm>
+            <a:prstGeom prst="straightConnector1">
+              <a:avLst/>
+            </a:prstGeom>
+            <a:ln w="25400">
+              <a:tailEnd type="triangle"/>
+            </a:ln>
+          </p:spPr>
+          <p:style>
+            <a:lnRef idx="1">
+              <a:schemeClr val="accent1"/>
+            </a:lnRef>
+            <a:fillRef idx="0">
+              <a:schemeClr val="accent1"/>
+            </a:fillRef>
+            <a:effectRef idx="0">
+              <a:schemeClr val="accent1"/>
+            </a:effectRef>
+            <a:fontRef idx="minor">
+              <a:schemeClr val="tx1"/>
+            </a:fontRef>
+          </p:style>
+        </p:cxnSp>
+        <p:cxnSp>
+          <p:nvCxnSpPr>
+            <p:cNvPr id="114" name="Straight Arrow Connector 113">
+              <a:extLst>
+                <a:ext uri="{FF2B5EF4-FFF2-40B4-BE49-F238E27FC236}">
+                  <a16:creationId xmlns:a16="http://schemas.microsoft.com/office/drawing/2014/main" id="{D3434AE7-FAA4-41C1-AC6B-30A069205AE9}"/>
+                </a:ext>
+              </a:extLst>
+            </p:cNvPr>
+            <p:cNvCxnSpPr>
+              <a:cxnSpLocks/>
+              <a:stCxn id="135" idx="1"/>
+              <a:endCxn id="131" idx="5"/>
+            </p:cNvCxnSpPr>
+            <p:nvPr/>
+          </p:nvCxnSpPr>
+          <p:spPr>
+            <a:xfrm flipH="1" flipV="1">
+              <a:off x="3974577" y="2284700"/>
+              <a:ext cx="579888" cy="307614"/>
+            </a:xfrm>
+            <a:prstGeom prst="straightConnector1">
+              <a:avLst/>
+            </a:prstGeom>
+            <a:ln w="25400">
+              <a:solidFill>
+                <a:schemeClr val="accent2">
+                  <a:lumMod val="75000"/>
+                </a:schemeClr>
+              </a:solidFill>
+              <a:prstDash val="lgDash"/>
+              <a:headEnd type="triangle"/>
+              <a:tailEnd type="triangle"/>
+            </a:ln>
+          </p:spPr>
+          <p:style>
+            <a:lnRef idx="1">
+              <a:schemeClr val="accent1"/>
+            </a:lnRef>
+            <a:fillRef idx="0">
+              <a:schemeClr val="accent1"/>
+            </a:fillRef>
+            <a:effectRef idx="0">
+              <a:schemeClr val="accent1"/>
+            </a:effectRef>
+            <a:fontRef idx="minor">
+              <a:schemeClr val="tx1"/>
+            </a:fontRef>
+          </p:style>
+        </p:cxnSp>
+        <p:sp>
+          <p:nvSpPr>
+            <p:cNvPr id="115" name="TextBox 114">
+              <a:extLst>
+                <a:ext uri="{FF2B5EF4-FFF2-40B4-BE49-F238E27FC236}">
+                  <a16:creationId xmlns:a16="http://schemas.microsoft.com/office/drawing/2014/main" id="{471D8288-AFE5-41ED-9213-41E3348BA4AB}"/>
+                </a:ext>
+              </a:extLst>
+            </p:cNvPr>
+            <p:cNvSpPr txBox="1"/>
+            <p:nvPr/>
+          </p:nvSpPr>
+          <p:spPr>
+            <a:xfrm>
+              <a:off x="3484940" y="2757561"/>
+              <a:ext cx="709394" cy="338554"/>
+            </a:xfrm>
+            <a:prstGeom prst="rect">
+              <a:avLst/>
+            </a:prstGeom>
+            <a:noFill/>
+          </p:spPr>
+          <p:txBody>
+            <a:bodyPr wrap="square" rtlCol="0">
+              <a:spAutoFit/>
+            </a:bodyPr>
+            <a:lstStyle/>
+            <a:p>
+              <a:r>
+                <a:rPr lang="en-US" sz="1600" dirty="0"/>
+                <a:t>S7</a:t>
+              </a:r>
+            </a:p>
+          </p:txBody>
+        </p:sp>
+        <p:sp>
+          <p:nvSpPr>
+            <p:cNvPr id="116" name="TextBox 115">
+              <a:extLst>
+                <a:ext uri="{FF2B5EF4-FFF2-40B4-BE49-F238E27FC236}">
+                  <a16:creationId xmlns:a16="http://schemas.microsoft.com/office/drawing/2014/main" id="{23E38B88-52A7-417A-B7B4-8BAC5FC2773C}"/>
+                </a:ext>
+              </a:extLst>
+            </p:cNvPr>
+            <p:cNvSpPr txBox="1"/>
+            <p:nvPr/>
+          </p:nvSpPr>
+          <p:spPr>
+            <a:xfrm>
+              <a:off x="2776280" y="2991640"/>
+              <a:ext cx="781662" cy="338554"/>
+            </a:xfrm>
+            <a:prstGeom prst="rect">
+              <a:avLst/>
+            </a:prstGeom>
+            <a:noFill/>
+          </p:spPr>
+          <p:txBody>
+            <a:bodyPr wrap="square" rtlCol="0">
+              <a:spAutoFit/>
+            </a:bodyPr>
+            <a:lstStyle/>
+            <a:p>
+              <a:r>
+                <a:rPr lang="en-US" sz="1600" dirty="0"/>
+                <a:t>S8</a:t>
+              </a:r>
+            </a:p>
+          </p:txBody>
+        </p:sp>
+        <p:cxnSp>
+          <p:nvCxnSpPr>
+            <p:cNvPr id="120" name="Straight Arrow Connector 119">
+              <a:extLst>
+                <a:ext uri="{FF2B5EF4-FFF2-40B4-BE49-F238E27FC236}">
+                  <a16:creationId xmlns:a16="http://schemas.microsoft.com/office/drawing/2014/main" id="{DF6CC658-78C2-4F08-9488-65CA2D631A1F}"/>
+                </a:ext>
+              </a:extLst>
+            </p:cNvPr>
+            <p:cNvCxnSpPr>
+              <a:cxnSpLocks/>
+              <a:stCxn id="131" idx="6"/>
+              <a:endCxn id="135" idx="0"/>
+            </p:cNvCxnSpPr>
+            <p:nvPr/>
+          </p:nvCxnSpPr>
+          <p:spPr>
+            <a:xfrm>
+              <a:off x="3999375" y="2224832"/>
+              <a:ext cx="614959" cy="342684"/>
+            </a:xfrm>
+            <a:prstGeom prst="straightConnector1">
+              <a:avLst/>
+            </a:prstGeom>
+            <a:ln w="25400">
+              <a:tailEnd type="triangle"/>
+            </a:ln>
+          </p:spPr>
+          <p:style>
+            <a:lnRef idx="1">
+              <a:schemeClr val="accent1"/>
+            </a:lnRef>
+            <a:fillRef idx="0">
+              <a:schemeClr val="accent1"/>
+            </a:fillRef>
+            <a:effectRef idx="0">
+              <a:schemeClr val="accent1"/>
+            </a:effectRef>
+            <a:fontRef idx="minor">
+              <a:schemeClr val="tx1"/>
+            </a:fontRef>
+          </p:style>
+        </p:cxnSp>
+        <p:cxnSp>
+          <p:nvCxnSpPr>
+            <p:cNvPr id="121" name="Straight Arrow Connector 120">
+              <a:extLst>
+                <a:ext uri="{FF2B5EF4-FFF2-40B4-BE49-F238E27FC236}">
+                  <a16:creationId xmlns:a16="http://schemas.microsoft.com/office/drawing/2014/main" id="{C306D738-69FB-461D-87C0-9DD3319EE13F}"/>
+                </a:ext>
+              </a:extLst>
+            </p:cNvPr>
+            <p:cNvCxnSpPr>
+              <a:cxnSpLocks/>
+              <a:stCxn id="135" idx="4"/>
+              <a:endCxn id="133" idx="7"/>
+            </p:cNvCxnSpPr>
+            <p:nvPr/>
+          </p:nvCxnSpPr>
+          <p:spPr>
+            <a:xfrm flipH="1">
+              <a:off x="4434478" y="2736849"/>
+              <a:ext cx="179856" cy="561700"/>
+            </a:xfrm>
+            <a:prstGeom prst="straightConnector1">
+              <a:avLst/>
+            </a:prstGeom>
+            <a:ln w="25400">
+              <a:tailEnd type="triangle"/>
+            </a:ln>
+          </p:spPr>
+          <p:style>
+            <a:lnRef idx="1">
+              <a:schemeClr val="accent1"/>
+            </a:lnRef>
+            <a:fillRef idx="0">
+              <a:schemeClr val="accent1"/>
+            </a:fillRef>
+            <a:effectRef idx="0">
+              <a:schemeClr val="accent1"/>
+            </a:effectRef>
+            <a:fontRef idx="minor">
+              <a:schemeClr val="tx1"/>
+            </a:fontRef>
+          </p:style>
+        </p:cxnSp>
+        <p:cxnSp>
+          <p:nvCxnSpPr>
+            <p:cNvPr id="122" name="Straight Arrow Connector 121">
+              <a:extLst>
+                <a:ext uri="{FF2B5EF4-FFF2-40B4-BE49-F238E27FC236}">
+                  <a16:creationId xmlns:a16="http://schemas.microsoft.com/office/drawing/2014/main" id="{67FABA9E-B496-4EE6-B75F-6487F8155276}"/>
+                </a:ext>
+              </a:extLst>
+            </p:cNvPr>
+            <p:cNvCxnSpPr>
+              <a:cxnSpLocks/>
+              <a:stCxn id="135" idx="2"/>
+              <a:endCxn id="132" idx="7"/>
+            </p:cNvCxnSpPr>
+            <p:nvPr/>
+          </p:nvCxnSpPr>
+          <p:spPr>
+            <a:xfrm flipH="1">
+              <a:off x="3735279" y="2652183"/>
+              <a:ext cx="794388" cy="33310"/>
+            </a:xfrm>
+            <a:prstGeom prst="straightConnector1">
+              <a:avLst/>
+            </a:prstGeom>
+            <a:ln w="25400">
+              <a:tailEnd type="triangle"/>
+            </a:ln>
+          </p:spPr>
+          <p:style>
+            <a:lnRef idx="1">
+              <a:schemeClr val="accent1"/>
+            </a:lnRef>
+            <a:fillRef idx="0">
+              <a:schemeClr val="accent1"/>
+            </a:fillRef>
+            <a:effectRef idx="0">
+              <a:schemeClr val="accent1"/>
+            </a:effectRef>
+            <a:fontRef idx="minor">
+              <a:schemeClr val="tx1"/>
+            </a:fontRef>
+          </p:style>
+        </p:cxnSp>
+        <p:cxnSp>
+          <p:nvCxnSpPr>
+            <p:cNvPr id="123" name="Straight Arrow Connector 122">
+              <a:extLst>
+                <a:ext uri="{FF2B5EF4-FFF2-40B4-BE49-F238E27FC236}">
+                  <a16:creationId xmlns:a16="http://schemas.microsoft.com/office/drawing/2014/main" id="{64016C68-9504-4C17-A0FC-238C0DF4073D}"/>
+                </a:ext>
+              </a:extLst>
+            </p:cNvPr>
+            <p:cNvCxnSpPr>
+              <a:cxnSpLocks/>
+              <a:stCxn id="132" idx="1"/>
+              <a:endCxn id="134" idx="7"/>
+            </p:cNvCxnSpPr>
+            <p:nvPr/>
+          </p:nvCxnSpPr>
+          <p:spPr>
+            <a:xfrm flipH="1">
+              <a:off x="3011050" y="2685493"/>
+              <a:ext cx="604492" cy="200698"/>
+            </a:xfrm>
+            <a:prstGeom prst="straightConnector1">
+              <a:avLst/>
+            </a:prstGeom>
+            <a:ln w="25400">
+              <a:tailEnd type="triangle"/>
+            </a:ln>
+          </p:spPr>
+          <p:style>
+            <a:lnRef idx="1">
+              <a:schemeClr val="accent1"/>
+            </a:lnRef>
+            <a:fillRef idx="0">
+              <a:schemeClr val="accent1"/>
+            </a:fillRef>
+            <a:effectRef idx="0">
+              <a:schemeClr val="accent1"/>
+            </a:effectRef>
+            <a:fontRef idx="minor">
+              <a:schemeClr val="tx1"/>
+            </a:fontRef>
+          </p:style>
+        </p:cxnSp>
+        <p:cxnSp>
+          <p:nvCxnSpPr>
+            <p:cNvPr id="124" name="Straight Arrow Connector 123">
+              <a:extLst>
+                <a:ext uri="{FF2B5EF4-FFF2-40B4-BE49-F238E27FC236}">
+                  <a16:creationId xmlns:a16="http://schemas.microsoft.com/office/drawing/2014/main" id="{5AC9FF0D-1014-4963-953D-1B61E03BC713}"/>
+                </a:ext>
+              </a:extLst>
+            </p:cNvPr>
+            <p:cNvCxnSpPr>
+              <a:cxnSpLocks/>
+              <a:stCxn id="131" idx="4"/>
+              <a:endCxn id="135" idx="2"/>
+            </p:cNvCxnSpPr>
+            <p:nvPr/>
+          </p:nvCxnSpPr>
+          <p:spPr>
+            <a:xfrm>
+              <a:off x="3914709" y="2309498"/>
+              <a:ext cx="614958" cy="342685"/>
+            </a:xfrm>
+            <a:prstGeom prst="straightConnector1">
+              <a:avLst/>
+            </a:prstGeom>
+            <a:ln w="25400">
+              <a:solidFill>
+                <a:schemeClr val="accent6">
+                  <a:lumMod val="75000"/>
+                </a:schemeClr>
+              </a:solidFill>
+              <a:prstDash val="dash"/>
+              <a:tailEnd type="triangle"/>
+            </a:ln>
+          </p:spPr>
+          <p:style>
+            <a:lnRef idx="1">
+              <a:schemeClr val="accent1"/>
+            </a:lnRef>
+            <a:fillRef idx="0">
+              <a:schemeClr val="accent1"/>
+            </a:fillRef>
+            <a:effectRef idx="0">
+              <a:schemeClr val="accent1"/>
+            </a:effectRef>
+            <a:fontRef idx="minor">
+              <a:schemeClr val="tx1"/>
+            </a:fontRef>
+          </p:style>
+        </p:cxnSp>
+        <p:cxnSp>
+          <p:nvCxnSpPr>
+            <p:cNvPr id="125" name="Straight Arrow Connector 124">
+              <a:extLst>
+                <a:ext uri="{FF2B5EF4-FFF2-40B4-BE49-F238E27FC236}">
+                  <a16:creationId xmlns:a16="http://schemas.microsoft.com/office/drawing/2014/main" id="{A8A97F33-A188-44ED-867D-74DEEF478583}"/>
+                </a:ext>
+              </a:extLst>
+            </p:cNvPr>
+            <p:cNvCxnSpPr>
+              <a:cxnSpLocks/>
+              <a:stCxn id="135" idx="3"/>
+              <a:endCxn id="132" idx="6"/>
+            </p:cNvCxnSpPr>
+            <p:nvPr/>
+          </p:nvCxnSpPr>
+          <p:spPr>
+            <a:xfrm flipH="1">
+              <a:off x="3760077" y="2712051"/>
+              <a:ext cx="794388" cy="33311"/>
+            </a:xfrm>
+            <a:prstGeom prst="straightConnector1">
+              <a:avLst/>
+            </a:prstGeom>
+            <a:ln w="25400">
+              <a:solidFill>
+                <a:schemeClr val="accent6">
+                  <a:lumMod val="75000"/>
+                </a:schemeClr>
+              </a:solidFill>
+              <a:prstDash val="dash"/>
+              <a:tailEnd type="triangle"/>
+            </a:ln>
+          </p:spPr>
+          <p:style>
+            <a:lnRef idx="1">
+              <a:schemeClr val="accent1"/>
+            </a:lnRef>
+            <a:fillRef idx="0">
+              <a:schemeClr val="accent1"/>
+            </a:fillRef>
+            <a:effectRef idx="0">
+              <a:schemeClr val="accent1"/>
+            </a:effectRef>
+            <a:fontRef idx="minor">
+              <a:schemeClr val="tx1"/>
+            </a:fontRef>
+          </p:style>
+        </p:cxnSp>
+        <p:cxnSp>
+          <p:nvCxnSpPr>
+            <p:cNvPr id="126" name="Straight Arrow Connector 125">
+              <a:extLst>
+                <a:ext uri="{FF2B5EF4-FFF2-40B4-BE49-F238E27FC236}">
+                  <a16:creationId xmlns:a16="http://schemas.microsoft.com/office/drawing/2014/main" id="{56334721-9E68-4FE9-ABBF-E854AF3C07D3}"/>
+                </a:ext>
+              </a:extLst>
+            </p:cNvPr>
+            <p:cNvCxnSpPr>
+              <a:cxnSpLocks/>
+              <a:stCxn id="132" idx="2"/>
+              <a:endCxn id="134" idx="6"/>
+            </p:cNvCxnSpPr>
+            <p:nvPr/>
+          </p:nvCxnSpPr>
+          <p:spPr>
+            <a:xfrm flipH="1">
+              <a:off x="3035848" y="2745362"/>
+              <a:ext cx="554896" cy="200698"/>
+            </a:xfrm>
+            <a:prstGeom prst="straightConnector1">
+              <a:avLst/>
+            </a:prstGeom>
+            <a:ln w="25400">
+              <a:solidFill>
+                <a:schemeClr val="accent6">
+                  <a:lumMod val="75000"/>
+                </a:schemeClr>
+              </a:solidFill>
+              <a:prstDash val="dash"/>
+              <a:tailEnd type="triangle"/>
+            </a:ln>
+          </p:spPr>
+          <p:style>
+            <a:lnRef idx="1">
+              <a:schemeClr val="accent1"/>
+            </a:lnRef>
+            <a:fillRef idx="0">
+              <a:schemeClr val="accent1"/>
+            </a:fillRef>
+            <a:effectRef idx="0">
+              <a:schemeClr val="accent1"/>
+            </a:effectRef>
+            <a:fontRef idx="minor">
+              <a:schemeClr val="tx1"/>
+            </a:fontRef>
+          </p:style>
+        </p:cxnSp>
+        <p:sp>
+          <p:nvSpPr>
+            <p:cNvPr id="127" name="TextBox 126">
+              <a:extLst>
+                <a:ext uri="{FF2B5EF4-FFF2-40B4-BE49-F238E27FC236}">
+                  <a16:creationId xmlns:a16="http://schemas.microsoft.com/office/drawing/2014/main" id="{573B4302-D7C5-4ED3-B8B3-B70B59CA9B6D}"/>
+                </a:ext>
+              </a:extLst>
+            </p:cNvPr>
+            <p:cNvSpPr txBox="1"/>
+            <p:nvPr/>
+          </p:nvSpPr>
+          <p:spPr>
+            <a:xfrm>
+              <a:off x="4213909" y="3378155"/>
+              <a:ext cx="709394" cy="338554"/>
+            </a:xfrm>
+            <a:prstGeom prst="rect">
+              <a:avLst/>
+            </a:prstGeom>
+            <a:noFill/>
+          </p:spPr>
+          <p:txBody>
+            <a:bodyPr wrap="square" rtlCol="0">
+              <a:spAutoFit/>
+            </a:bodyPr>
+            <a:lstStyle/>
+            <a:p>
+              <a:r>
+                <a:rPr lang="en-US" sz="1600" dirty="0"/>
+                <a:t>S10</a:t>
+              </a:r>
+            </a:p>
+          </p:txBody>
+        </p:sp>
+        <p:sp>
+          <p:nvSpPr>
+            <p:cNvPr id="128" name="TextBox 127">
+              <a:extLst>
+                <a:ext uri="{FF2B5EF4-FFF2-40B4-BE49-F238E27FC236}">
+                  <a16:creationId xmlns:a16="http://schemas.microsoft.com/office/drawing/2014/main" id="{B439C1DA-9E35-46EC-9DAA-FF7705943D2F}"/>
+                </a:ext>
+              </a:extLst>
+            </p:cNvPr>
+            <p:cNvSpPr txBox="1"/>
+            <p:nvPr/>
+          </p:nvSpPr>
+          <p:spPr>
+            <a:xfrm>
+              <a:off x="4393685" y="2173644"/>
+              <a:ext cx="709394" cy="338554"/>
+            </a:xfrm>
+            <a:prstGeom prst="rect">
+              <a:avLst/>
+            </a:prstGeom>
+            <a:noFill/>
+          </p:spPr>
+          <p:txBody>
+            <a:bodyPr wrap="square" rtlCol="0">
+              <a:spAutoFit/>
+            </a:bodyPr>
+            <a:lstStyle/>
+            <a:p>
+              <a:r>
+                <a:rPr lang="en-US" sz="1600" dirty="0"/>
+                <a:t>S5</a:t>
+              </a:r>
+            </a:p>
+          </p:txBody>
+        </p:sp>
+        <p:cxnSp>
+          <p:nvCxnSpPr>
+            <p:cNvPr id="129" name="Straight Arrow Connector 128">
+              <a:extLst>
+                <a:ext uri="{FF2B5EF4-FFF2-40B4-BE49-F238E27FC236}">
+                  <a16:creationId xmlns:a16="http://schemas.microsoft.com/office/drawing/2014/main" id="{B05A7B25-977B-4226-B2D4-E33CE84755AD}"/>
+                </a:ext>
+              </a:extLst>
+            </p:cNvPr>
+            <p:cNvCxnSpPr>
+              <a:cxnSpLocks/>
+              <a:stCxn id="133" idx="2"/>
+              <a:endCxn id="136" idx="6"/>
+            </p:cNvCxnSpPr>
+            <p:nvPr/>
+          </p:nvCxnSpPr>
+          <p:spPr>
+            <a:xfrm flipH="1">
+              <a:off x="3851156" y="3358418"/>
+              <a:ext cx="438787" cy="143130"/>
+            </a:xfrm>
+            <a:prstGeom prst="straightConnector1">
+              <a:avLst/>
+            </a:prstGeom>
+            <a:ln w="25400">
+              <a:tailEnd type="triangle"/>
+            </a:ln>
+          </p:spPr>
+          <p:style>
+            <a:lnRef idx="1">
+              <a:schemeClr val="accent1"/>
+            </a:lnRef>
+            <a:fillRef idx="0">
+              <a:schemeClr val="accent1"/>
+            </a:fillRef>
+            <a:effectRef idx="0">
+              <a:schemeClr val="accent1"/>
+            </a:effectRef>
+            <a:fontRef idx="minor">
+              <a:schemeClr val="tx1"/>
+            </a:fontRef>
+          </p:style>
+        </p:cxnSp>
+        <p:sp>
+          <p:nvSpPr>
+            <p:cNvPr id="130" name="TextBox 129">
+              <a:extLst>
+                <a:ext uri="{FF2B5EF4-FFF2-40B4-BE49-F238E27FC236}">
+                  <a16:creationId xmlns:a16="http://schemas.microsoft.com/office/drawing/2014/main" id="{C04D48CF-9780-4418-AA0A-7755222458B5}"/>
+                </a:ext>
+              </a:extLst>
+            </p:cNvPr>
+            <p:cNvSpPr txBox="1"/>
+            <p:nvPr/>
+          </p:nvSpPr>
+          <p:spPr>
+            <a:xfrm>
+              <a:off x="3538826" y="3499247"/>
+              <a:ext cx="709394" cy="338554"/>
+            </a:xfrm>
+            <a:prstGeom prst="rect">
+              <a:avLst/>
+            </a:prstGeom>
+            <a:noFill/>
+          </p:spPr>
+          <p:txBody>
+            <a:bodyPr wrap="square" rtlCol="0">
+              <a:spAutoFit/>
+            </a:bodyPr>
+            <a:lstStyle/>
+            <a:p>
+              <a:r>
+                <a:rPr lang="en-US" sz="1600" dirty="0"/>
+                <a:t>S11</a:t>
+              </a:r>
+            </a:p>
+          </p:txBody>
+        </p:sp>
+        <p:sp>
+          <p:nvSpPr>
+            <p:cNvPr id="137" name="TextBox 136">
+              <a:extLst>
+                <a:ext uri="{FF2B5EF4-FFF2-40B4-BE49-F238E27FC236}">
+                  <a16:creationId xmlns:a16="http://schemas.microsoft.com/office/drawing/2014/main" id="{1258FEBA-A4E3-43AC-A1AD-CE8D7FB9B58F}"/>
+                </a:ext>
+              </a:extLst>
+            </p:cNvPr>
+            <p:cNvSpPr txBox="1"/>
+            <p:nvPr/>
+          </p:nvSpPr>
+          <p:spPr>
+            <a:xfrm>
+              <a:off x="3814245" y="1868495"/>
+              <a:ext cx="709394" cy="338554"/>
+            </a:xfrm>
+            <a:prstGeom prst="rect">
+              <a:avLst/>
+            </a:prstGeom>
+            <a:noFill/>
+          </p:spPr>
+          <p:txBody>
+            <a:bodyPr wrap="square" rtlCol="0">
+              <a:spAutoFit/>
+            </a:bodyPr>
+            <a:lstStyle/>
+            <a:p>
+              <a:r>
+                <a:rPr lang="en-US" sz="1600" dirty="0"/>
+                <a:t>S4</a:t>
+              </a:r>
+            </a:p>
+          </p:txBody>
+        </p:sp>
+      </p:grpSp>
+      <p:cxnSp>
+        <p:nvCxnSpPr>
+          <p:cNvPr id="138" name="Straight Arrow Connector 137">
+            <a:extLst>
+              <a:ext uri="{FF2B5EF4-FFF2-40B4-BE49-F238E27FC236}">
+                <a16:creationId xmlns:a16="http://schemas.microsoft.com/office/drawing/2014/main" id="{BAD85DEE-7139-4242-865D-154B7F23453F}"/>
+              </a:ext>
+            </a:extLst>
+          </p:cNvPr>
+          <p:cNvCxnSpPr/>
+          <p:nvPr/>
+        </p:nvCxnSpPr>
+        <p:spPr>
+          <a:xfrm>
+            <a:off x="3164477" y="2119519"/>
+            <a:ext cx="400594" cy="0"/>
+          </a:xfrm>
+          <a:prstGeom prst="straightConnector1">
+            <a:avLst/>
+          </a:prstGeom>
+          <a:ln>
+            <a:tailEnd type="triangle"/>
+          </a:ln>
+        </p:spPr>
+        <p:style>
+          <a:lnRef idx="1">
+            <a:schemeClr val="accent1"/>
+          </a:lnRef>
+          <a:fillRef idx="0">
+            <a:schemeClr val="accent1"/>
+          </a:fillRef>
+          <a:effectRef idx="0">
+            <a:schemeClr val="accent1"/>
+          </a:effectRef>
+          <a:fontRef idx="minor">
+            <a:schemeClr val="tx1"/>
+          </a:fontRef>
+        </p:style>
+      </p:cxnSp>
+      <p:cxnSp>
+        <p:nvCxnSpPr>
+          <p:cNvPr id="139" name="Straight Arrow Connector 138">
+            <a:extLst>
+              <a:ext uri="{FF2B5EF4-FFF2-40B4-BE49-F238E27FC236}">
+                <a16:creationId xmlns:a16="http://schemas.microsoft.com/office/drawing/2014/main" id="{0CD8A4FF-70D9-4F3D-A8E7-EE68459F0220}"/>
+              </a:ext>
+            </a:extLst>
+          </p:cNvPr>
+          <p:cNvCxnSpPr/>
+          <p:nvPr/>
+        </p:nvCxnSpPr>
+        <p:spPr>
+          <a:xfrm>
+            <a:off x="3161211" y="4893199"/>
+            <a:ext cx="400594" cy="0"/>
+          </a:xfrm>
+          <a:prstGeom prst="straightConnector1">
+            <a:avLst/>
+          </a:prstGeom>
+          <a:ln>
+            <a:tailEnd type="triangle"/>
+          </a:ln>
+        </p:spPr>
+        <p:style>
+          <a:lnRef idx="1">
+            <a:schemeClr val="accent1"/>
+          </a:lnRef>
+          <a:fillRef idx="0">
+            <a:schemeClr val="accent1"/>
+          </a:fillRef>
+          <a:effectRef idx="0">
+            <a:schemeClr val="accent1"/>
+          </a:effectRef>
+          <a:fontRef idx="minor">
+            <a:schemeClr val="tx1"/>
+          </a:fontRef>
+        </p:style>
+      </p:cxnSp>
+      <p:cxnSp>
+        <p:nvCxnSpPr>
+          <p:cNvPr id="142" name="Straight Arrow Connector 141">
+            <a:extLst>
+              <a:ext uri="{FF2B5EF4-FFF2-40B4-BE49-F238E27FC236}">
+                <a16:creationId xmlns:a16="http://schemas.microsoft.com/office/drawing/2014/main" id="{DBE4F18D-26ED-46FD-8498-152C222DE564}"/>
+              </a:ext>
+            </a:extLst>
+          </p:cNvPr>
+          <p:cNvCxnSpPr>
+            <a:cxnSpLocks/>
+          </p:cNvCxnSpPr>
+          <p:nvPr/>
+        </p:nvCxnSpPr>
+        <p:spPr>
+          <a:xfrm>
+            <a:off x="8320860" y="2118542"/>
+            <a:ext cx="400594" cy="0"/>
+          </a:xfrm>
+          <a:prstGeom prst="straightConnector1">
+            <a:avLst/>
+          </a:prstGeom>
+          <a:ln>
+            <a:tailEnd type="triangle"/>
+          </a:ln>
+        </p:spPr>
+        <p:style>
+          <a:lnRef idx="1">
+            <a:schemeClr val="accent1"/>
+          </a:lnRef>
+          <a:fillRef idx="0">
+            <a:schemeClr val="accent1"/>
+          </a:fillRef>
+          <a:effectRef idx="0">
+            <a:schemeClr val="accent1"/>
+          </a:effectRef>
+          <a:fontRef idx="minor">
+            <a:schemeClr val="tx1"/>
+          </a:fontRef>
+        </p:style>
+      </p:cxnSp>
+      <p:cxnSp>
+        <p:nvCxnSpPr>
+          <p:cNvPr id="143" name="Straight Arrow Connector 142">
+            <a:extLst>
+              <a:ext uri="{FF2B5EF4-FFF2-40B4-BE49-F238E27FC236}">
+                <a16:creationId xmlns:a16="http://schemas.microsoft.com/office/drawing/2014/main" id="{32D13B86-CD0E-493F-83DB-1D9031CBB04B}"/>
+              </a:ext>
+            </a:extLst>
+          </p:cNvPr>
+          <p:cNvCxnSpPr>
+            <a:cxnSpLocks/>
+          </p:cNvCxnSpPr>
+          <p:nvPr/>
+        </p:nvCxnSpPr>
+        <p:spPr>
+          <a:xfrm>
+            <a:off x="8317594" y="4892222"/>
+            <a:ext cx="400594" cy="0"/>
+          </a:xfrm>
+          <a:prstGeom prst="straightConnector1">
+            <a:avLst/>
+          </a:prstGeom>
+          <a:ln>
+            <a:tailEnd type="triangle"/>
+          </a:ln>
+        </p:spPr>
+        <p:style>
+          <a:lnRef idx="1">
+            <a:schemeClr val="accent1"/>
+          </a:lnRef>
+          <a:fillRef idx="0">
+            <a:schemeClr val="accent1"/>
+          </a:fillRef>
+          <a:effectRef idx="0">
+            <a:schemeClr val="accent1"/>
+          </a:effectRef>
+          <a:fontRef idx="minor">
+            <a:schemeClr val="tx1"/>
+          </a:fontRef>
+        </p:style>
+      </p:cxnSp>
+      <p:grpSp>
+        <p:nvGrpSpPr>
+          <p:cNvPr id="144" name="Group 143">
+            <a:extLst>
+              <a:ext uri="{FF2B5EF4-FFF2-40B4-BE49-F238E27FC236}">
+                <a16:creationId xmlns:a16="http://schemas.microsoft.com/office/drawing/2014/main" id="{E77F654D-200D-4C99-B513-9F983BC62DF5}"/>
+              </a:ext>
+            </a:extLst>
+          </p:cNvPr>
+          <p:cNvGrpSpPr/>
+          <p:nvPr/>
+        </p:nvGrpSpPr>
+        <p:grpSpPr>
+          <a:xfrm>
+            <a:off x="8599940" y="1230005"/>
+            <a:ext cx="2148715" cy="1323955"/>
+            <a:chOff x="1720840" y="2116182"/>
+            <a:chExt cx="2372940" cy="1395654"/>
+          </a:xfrm>
+        </p:grpSpPr>
+        <p:grpSp>
+          <p:nvGrpSpPr>
+            <p:cNvPr id="145" name="Group 144">
+              <a:extLst>
+                <a:ext uri="{FF2B5EF4-FFF2-40B4-BE49-F238E27FC236}">
+                  <a16:creationId xmlns:a16="http://schemas.microsoft.com/office/drawing/2014/main" id="{3DADC2F0-CBE2-4D96-A662-B9280CFCD7D8}"/>
+                </a:ext>
+              </a:extLst>
+            </p:cNvPr>
+            <p:cNvGrpSpPr/>
+            <p:nvPr/>
+          </p:nvGrpSpPr>
+          <p:grpSpPr>
+            <a:xfrm>
+              <a:off x="1720840" y="2116182"/>
+              <a:ext cx="1887285" cy="1395654"/>
+              <a:chOff x="1720840" y="1447162"/>
+              <a:chExt cx="2872630" cy="2124320"/>
+            </a:xfrm>
+          </p:grpSpPr>
+          <p:sp>
+            <p:nvSpPr>
+              <p:cNvPr id="148" name="Oval 147">
+                <a:extLst>
+                  <a:ext uri="{FF2B5EF4-FFF2-40B4-BE49-F238E27FC236}">
+                    <a16:creationId xmlns:a16="http://schemas.microsoft.com/office/drawing/2014/main" id="{E971C4FE-825E-4160-BA9A-D4FBEB84E5D4}"/>
+                  </a:ext>
+                </a:extLst>
+              </p:cNvPr>
+              <p:cNvSpPr/>
+              <p:nvPr/>
+            </p:nvSpPr>
+            <p:spPr>
+              <a:xfrm>
+                <a:off x="2261130" y="1923313"/>
+                <a:ext cx="161968" cy="169333"/>
+              </a:xfrm>
+              <a:prstGeom prst="ellipse">
+                <a:avLst/>
+              </a:prstGeom>
+              <a:solidFill>
+                <a:schemeClr val="accent4">
+                  <a:lumMod val="20000"/>
+                  <a:lumOff val="80000"/>
+                </a:schemeClr>
+              </a:solidFill>
+              <a:ln>
+                <a:solidFill>
+                  <a:srgbClr val="FFC000"/>
+                </a:solidFill>
+              </a:ln>
+            </p:spPr>
+            <p:style>
+              <a:lnRef idx="2">
+                <a:schemeClr val="accent1">
+                  <a:shade val="50000"/>
+                </a:schemeClr>
+              </a:lnRef>
+              <a:fillRef idx="1">
+                <a:schemeClr val="accent1"/>
+              </a:fillRef>
+              <a:effectRef idx="0">
+                <a:schemeClr val="accent1"/>
+              </a:effectRef>
+              <a:fontRef idx="minor">
+                <a:schemeClr val="lt1"/>
+              </a:fontRef>
+            </p:style>
+            <p:txBody>
+              <a:bodyPr rtlCol="0" anchor="ctr"/>
+              <a:lstStyle/>
+              <a:p>
+                <a:pPr algn="ctr"/>
+                <a:endParaRPr lang="en-US" sz="1600" dirty="0"/>
+              </a:p>
+            </p:txBody>
+          </p:sp>
+          <p:sp>
+            <p:nvSpPr>
+              <p:cNvPr id="149" name="Oval 148">
+                <a:extLst>
+                  <a:ext uri="{FF2B5EF4-FFF2-40B4-BE49-F238E27FC236}">
+                    <a16:creationId xmlns:a16="http://schemas.microsoft.com/office/drawing/2014/main" id="{1C4639C6-920F-470E-8A42-CD624975D442}"/>
+                  </a:ext>
+                </a:extLst>
+              </p:cNvPr>
+              <p:cNvSpPr/>
+              <p:nvPr/>
+            </p:nvSpPr>
+            <p:spPr>
+              <a:xfrm>
+                <a:off x="2902488" y="2576646"/>
+                <a:ext cx="161968" cy="169333"/>
+              </a:xfrm>
+              <a:prstGeom prst="ellipse">
+                <a:avLst/>
+              </a:prstGeom>
+              <a:solidFill>
+                <a:schemeClr val="accent4">
+                  <a:lumMod val="20000"/>
+                  <a:lumOff val="80000"/>
+                </a:schemeClr>
+              </a:solidFill>
+              <a:ln>
+                <a:solidFill>
+                  <a:srgbClr val="FFC000"/>
+                </a:solidFill>
+              </a:ln>
+            </p:spPr>
+            <p:style>
+              <a:lnRef idx="2">
+                <a:schemeClr val="accent1">
+                  <a:shade val="50000"/>
+                </a:schemeClr>
+              </a:lnRef>
+              <a:fillRef idx="1">
+                <a:schemeClr val="accent1"/>
+              </a:fillRef>
+              <a:effectRef idx="0">
+                <a:schemeClr val="accent1"/>
+              </a:effectRef>
+              <a:fontRef idx="minor">
+                <a:schemeClr val="lt1"/>
+              </a:fontRef>
+            </p:style>
+            <p:txBody>
+              <a:bodyPr rtlCol="0" anchor="ctr"/>
+              <a:lstStyle/>
+              <a:p>
+                <a:pPr algn="ctr"/>
+                <a:endParaRPr lang="en-US" sz="1600" dirty="0"/>
+              </a:p>
+            </p:txBody>
+          </p:sp>
+          <p:sp>
+            <p:nvSpPr>
+              <p:cNvPr id="150" name="Oval 149">
+                <a:extLst>
+                  <a:ext uri="{FF2B5EF4-FFF2-40B4-BE49-F238E27FC236}">
+                    <a16:creationId xmlns:a16="http://schemas.microsoft.com/office/drawing/2014/main" id="{AA32584B-71D3-4AB0-BF34-7F2E610978C2}"/>
+                  </a:ext>
+                </a:extLst>
+              </p:cNvPr>
+              <p:cNvSpPr/>
+              <p:nvPr/>
+            </p:nvSpPr>
+            <p:spPr>
+              <a:xfrm>
+                <a:off x="3281529" y="1753980"/>
+                <a:ext cx="161968" cy="169333"/>
+              </a:xfrm>
+              <a:prstGeom prst="ellipse">
+                <a:avLst/>
+              </a:prstGeom>
+              <a:solidFill>
+                <a:schemeClr val="accent4">
+                  <a:lumMod val="20000"/>
+                  <a:lumOff val="80000"/>
+                </a:schemeClr>
+              </a:solidFill>
+              <a:ln>
+                <a:solidFill>
+                  <a:srgbClr val="FFC000"/>
+                </a:solidFill>
+              </a:ln>
+            </p:spPr>
+            <p:style>
+              <a:lnRef idx="2">
+                <a:schemeClr val="accent1">
+                  <a:shade val="50000"/>
+                </a:schemeClr>
+              </a:lnRef>
+              <a:fillRef idx="1">
+                <a:schemeClr val="accent1"/>
+              </a:fillRef>
+              <a:effectRef idx="0">
+                <a:schemeClr val="accent1"/>
+              </a:effectRef>
+              <a:fontRef idx="minor">
+                <a:schemeClr val="lt1"/>
+              </a:fontRef>
+            </p:style>
+            <p:txBody>
+              <a:bodyPr rtlCol="0" anchor="ctr"/>
+              <a:lstStyle/>
+              <a:p>
+                <a:pPr algn="ctr"/>
+                <a:endParaRPr lang="en-US" sz="1600" dirty="0"/>
+              </a:p>
+            </p:txBody>
+          </p:sp>
+          <p:sp>
+            <p:nvSpPr>
+              <p:cNvPr id="151" name="Oval 150">
+                <a:extLst>
+                  <a:ext uri="{FF2B5EF4-FFF2-40B4-BE49-F238E27FC236}">
+                    <a16:creationId xmlns:a16="http://schemas.microsoft.com/office/drawing/2014/main" id="{68C5D581-F371-42D5-A508-D247805A6E98}"/>
+                  </a:ext>
+                </a:extLst>
+              </p:cNvPr>
+              <p:cNvSpPr/>
+              <p:nvPr/>
+            </p:nvSpPr>
+            <p:spPr>
+              <a:xfrm>
+                <a:off x="3909155" y="2858878"/>
+                <a:ext cx="161968" cy="169333"/>
+              </a:xfrm>
+              <a:prstGeom prst="ellipse">
+                <a:avLst/>
+              </a:prstGeom>
+              <a:solidFill>
+                <a:schemeClr val="accent4">
+                  <a:lumMod val="20000"/>
+                  <a:lumOff val="80000"/>
+                </a:schemeClr>
+              </a:solidFill>
+              <a:ln>
+                <a:solidFill>
+                  <a:srgbClr val="FFC000"/>
+                </a:solidFill>
+              </a:ln>
+            </p:spPr>
+            <p:style>
+              <a:lnRef idx="2">
+                <a:schemeClr val="accent1">
+                  <a:shade val="50000"/>
+                </a:schemeClr>
+              </a:lnRef>
+              <a:fillRef idx="1">
+                <a:schemeClr val="accent1"/>
+              </a:fillRef>
+              <a:effectRef idx="0">
+                <a:schemeClr val="accent1"/>
+              </a:effectRef>
+              <a:fontRef idx="minor">
+                <a:schemeClr val="lt1"/>
+              </a:fontRef>
+            </p:style>
+            <p:txBody>
+              <a:bodyPr rtlCol="0" anchor="ctr"/>
+              <a:lstStyle/>
+              <a:p>
+                <a:pPr algn="ctr"/>
+                <a:endParaRPr lang="en-US" sz="1600" dirty="0"/>
+              </a:p>
+            </p:txBody>
+          </p:sp>
+          <p:sp>
+            <p:nvSpPr>
+              <p:cNvPr id="152" name="Oval 151">
+                <a:extLst>
+                  <a:ext uri="{FF2B5EF4-FFF2-40B4-BE49-F238E27FC236}">
+                    <a16:creationId xmlns:a16="http://schemas.microsoft.com/office/drawing/2014/main" id="{74DDF8D0-5FB6-4CF9-9EE8-CC5144A3E0E8}"/>
+                  </a:ext>
+                </a:extLst>
+              </p:cNvPr>
+              <p:cNvSpPr/>
+              <p:nvPr/>
+            </p:nvSpPr>
+            <p:spPr>
+              <a:xfrm>
+                <a:off x="4431502" y="2094762"/>
+                <a:ext cx="161968" cy="169333"/>
+              </a:xfrm>
+              <a:prstGeom prst="ellipse">
+                <a:avLst/>
+              </a:prstGeom>
+              <a:solidFill>
+                <a:schemeClr val="accent2">
+                  <a:lumMod val="40000"/>
+                  <a:lumOff val="60000"/>
+                </a:schemeClr>
+              </a:solidFill>
+              <a:ln>
+                <a:solidFill>
+                  <a:srgbClr val="FF0000"/>
+                </a:solidFill>
+              </a:ln>
+            </p:spPr>
+            <p:style>
+              <a:lnRef idx="2">
+                <a:schemeClr val="accent1">
+                  <a:shade val="50000"/>
+                </a:schemeClr>
+              </a:lnRef>
+              <a:fillRef idx="1">
+                <a:schemeClr val="accent1"/>
+              </a:fillRef>
+              <a:effectRef idx="0">
+                <a:schemeClr val="accent1"/>
+              </a:effectRef>
+              <a:fontRef idx="minor">
+                <a:schemeClr val="lt1"/>
+              </a:fontRef>
+            </p:style>
+            <p:txBody>
+              <a:bodyPr rtlCol="0" anchor="ctr"/>
+              <a:lstStyle/>
+              <a:p>
+                <a:pPr algn="ctr"/>
+                <a:endParaRPr lang="en-US" sz="1600" dirty="0"/>
+              </a:p>
+            </p:txBody>
+          </p:sp>
+          <p:sp>
+            <p:nvSpPr>
+              <p:cNvPr id="153" name="Oval 152">
+                <a:extLst>
+                  <a:ext uri="{FF2B5EF4-FFF2-40B4-BE49-F238E27FC236}">
+                    <a16:creationId xmlns:a16="http://schemas.microsoft.com/office/drawing/2014/main" id="{BC5E10CC-A4E9-43B7-9E54-530037B67BCD}"/>
+                  </a:ext>
+                </a:extLst>
+              </p:cNvPr>
+              <p:cNvSpPr/>
+              <p:nvPr/>
+            </p:nvSpPr>
+            <p:spPr>
+              <a:xfrm>
+                <a:off x="2029700" y="2908776"/>
+                <a:ext cx="161968" cy="169333"/>
+              </a:xfrm>
+              <a:prstGeom prst="ellipse">
+                <a:avLst/>
+              </a:prstGeom>
+              <a:solidFill>
+                <a:schemeClr val="accent4">
+                  <a:lumMod val="20000"/>
+                  <a:lumOff val="80000"/>
+                </a:schemeClr>
+              </a:solidFill>
+              <a:ln>
+                <a:solidFill>
+                  <a:srgbClr val="FFC000"/>
+                </a:solidFill>
+              </a:ln>
+            </p:spPr>
+            <p:style>
+              <a:lnRef idx="2">
+                <a:schemeClr val="accent1">
+                  <a:shade val="50000"/>
+                </a:schemeClr>
+              </a:lnRef>
+              <a:fillRef idx="1">
+                <a:schemeClr val="accent1"/>
+              </a:fillRef>
+              <a:effectRef idx="0">
+                <a:schemeClr val="accent1"/>
+              </a:effectRef>
+              <a:fontRef idx="minor">
+                <a:schemeClr val="lt1"/>
+              </a:fontRef>
+            </p:style>
+            <p:txBody>
+              <a:bodyPr rtlCol="0" anchor="ctr"/>
+              <a:lstStyle/>
+              <a:p>
+                <a:pPr algn="ctr"/>
+                <a:endParaRPr lang="en-US" sz="1600" dirty="0"/>
+              </a:p>
+            </p:txBody>
+          </p:sp>
+          <p:cxnSp>
+            <p:nvCxnSpPr>
+              <p:cNvPr id="154" name="Straight Arrow Connector 153">
+                <a:extLst>
+                  <a:ext uri="{FF2B5EF4-FFF2-40B4-BE49-F238E27FC236}">
+                    <a16:creationId xmlns:a16="http://schemas.microsoft.com/office/drawing/2014/main" id="{EA906BD3-96B4-4087-98C1-B7B2F34AAFCE}"/>
+                  </a:ext>
+                </a:extLst>
+              </p:cNvPr>
+              <p:cNvCxnSpPr>
+                <a:stCxn id="148" idx="6"/>
+                <a:endCxn id="150" idx="2"/>
+              </p:cNvCxnSpPr>
+              <p:nvPr/>
+            </p:nvCxnSpPr>
+            <p:spPr>
+              <a:xfrm flipV="1">
+                <a:off x="2423098" y="1838647"/>
+                <a:ext cx="858431" cy="169333"/>
+              </a:xfrm>
+              <a:prstGeom prst="straightConnector1">
+                <a:avLst/>
+              </a:prstGeom>
+              <a:ln w="25400">
+                <a:tailEnd type="triangle"/>
+              </a:ln>
+            </p:spPr>
+            <p:style>
+              <a:lnRef idx="1">
+                <a:schemeClr val="accent1"/>
+              </a:lnRef>
+              <a:fillRef idx="0">
+                <a:schemeClr val="accent1"/>
+              </a:fillRef>
+              <a:effectRef idx="0">
+                <a:schemeClr val="accent1"/>
+              </a:effectRef>
+              <a:fontRef idx="minor">
+                <a:schemeClr val="tx1"/>
+              </a:fontRef>
+            </p:style>
+          </p:cxnSp>
+          <p:cxnSp>
+            <p:nvCxnSpPr>
+              <p:cNvPr id="155" name="Straight Arrow Connector 154">
+                <a:extLst>
+                  <a:ext uri="{FF2B5EF4-FFF2-40B4-BE49-F238E27FC236}">
+                    <a16:creationId xmlns:a16="http://schemas.microsoft.com/office/drawing/2014/main" id="{E8B4DFA0-FF70-4E8A-A2C6-D773500258F9}"/>
+                  </a:ext>
+                </a:extLst>
+              </p:cNvPr>
+              <p:cNvCxnSpPr>
+                <a:cxnSpLocks/>
+                <a:stCxn id="150" idx="6"/>
+                <a:endCxn id="152" idx="2"/>
+              </p:cNvCxnSpPr>
+              <p:nvPr/>
+            </p:nvCxnSpPr>
+            <p:spPr>
+              <a:xfrm>
+                <a:off x="3443497" y="1838647"/>
+                <a:ext cx="988006" cy="340782"/>
+              </a:xfrm>
+              <a:prstGeom prst="straightConnector1">
+                <a:avLst/>
+              </a:prstGeom>
+              <a:ln w="25400">
+                <a:tailEnd type="triangle"/>
+              </a:ln>
+            </p:spPr>
+            <p:style>
+              <a:lnRef idx="1">
+                <a:schemeClr val="accent1"/>
+              </a:lnRef>
+              <a:fillRef idx="0">
+                <a:schemeClr val="accent1"/>
+              </a:fillRef>
+              <a:effectRef idx="0">
+                <a:schemeClr val="accent1"/>
+              </a:effectRef>
+              <a:fontRef idx="minor">
+                <a:schemeClr val="tx1"/>
+              </a:fontRef>
+            </p:style>
+          </p:cxnSp>
+          <p:cxnSp>
+            <p:nvCxnSpPr>
+              <p:cNvPr id="156" name="Straight Arrow Connector 155">
+                <a:extLst>
+                  <a:ext uri="{FF2B5EF4-FFF2-40B4-BE49-F238E27FC236}">
+                    <a16:creationId xmlns:a16="http://schemas.microsoft.com/office/drawing/2014/main" id="{C05DD4EA-9B67-4ACC-B85B-EEE48B69F24D}"/>
+                  </a:ext>
+                </a:extLst>
+              </p:cNvPr>
+              <p:cNvCxnSpPr>
+                <a:cxnSpLocks/>
+                <a:stCxn id="150" idx="5"/>
+                <a:endCxn id="151" idx="1"/>
+              </p:cNvCxnSpPr>
+              <p:nvPr/>
+            </p:nvCxnSpPr>
+            <p:spPr>
+              <a:xfrm>
+                <a:off x="3419777" y="1898515"/>
+                <a:ext cx="513098" cy="985161"/>
+              </a:xfrm>
+              <a:prstGeom prst="straightConnector1">
+                <a:avLst/>
+              </a:prstGeom>
+              <a:ln w="25400">
+                <a:solidFill>
+                  <a:schemeClr val="accent6">
+                    <a:lumMod val="75000"/>
+                  </a:schemeClr>
+                </a:solidFill>
+                <a:prstDash val="dash"/>
+                <a:tailEnd type="triangle"/>
+              </a:ln>
+            </p:spPr>
+            <p:style>
+              <a:lnRef idx="1">
+                <a:schemeClr val="accent1"/>
+              </a:lnRef>
+              <a:fillRef idx="0">
+                <a:schemeClr val="accent1"/>
+              </a:fillRef>
+              <a:effectRef idx="0">
+                <a:schemeClr val="accent1"/>
+              </a:effectRef>
+              <a:fontRef idx="minor">
+                <a:schemeClr val="tx1"/>
+              </a:fontRef>
+            </p:style>
+          </p:cxnSp>
+          <p:cxnSp>
+            <p:nvCxnSpPr>
+              <p:cNvPr id="157" name="Straight Arrow Connector 156">
+                <a:extLst>
+                  <a:ext uri="{FF2B5EF4-FFF2-40B4-BE49-F238E27FC236}">
+                    <a16:creationId xmlns:a16="http://schemas.microsoft.com/office/drawing/2014/main" id="{DBD2E3CB-3A47-4C70-AC10-B264469AC447}"/>
+                  </a:ext>
+                </a:extLst>
+              </p:cNvPr>
+              <p:cNvCxnSpPr>
+                <a:cxnSpLocks/>
+                <a:stCxn id="148" idx="5"/>
+                <a:endCxn id="149" idx="1"/>
+              </p:cNvCxnSpPr>
+              <p:nvPr/>
+            </p:nvCxnSpPr>
+            <p:spPr>
+              <a:xfrm>
+                <a:off x="2399378" y="2067848"/>
+                <a:ext cx="526829" cy="533596"/>
+              </a:xfrm>
+              <a:prstGeom prst="straightConnector1">
+                <a:avLst/>
+              </a:prstGeom>
+              <a:ln w="25400">
+                <a:solidFill>
+                  <a:schemeClr val="accent6">
+                    <a:lumMod val="75000"/>
+                  </a:schemeClr>
+                </a:solidFill>
+                <a:prstDash val="dash"/>
+                <a:tailEnd type="triangle"/>
+              </a:ln>
+            </p:spPr>
+            <p:style>
+              <a:lnRef idx="1">
+                <a:schemeClr val="accent1"/>
+              </a:lnRef>
+              <a:fillRef idx="0">
+                <a:schemeClr val="accent1"/>
+              </a:fillRef>
+              <a:effectRef idx="0">
+                <a:schemeClr val="accent1"/>
+              </a:effectRef>
+              <a:fontRef idx="minor">
+                <a:schemeClr val="tx1"/>
+              </a:fontRef>
+            </p:style>
+          </p:cxnSp>
+          <p:cxnSp>
+            <p:nvCxnSpPr>
+              <p:cNvPr id="158" name="Straight Arrow Connector 157">
+                <a:extLst>
+                  <a:ext uri="{FF2B5EF4-FFF2-40B4-BE49-F238E27FC236}">
+                    <a16:creationId xmlns:a16="http://schemas.microsoft.com/office/drawing/2014/main" id="{B0AFD79A-8A13-4679-ADA1-ADA3809CF45E}"/>
+                  </a:ext>
+                </a:extLst>
+              </p:cNvPr>
+              <p:cNvCxnSpPr>
+                <a:cxnSpLocks/>
+                <a:endCxn id="148" idx="2"/>
+              </p:cNvCxnSpPr>
+              <p:nvPr/>
+            </p:nvCxnSpPr>
+            <p:spPr>
+              <a:xfrm>
+                <a:off x="1720840" y="1923313"/>
+                <a:ext cx="540290" cy="84667"/>
+              </a:xfrm>
+              <a:prstGeom prst="straightConnector1">
+                <a:avLst/>
+              </a:prstGeom>
+              <a:ln w="25400">
+                <a:tailEnd type="triangle"/>
+              </a:ln>
+            </p:spPr>
+            <p:style>
+              <a:lnRef idx="1">
+                <a:schemeClr val="accent1"/>
+              </a:lnRef>
+              <a:fillRef idx="0">
+                <a:schemeClr val="accent1"/>
+              </a:fillRef>
+              <a:effectRef idx="0">
+                <a:schemeClr val="accent1"/>
+              </a:effectRef>
+              <a:fontRef idx="minor">
+                <a:schemeClr val="tx1"/>
+              </a:fontRef>
+            </p:style>
+          </p:cxnSp>
+          <p:cxnSp>
+            <p:nvCxnSpPr>
+              <p:cNvPr id="159" name="Straight Arrow Connector 158">
+                <a:extLst>
+                  <a:ext uri="{FF2B5EF4-FFF2-40B4-BE49-F238E27FC236}">
+                    <a16:creationId xmlns:a16="http://schemas.microsoft.com/office/drawing/2014/main" id="{F1AC42F7-5F42-4D50-86EE-734CC44E5B26}"/>
+                  </a:ext>
+                </a:extLst>
+              </p:cNvPr>
+              <p:cNvCxnSpPr>
+                <a:cxnSpLocks/>
+                <a:stCxn id="149" idx="3"/>
+                <a:endCxn id="153" idx="5"/>
+              </p:cNvCxnSpPr>
+              <p:nvPr/>
+            </p:nvCxnSpPr>
+            <p:spPr>
+              <a:xfrm flipH="1">
+                <a:off x="2167948" y="2721181"/>
+                <a:ext cx="758259" cy="332130"/>
+              </a:xfrm>
+              <a:prstGeom prst="straightConnector1">
+                <a:avLst/>
+              </a:prstGeom>
+              <a:ln w="25400">
+                <a:solidFill>
+                  <a:schemeClr val="accent6">
+                    <a:lumMod val="75000"/>
+                  </a:schemeClr>
+                </a:solidFill>
+                <a:prstDash val="dash"/>
+                <a:tailEnd type="triangle"/>
+              </a:ln>
+            </p:spPr>
+            <p:style>
+              <a:lnRef idx="1">
+                <a:schemeClr val="accent1"/>
+              </a:lnRef>
+              <a:fillRef idx="0">
+                <a:schemeClr val="accent1"/>
+              </a:fillRef>
+              <a:effectRef idx="0">
+                <a:schemeClr val="accent1"/>
+              </a:effectRef>
+              <a:fontRef idx="minor">
+                <a:schemeClr val="tx1"/>
+              </a:fontRef>
+            </p:style>
+          </p:cxnSp>
+          <p:cxnSp>
+            <p:nvCxnSpPr>
+              <p:cNvPr id="160" name="Straight Arrow Connector 159">
+                <a:extLst>
+                  <a:ext uri="{FF2B5EF4-FFF2-40B4-BE49-F238E27FC236}">
+                    <a16:creationId xmlns:a16="http://schemas.microsoft.com/office/drawing/2014/main" id="{7732F92E-13F5-435C-BCD2-8463AD0D5E4D}"/>
+                  </a:ext>
+                </a:extLst>
+              </p:cNvPr>
+              <p:cNvCxnSpPr>
+                <a:cxnSpLocks/>
+                <a:stCxn id="149" idx="1"/>
+                <a:endCxn id="153" idx="7"/>
+              </p:cNvCxnSpPr>
+              <p:nvPr/>
+            </p:nvCxnSpPr>
+            <p:spPr>
+              <a:xfrm flipH="1">
+                <a:off x="2167948" y="2601444"/>
+                <a:ext cx="758259" cy="332130"/>
+              </a:xfrm>
+              <a:prstGeom prst="straightConnector1">
+                <a:avLst/>
+              </a:prstGeom>
+              <a:ln w="25400">
+                <a:solidFill>
+                  <a:schemeClr val="accent2">
+                    <a:lumMod val="75000"/>
+                  </a:schemeClr>
+                </a:solidFill>
+                <a:prstDash val="lgDash"/>
+                <a:headEnd type="triangle"/>
+                <a:tailEnd type="triangle"/>
+              </a:ln>
+            </p:spPr>
+            <p:style>
+              <a:lnRef idx="1">
+                <a:schemeClr val="accent1"/>
+              </a:lnRef>
+              <a:fillRef idx="0">
+                <a:schemeClr val="accent1"/>
+              </a:fillRef>
+              <a:effectRef idx="0">
+                <a:schemeClr val="accent1"/>
+              </a:effectRef>
+              <a:fontRef idx="minor">
+                <a:schemeClr val="tx1"/>
+              </a:fontRef>
+            </p:style>
+          </p:cxnSp>
+          <p:sp>
+            <p:nvSpPr>
+              <p:cNvPr id="161" name="TextBox 160">
+                <a:extLst>
+                  <a:ext uri="{FF2B5EF4-FFF2-40B4-BE49-F238E27FC236}">
+                    <a16:creationId xmlns:a16="http://schemas.microsoft.com/office/drawing/2014/main" id="{34266989-C878-487E-94B2-EC3CC0AC5E8C}"/>
+                  </a:ext>
+                </a:extLst>
+              </p:cNvPr>
+              <p:cNvSpPr txBox="1"/>
+              <p:nvPr/>
+            </p:nvSpPr>
+            <p:spPr>
+              <a:xfrm>
+                <a:off x="3361073" y="1447162"/>
+                <a:ext cx="796990" cy="543219"/>
+              </a:xfrm>
+              <a:prstGeom prst="rect">
+                <a:avLst/>
+              </a:prstGeom>
+              <a:noFill/>
+            </p:spPr>
+            <p:txBody>
+              <a:bodyPr wrap="square" rtlCol="0">
+                <a:spAutoFit/>
+              </a:bodyPr>
+              <a:lstStyle/>
+              <a:p>
+                <a:r>
+                  <a:rPr lang="en-US" sz="1600" dirty="0"/>
+                  <a:t>P</a:t>
+                </a:r>
+                <a:r>
+                  <a:rPr lang="en-US" sz="1050" dirty="0"/>
+                  <a:t>M2</a:t>
+                </a:r>
+              </a:p>
+            </p:txBody>
+          </p:sp>
+          <p:sp>
+            <p:nvSpPr>
+              <p:cNvPr id="162" name="TextBox 161">
+                <a:extLst>
+                  <a:ext uri="{FF2B5EF4-FFF2-40B4-BE49-F238E27FC236}">
+                    <a16:creationId xmlns:a16="http://schemas.microsoft.com/office/drawing/2014/main" id="{E023C344-A63E-49BD-AAF2-31BE91CE9B05}"/>
+                  </a:ext>
+                </a:extLst>
+              </p:cNvPr>
+              <p:cNvSpPr txBox="1"/>
+              <p:nvPr/>
+            </p:nvSpPr>
+            <p:spPr>
+              <a:xfrm>
+                <a:off x="2185634" y="1517633"/>
+                <a:ext cx="796989" cy="543219"/>
+              </a:xfrm>
+              <a:prstGeom prst="rect">
+                <a:avLst/>
+              </a:prstGeom>
+              <a:noFill/>
+            </p:spPr>
+            <p:txBody>
+              <a:bodyPr wrap="square" rtlCol="0">
+                <a:spAutoFit/>
+              </a:bodyPr>
+              <a:lstStyle/>
+              <a:p>
+                <a:r>
+                  <a:rPr lang="en-US" sz="1600" dirty="0"/>
+                  <a:t>P</a:t>
+                </a:r>
+                <a:r>
+                  <a:rPr lang="en-US" sz="1050" dirty="0"/>
+                  <a:t>M3</a:t>
+                </a:r>
+                <a:endParaRPr lang="en-US" sz="1600" dirty="0"/>
+              </a:p>
+            </p:txBody>
+          </p:sp>
+          <p:sp>
+            <p:nvSpPr>
+              <p:cNvPr id="163" name="TextBox 162">
+                <a:extLst>
+                  <a:ext uri="{FF2B5EF4-FFF2-40B4-BE49-F238E27FC236}">
+                    <a16:creationId xmlns:a16="http://schemas.microsoft.com/office/drawing/2014/main" id="{DA3F1AB0-23A5-403F-8AC2-AA02E93ED35A}"/>
+                  </a:ext>
+                </a:extLst>
+              </p:cNvPr>
+              <p:cNvSpPr txBox="1"/>
+              <p:nvPr/>
+            </p:nvSpPr>
+            <p:spPr>
+              <a:xfrm>
+                <a:off x="2908613" y="2641621"/>
+                <a:ext cx="796990" cy="543219"/>
+              </a:xfrm>
+              <a:prstGeom prst="rect">
+                <a:avLst/>
+              </a:prstGeom>
+              <a:noFill/>
+            </p:spPr>
+            <p:txBody>
+              <a:bodyPr wrap="square" rtlCol="0">
+                <a:spAutoFit/>
+              </a:bodyPr>
+              <a:lstStyle/>
+              <a:p>
+                <a:r>
+                  <a:rPr lang="en-US" sz="1600" dirty="0"/>
+                  <a:t>P</a:t>
+                </a:r>
+                <a:r>
+                  <a:rPr lang="en-US" sz="1050" dirty="0"/>
+                  <a:t>M5</a:t>
+                </a:r>
+              </a:p>
+            </p:txBody>
+          </p:sp>
+          <p:sp>
+            <p:nvSpPr>
+              <p:cNvPr id="164" name="TextBox 163">
+                <a:extLst>
+                  <a:ext uri="{FF2B5EF4-FFF2-40B4-BE49-F238E27FC236}">
+                    <a16:creationId xmlns:a16="http://schemas.microsoft.com/office/drawing/2014/main" id="{528FDF31-B0B5-4357-A0F4-A943577BEA77}"/>
+                  </a:ext>
+                </a:extLst>
+              </p:cNvPr>
+              <p:cNvSpPr txBox="1"/>
+              <p:nvPr/>
+            </p:nvSpPr>
+            <p:spPr>
+              <a:xfrm>
+                <a:off x="1884112" y="3028263"/>
+                <a:ext cx="964619" cy="543219"/>
+              </a:xfrm>
+              <a:prstGeom prst="rect">
+                <a:avLst/>
+              </a:prstGeom>
+              <a:noFill/>
+            </p:spPr>
+            <p:txBody>
+              <a:bodyPr wrap="square" rtlCol="0">
+                <a:spAutoFit/>
+              </a:bodyPr>
+              <a:lstStyle/>
+              <a:p>
+                <a:r>
+                  <a:rPr lang="en-US" sz="1600" dirty="0"/>
+                  <a:t>P</a:t>
+                </a:r>
+                <a:r>
+                  <a:rPr lang="en-US" sz="1050" dirty="0"/>
+                  <a:t>M6</a:t>
+                </a:r>
+              </a:p>
+            </p:txBody>
+          </p:sp>
+        </p:grpSp>
+        <p:sp>
+          <p:nvSpPr>
+            <p:cNvPr id="146" name="TextBox 145">
+              <a:extLst>
+                <a:ext uri="{FF2B5EF4-FFF2-40B4-BE49-F238E27FC236}">
+                  <a16:creationId xmlns:a16="http://schemas.microsoft.com/office/drawing/2014/main" id="{097EAA86-5628-47E8-A7AD-2F42DDCCF4D5}"/>
+                </a:ext>
+              </a:extLst>
+            </p:cNvPr>
+            <p:cNvSpPr txBox="1"/>
+            <p:nvPr/>
+          </p:nvSpPr>
+          <p:spPr>
+            <a:xfrm>
+              <a:off x="3415241" y="2218813"/>
+              <a:ext cx="678539" cy="356888"/>
+            </a:xfrm>
+            <a:prstGeom prst="rect">
+              <a:avLst/>
+            </a:prstGeom>
+            <a:noFill/>
+          </p:spPr>
+          <p:txBody>
+            <a:bodyPr wrap="square" rtlCol="0">
+              <a:spAutoFit/>
+            </a:bodyPr>
+            <a:lstStyle/>
+            <a:p>
+              <a:r>
+                <a:rPr lang="en-US" sz="1600" dirty="0"/>
+                <a:t>P</a:t>
+              </a:r>
+              <a:r>
+                <a:rPr lang="en-US" sz="1050" dirty="0"/>
+                <a:t>M1</a:t>
+              </a:r>
+            </a:p>
+          </p:txBody>
+        </p:sp>
+        <p:sp>
+          <p:nvSpPr>
+            <p:cNvPr id="147" name="TextBox 146">
+              <a:extLst>
+                <a:ext uri="{FF2B5EF4-FFF2-40B4-BE49-F238E27FC236}">
+                  <a16:creationId xmlns:a16="http://schemas.microsoft.com/office/drawing/2014/main" id="{C5BD9452-AC35-401B-AF9F-7FB4F7A57B1C}"/>
+                </a:ext>
+              </a:extLst>
+            </p:cNvPr>
+            <p:cNvSpPr txBox="1"/>
+            <p:nvPr/>
+          </p:nvSpPr>
+          <p:spPr>
+            <a:xfrm>
+              <a:off x="3128789" y="3076446"/>
+              <a:ext cx="678538" cy="356888"/>
+            </a:xfrm>
+            <a:prstGeom prst="rect">
+              <a:avLst/>
+            </a:prstGeom>
+            <a:noFill/>
+          </p:spPr>
+          <p:txBody>
+            <a:bodyPr wrap="square" rtlCol="0">
+              <a:spAutoFit/>
+            </a:bodyPr>
+            <a:lstStyle/>
+            <a:p>
+              <a:r>
+                <a:rPr lang="en-US" sz="1600" dirty="0"/>
+                <a:t>P</a:t>
+              </a:r>
+              <a:r>
+                <a:rPr lang="en-US" sz="1050" dirty="0"/>
+                <a:t>M4</a:t>
+              </a:r>
+            </a:p>
+          </p:txBody>
+        </p:sp>
+      </p:grpSp>
+      <p:grpSp>
+        <p:nvGrpSpPr>
+          <p:cNvPr id="165" name="Group 164">
+            <a:extLst>
+              <a:ext uri="{FF2B5EF4-FFF2-40B4-BE49-F238E27FC236}">
+                <a16:creationId xmlns:a16="http://schemas.microsoft.com/office/drawing/2014/main" id="{4A9776BA-CAB1-490A-B849-6DC3190556A5}"/>
+              </a:ext>
+            </a:extLst>
+          </p:cNvPr>
+          <p:cNvGrpSpPr/>
+          <p:nvPr/>
+        </p:nvGrpSpPr>
+        <p:grpSpPr>
+          <a:xfrm>
+            <a:off x="8858784" y="4084997"/>
+            <a:ext cx="1726793" cy="1567838"/>
+            <a:chOff x="2776280" y="1842827"/>
+            <a:chExt cx="2326799" cy="2112610"/>
+          </a:xfrm>
+        </p:grpSpPr>
+        <p:grpSp>
+          <p:nvGrpSpPr>
+            <p:cNvPr id="166" name="Group 165">
+              <a:extLst>
+                <a:ext uri="{FF2B5EF4-FFF2-40B4-BE49-F238E27FC236}">
+                  <a16:creationId xmlns:a16="http://schemas.microsoft.com/office/drawing/2014/main" id="{E147F2F6-CB81-4616-AF10-78169EE239CC}"/>
+                </a:ext>
+              </a:extLst>
+            </p:cNvPr>
+            <p:cNvGrpSpPr/>
+            <p:nvPr/>
+          </p:nvGrpSpPr>
+          <p:grpSpPr>
+            <a:xfrm>
+              <a:off x="2866515" y="2140165"/>
+              <a:ext cx="1832485" cy="1446049"/>
+              <a:chOff x="2866515" y="2140165"/>
+              <a:chExt cx="1832485" cy="1446049"/>
+            </a:xfrm>
+          </p:grpSpPr>
+          <p:sp>
+            <p:nvSpPr>
+              <p:cNvPr id="184" name="Oval 183">
+                <a:extLst>
+                  <a:ext uri="{FF2B5EF4-FFF2-40B4-BE49-F238E27FC236}">
+                    <a16:creationId xmlns:a16="http://schemas.microsoft.com/office/drawing/2014/main" id="{295270A6-CED7-40C9-A7D1-8B03CD79AA25}"/>
+                  </a:ext>
+                </a:extLst>
+              </p:cNvPr>
+              <p:cNvSpPr/>
+              <p:nvPr/>
+            </p:nvSpPr>
+            <p:spPr>
+              <a:xfrm>
+                <a:off x="3830042" y="2140165"/>
+                <a:ext cx="169333" cy="169333"/>
+              </a:xfrm>
+              <a:prstGeom prst="ellipse">
+                <a:avLst/>
+              </a:prstGeom>
+              <a:solidFill>
+                <a:schemeClr val="accent4">
+                  <a:lumMod val="20000"/>
+                  <a:lumOff val="80000"/>
+                </a:schemeClr>
+              </a:solidFill>
+              <a:ln>
+                <a:solidFill>
+                  <a:srgbClr val="FFC000"/>
+                </a:solidFill>
+              </a:ln>
+            </p:spPr>
+            <p:style>
+              <a:lnRef idx="2">
+                <a:schemeClr val="accent1">
+                  <a:shade val="50000"/>
+                </a:schemeClr>
+              </a:lnRef>
+              <a:fillRef idx="1">
+                <a:schemeClr val="accent1"/>
+              </a:fillRef>
+              <a:effectRef idx="0">
+                <a:schemeClr val="accent1"/>
+              </a:effectRef>
+              <a:fontRef idx="minor">
+                <a:schemeClr val="lt1"/>
+              </a:fontRef>
+            </p:style>
+            <p:txBody>
+              <a:bodyPr rtlCol="0" anchor="ctr"/>
+              <a:lstStyle/>
+              <a:p>
+                <a:pPr algn="ctr"/>
+                <a:endParaRPr lang="en-US" sz="1050" dirty="0"/>
+              </a:p>
+            </p:txBody>
+          </p:sp>
+          <p:sp>
+            <p:nvSpPr>
+              <p:cNvPr id="185" name="Oval 184">
+                <a:extLst>
+                  <a:ext uri="{FF2B5EF4-FFF2-40B4-BE49-F238E27FC236}">
+                    <a16:creationId xmlns:a16="http://schemas.microsoft.com/office/drawing/2014/main" id="{BC940F5C-563D-4890-8EE2-087340AFABC0}"/>
+                  </a:ext>
+                </a:extLst>
+              </p:cNvPr>
+              <p:cNvSpPr/>
+              <p:nvPr/>
+            </p:nvSpPr>
+            <p:spPr>
+              <a:xfrm>
+                <a:off x="3590744" y="2660695"/>
+                <a:ext cx="169333" cy="169333"/>
+              </a:xfrm>
+              <a:prstGeom prst="ellipse">
+                <a:avLst/>
+              </a:prstGeom>
+              <a:solidFill>
+                <a:schemeClr val="accent4">
+                  <a:lumMod val="20000"/>
+                  <a:lumOff val="80000"/>
+                </a:schemeClr>
+              </a:solidFill>
+              <a:ln>
+                <a:solidFill>
+                  <a:srgbClr val="FFC000"/>
+                </a:solidFill>
+              </a:ln>
+            </p:spPr>
+            <p:style>
+              <a:lnRef idx="2">
+                <a:schemeClr val="accent1">
+                  <a:shade val="50000"/>
+                </a:schemeClr>
+              </a:lnRef>
+              <a:fillRef idx="1">
+                <a:schemeClr val="accent1"/>
+              </a:fillRef>
+              <a:effectRef idx="0">
+                <a:schemeClr val="accent1"/>
+              </a:effectRef>
+              <a:fontRef idx="minor">
+                <a:schemeClr val="lt1"/>
+              </a:fontRef>
+            </p:style>
+            <p:txBody>
+              <a:bodyPr rtlCol="0" anchor="ctr"/>
+              <a:lstStyle/>
+              <a:p>
+                <a:pPr algn="ctr"/>
+                <a:endParaRPr lang="en-US" sz="1050" dirty="0"/>
+              </a:p>
+            </p:txBody>
+          </p:sp>
+          <p:sp>
+            <p:nvSpPr>
+              <p:cNvPr id="186" name="Oval 185">
+                <a:extLst>
+                  <a:ext uri="{FF2B5EF4-FFF2-40B4-BE49-F238E27FC236}">
+                    <a16:creationId xmlns:a16="http://schemas.microsoft.com/office/drawing/2014/main" id="{6976D967-DB6A-4564-B846-879AE249698B}"/>
+                  </a:ext>
+                </a:extLst>
+              </p:cNvPr>
+              <p:cNvSpPr/>
+              <p:nvPr/>
+            </p:nvSpPr>
+            <p:spPr>
+              <a:xfrm>
+                <a:off x="4289943" y="3273751"/>
+                <a:ext cx="169333" cy="169333"/>
+              </a:xfrm>
+              <a:prstGeom prst="ellipse">
+                <a:avLst/>
+              </a:prstGeom>
+              <a:solidFill>
+                <a:schemeClr val="accent4">
+                  <a:lumMod val="20000"/>
+                  <a:lumOff val="80000"/>
+                </a:schemeClr>
+              </a:solidFill>
+              <a:ln>
+                <a:solidFill>
+                  <a:srgbClr val="FFC000"/>
+                </a:solidFill>
+              </a:ln>
+            </p:spPr>
+            <p:style>
+              <a:lnRef idx="2">
+                <a:schemeClr val="accent1">
+                  <a:shade val="50000"/>
+                </a:schemeClr>
+              </a:lnRef>
+              <a:fillRef idx="1">
+                <a:schemeClr val="accent1"/>
+              </a:fillRef>
+              <a:effectRef idx="0">
+                <a:schemeClr val="accent1"/>
+              </a:effectRef>
+              <a:fontRef idx="minor">
+                <a:schemeClr val="lt1"/>
+              </a:fontRef>
+            </p:style>
+            <p:txBody>
+              <a:bodyPr rtlCol="0" anchor="ctr"/>
+              <a:lstStyle/>
+              <a:p>
+                <a:pPr algn="ctr"/>
+                <a:endParaRPr lang="en-US" sz="1050" dirty="0"/>
+              </a:p>
+            </p:txBody>
+          </p:sp>
+          <p:sp>
+            <p:nvSpPr>
+              <p:cNvPr id="187" name="Oval 186">
+                <a:extLst>
+                  <a:ext uri="{FF2B5EF4-FFF2-40B4-BE49-F238E27FC236}">
+                    <a16:creationId xmlns:a16="http://schemas.microsoft.com/office/drawing/2014/main" id="{C6E7B77E-FCEB-43BB-BFEB-13AFDF0B146C}"/>
+                  </a:ext>
+                </a:extLst>
+              </p:cNvPr>
+              <p:cNvSpPr/>
+              <p:nvPr/>
+            </p:nvSpPr>
+            <p:spPr>
+              <a:xfrm>
+                <a:off x="2866515" y="2861393"/>
+                <a:ext cx="169333" cy="169333"/>
+              </a:xfrm>
+              <a:prstGeom prst="ellipse">
+                <a:avLst/>
+              </a:prstGeom>
+              <a:solidFill>
+                <a:schemeClr val="accent4">
+                  <a:lumMod val="20000"/>
+                  <a:lumOff val="80000"/>
+                </a:schemeClr>
+              </a:solidFill>
+              <a:ln>
+                <a:solidFill>
+                  <a:srgbClr val="FFC000"/>
+                </a:solidFill>
+              </a:ln>
+            </p:spPr>
+            <p:style>
+              <a:lnRef idx="2">
+                <a:schemeClr val="accent1">
+                  <a:shade val="50000"/>
+                </a:schemeClr>
+              </a:lnRef>
+              <a:fillRef idx="1">
+                <a:schemeClr val="accent1"/>
+              </a:fillRef>
+              <a:effectRef idx="0">
+                <a:schemeClr val="accent1"/>
+              </a:effectRef>
+              <a:fontRef idx="minor">
+                <a:schemeClr val="lt1"/>
+              </a:fontRef>
+            </p:style>
+            <p:txBody>
+              <a:bodyPr rtlCol="0" anchor="ctr"/>
+              <a:lstStyle/>
+              <a:p>
+                <a:pPr algn="ctr"/>
+                <a:endParaRPr lang="en-US" sz="1050" dirty="0"/>
+              </a:p>
+            </p:txBody>
+          </p:sp>
+          <p:sp>
+            <p:nvSpPr>
+              <p:cNvPr id="188" name="Oval 187">
+                <a:extLst>
+                  <a:ext uri="{FF2B5EF4-FFF2-40B4-BE49-F238E27FC236}">
+                    <a16:creationId xmlns:a16="http://schemas.microsoft.com/office/drawing/2014/main" id="{07D7BB5B-2DE2-43F8-8EB1-8F301456FA3C}"/>
+                  </a:ext>
+                </a:extLst>
+              </p:cNvPr>
+              <p:cNvSpPr/>
+              <p:nvPr/>
+            </p:nvSpPr>
+            <p:spPr>
+              <a:xfrm>
+                <a:off x="4529667" y="2567516"/>
+                <a:ext cx="169333" cy="169333"/>
+              </a:xfrm>
+              <a:prstGeom prst="ellipse">
+                <a:avLst/>
+              </a:prstGeom>
+              <a:solidFill>
+                <a:schemeClr val="accent2">
+                  <a:lumMod val="40000"/>
+                  <a:lumOff val="60000"/>
+                </a:schemeClr>
+              </a:solidFill>
+              <a:ln>
+                <a:solidFill>
+                  <a:srgbClr val="FF0000"/>
+                </a:solidFill>
+              </a:ln>
+            </p:spPr>
+            <p:style>
+              <a:lnRef idx="2">
+                <a:schemeClr val="accent1">
+                  <a:shade val="50000"/>
+                </a:schemeClr>
+              </a:lnRef>
+              <a:fillRef idx="1">
+                <a:schemeClr val="accent1"/>
+              </a:fillRef>
+              <a:effectRef idx="0">
+                <a:schemeClr val="accent1"/>
+              </a:effectRef>
+              <a:fontRef idx="minor">
+                <a:schemeClr val="lt1"/>
+              </a:fontRef>
+            </p:style>
+            <p:txBody>
+              <a:bodyPr rtlCol="0" anchor="ctr"/>
+              <a:lstStyle/>
+              <a:p>
+                <a:pPr algn="ctr"/>
+                <a:endParaRPr lang="en-US" sz="1050" dirty="0"/>
+              </a:p>
+            </p:txBody>
+          </p:sp>
+          <p:sp>
+            <p:nvSpPr>
+              <p:cNvPr id="189" name="Oval 188">
+                <a:extLst>
+                  <a:ext uri="{FF2B5EF4-FFF2-40B4-BE49-F238E27FC236}">
+                    <a16:creationId xmlns:a16="http://schemas.microsoft.com/office/drawing/2014/main" id="{394C689C-B4E8-4CCA-809D-61C743F0CC85}"/>
+                  </a:ext>
+                </a:extLst>
+              </p:cNvPr>
+              <p:cNvSpPr/>
+              <p:nvPr/>
+            </p:nvSpPr>
+            <p:spPr>
+              <a:xfrm>
+                <a:off x="3681823" y="3416881"/>
+                <a:ext cx="169333" cy="169333"/>
+              </a:xfrm>
+              <a:prstGeom prst="ellipse">
+                <a:avLst/>
+              </a:prstGeom>
+              <a:solidFill>
+                <a:schemeClr val="accent4">
+                  <a:lumMod val="20000"/>
+                  <a:lumOff val="80000"/>
+                </a:schemeClr>
+              </a:solidFill>
+              <a:ln>
+                <a:solidFill>
+                  <a:srgbClr val="FFC000"/>
+                </a:solidFill>
+              </a:ln>
+            </p:spPr>
+            <p:style>
+              <a:lnRef idx="2">
+                <a:schemeClr val="accent1">
+                  <a:shade val="50000"/>
+                </a:schemeClr>
+              </a:lnRef>
+              <a:fillRef idx="1">
+                <a:schemeClr val="accent1"/>
+              </a:fillRef>
+              <a:effectRef idx="0">
+                <a:schemeClr val="accent1"/>
+              </a:effectRef>
+              <a:fontRef idx="minor">
+                <a:schemeClr val="lt1"/>
+              </a:fontRef>
+            </p:style>
+            <p:txBody>
+              <a:bodyPr rtlCol="0" anchor="ctr"/>
+              <a:lstStyle/>
+              <a:p>
+                <a:pPr algn="ctr"/>
+                <a:endParaRPr lang="en-US" sz="1050" dirty="0"/>
+              </a:p>
+            </p:txBody>
+          </p:sp>
+        </p:grpSp>
+        <p:cxnSp>
+          <p:nvCxnSpPr>
+            <p:cNvPr id="167" name="Straight Arrow Connector 166">
+              <a:extLst>
+                <a:ext uri="{FF2B5EF4-FFF2-40B4-BE49-F238E27FC236}">
+                  <a16:creationId xmlns:a16="http://schemas.microsoft.com/office/drawing/2014/main" id="{DD856A22-7E22-456C-B063-75F7254F3C76}"/>
+                </a:ext>
+              </a:extLst>
+            </p:cNvPr>
+            <p:cNvCxnSpPr>
+              <a:cxnSpLocks/>
+              <a:endCxn id="184" idx="3"/>
+            </p:cNvCxnSpPr>
+            <p:nvPr/>
+          </p:nvCxnSpPr>
+          <p:spPr>
+            <a:xfrm flipV="1">
+              <a:off x="3083267" y="2284700"/>
+              <a:ext cx="771573" cy="193474"/>
+            </a:xfrm>
+            <a:prstGeom prst="straightConnector1">
+              <a:avLst/>
+            </a:prstGeom>
+            <a:ln w="25400">
+              <a:solidFill>
+                <a:schemeClr val="accent6">
+                  <a:lumMod val="75000"/>
+                </a:schemeClr>
+              </a:solidFill>
+              <a:prstDash val="dash"/>
+              <a:tailEnd type="triangle"/>
+            </a:ln>
+          </p:spPr>
+          <p:style>
+            <a:lnRef idx="1">
+              <a:schemeClr val="accent1"/>
+            </a:lnRef>
+            <a:fillRef idx="0">
+              <a:schemeClr val="accent1"/>
+            </a:fillRef>
+            <a:effectRef idx="0">
+              <a:schemeClr val="accent1"/>
+            </a:effectRef>
+            <a:fontRef idx="minor">
+              <a:schemeClr val="tx1"/>
+            </a:fontRef>
+          </p:style>
+        </p:cxnSp>
+        <p:cxnSp>
+          <p:nvCxnSpPr>
+            <p:cNvPr id="168" name="Straight Arrow Connector 167">
+              <a:extLst>
+                <a:ext uri="{FF2B5EF4-FFF2-40B4-BE49-F238E27FC236}">
+                  <a16:creationId xmlns:a16="http://schemas.microsoft.com/office/drawing/2014/main" id="{F4866891-D5EB-42F9-8138-8D429DB66FEC}"/>
+                </a:ext>
+              </a:extLst>
+            </p:cNvPr>
+            <p:cNvCxnSpPr>
+              <a:cxnSpLocks/>
+              <a:endCxn id="184" idx="1"/>
+            </p:cNvCxnSpPr>
+            <p:nvPr/>
+          </p:nvCxnSpPr>
+          <p:spPr>
+            <a:xfrm flipV="1">
+              <a:off x="3083267" y="2164963"/>
+              <a:ext cx="771573" cy="168676"/>
+            </a:xfrm>
+            <a:prstGeom prst="straightConnector1">
+              <a:avLst/>
+            </a:prstGeom>
+            <a:ln w="25400">
+              <a:tailEnd type="triangle"/>
+            </a:ln>
+          </p:spPr>
+          <p:style>
+            <a:lnRef idx="1">
+              <a:schemeClr val="accent1"/>
+            </a:lnRef>
+            <a:fillRef idx="0">
+              <a:schemeClr val="accent1"/>
+            </a:fillRef>
+            <a:effectRef idx="0">
+              <a:schemeClr val="accent1"/>
+            </a:effectRef>
+            <a:fontRef idx="minor">
+              <a:schemeClr val="tx1"/>
+            </a:fontRef>
+          </p:style>
+        </p:cxnSp>
+        <p:cxnSp>
+          <p:nvCxnSpPr>
+            <p:cNvPr id="169" name="Straight Arrow Connector 168">
+              <a:extLst>
+                <a:ext uri="{FF2B5EF4-FFF2-40B4-BE49-F238E27FC236}">
+                  <a16:creationId xmlns:a16="http://schemas.microsoft.com/office/drawing/2014/main" id="{9F20F4A7-53CF-4BB8-A805-672C43F93DA7}"/>
+                </a:ext>
+              </a:extLst>
+            </p:cNvPr>
+            <p:cNvCxnSpPr>
+              <a:cxnSpLocks/>
+              <a:stCxn id="188" idx="1"/>
+              <a:endCxn id="184" idx="5"/>
+            </p:cNvCxnSpPr>
+            <p:nvPr/>
+          </p:nvCxnSpPr>
+          <p:spPr>
+            <a:xfrm flipH="1" flipV="1">
+              <a:off x="3974577" y="2284700"/>
+              <a:ext cx="579888" cy="307614"/>
+            </a:xfrm>
+            <a:prstGeom prst="straightConnector1">
+              <a:avLst/>
+            </a:prstGeom>
+            <a:ln w="25400">
+              <a:solidFill>
+                <a:schemeClr val="accent2">
+                  <a:lumMod val="75000"/>
+                </a:schemeClr>
+              </a:solidFill>
+              <a:prstDash val="lgDash"/>
+              <a:headEnd type="triangle"/>
+              <a:tailEnd type="triangle"/>
+            </a:ln>
+          </p:spPr>
+          <p:style>
+            <a:lnRef idx="1">
+              <a:schemeClr val="accent1"/>
+            </a:lnRef>
+            <a:fillRef idx="0">
+              <a:schemeClr val="accent1"/>
+            </a:fillRef>
+            <a:effectRef idx="0">
+              <a:schemeClr val="accent1"/>
+            </a:effectRef>
+            <a:fontRef idx="minor">
+              <a:schemeClr val="tx1"/>
+            </a:fontRef>
+          </p:style>
+        </p:cxnSp>
+        <p:sp>
+          <p:nvSpPr>
+            <p:cNvPr id="170" name="TextBox 169">
+              <a:extLst>
+                <a:ext uri="{FF2B5EF4-FFF2-40B4-BE49-F238E27FC236}">
+                  <a16:creationId xmlns:a16="http://schemas.microsoft.com/office/drawing/2014/main" id="{D4E33E0B-8667-4086-BC96-7949EBE39EB1}"/>
+                </a:ext>
+              </a:extLst>
+            </p:cNvPr>
+            <p:cNvSpPr txBox="1"/>
+            <p:nvPr/>
+          </p:nvSpPr>
+          <p:spPr>
+            <a:xfrm>
+              <a:off x="3484941" y="2757561"/>
+              <a:ext cx="709394" cy="456190"/>
+            </a:xfrm>
+            <a:prstGeom prst="rect">
+              <a:avLst/>
+            </a:prstGeom>
+            <a:noFill/>
+          </p:spPr>
+          <p:txBody>
+            <a:bodyPr wrap="square" rtlCol="0">
+              <a:spAutoFit/>
+            </a:bodyPr>
+            <a:lstStyle/>
+            <a:p>
+              <a:r>
+                <a:rPr lang="en-US" sz="1600" dirty="0"/>
+                <a:t>P</a:t>
+              </a:r>
+              <a:r>
+                <a:rPr lang="en-US" sz="1050" dirty="0"/>
+                <a:t>S7</a:t>
+              </a:r>
+            </a:p>
+          </p:txBody>
+        </p:sp>
+        <p:sp>
+          <p:nvSpPr>
+            <p:cNvPr id="171" name="TextBox 170">
+              <a:extLst>
+                <a:ext uri="{FF2B5EF4-FFF2-40B4-BE49-F238E27FC236}">
+                  <a16:creationId xmlns:a16="http://schemas.microsoft.com/office/drawing/2014/main" id="{63B62BD8-5CAA-48C1-BCC8-ACD83B909E05}"/>
+                </a:ext>
+              </a:extLst>
+            </p:cNvPr>
+            <p:cNvSpPr txBox="1"/>
+            <p:nvPr/>
+          </p:nvSpPr>
+          <p:spPr>
+            <a:xfrm>
+              <a:off x="2776280" y="2991640"/>
+              <a:ext cx="781662" cy="456190"/>
+            </a:xfrm>
+            <a:prstGeom prst="rect">
+              <a:avLst/>
+            </a:prstGeom>
+            <a:noFill/>
+          </p:spPr>
+          <p:txBody>
+            <a:bodyPr wrap="square" rtlCol="0">
+              <a:spAutoFit/>
+            </a:bodyPr>
+            <a:lstStyle/>
+            <a:p>
+              <a:r>
+                <a:rPr lang="en-US" sz="1600" dirty="0"/>
+                <a:t>P</a:t>
+              </a:r>
+              <a:r>
+                <a:rPr lang="en-US" sz="1050" dirty="0"/>
+                <a:t>S8</a:t>
+              </a:r>
+            </a:p>
+          </p:txBody>
+        </p:sp>
+        <p:cxnSp>
+          <p:nvCxnSpPr>
+            <p:cNvPr id="172" name="Straight Arrow Connector 171">
+              <a:extLst>
+                <a:ext uri="{FF2B5EF4-FFF2-40B4-BE49-F238E27FC236}">
+                  <a16:creationId xmlns:a16="http://schemas.microsoft.com/office/drawing/2014/main" id="{2D3BCBE4-E581-4981-BDCA-59A47A89CB8C}"/>
+                </a:ext>
+              </a:extLst>
+            </p:cNvPr>
+            <p:cNvCxnSpPr>
+              <a:cxnSpLocks/>
+              <a:stCxn id="184" idx="6"/>
+              <a:endCxn id="188" idx="0"/>
+            </p:cNvCxnSpPr>
+            <p:nvPr/>
+          </p:nvCxnSpPr>
+          <p:spPr>
+            <a:xfrm>
+              <a:off x="3999375" y="2224832"/>
+              <a:ext cx="614959" cy="342684"/>
+            </a:xfrm>
+            <a:prstGeom prst="straightConnector1">
+              <a:avLst/>
+            </a:prstGeom>
+            <a:ln w="25400">
+              <a:tailEnd type="triangle"/>
+            </a:ln>
+          </p:spPr>
+          <p:style>
+            <a:lnRef idx="1">
+              <a:schemeClr val="accent1"/>
+            </a:lnRef>
+            <a:fillRef idx="0">
+              <a:schemeClr val="accent1"/>
+            </a:fillRef>
+            <a:effectRef idx="0">
+              <a:schemeClr val="accent1"/>
+            </a:effectRef>
+            <a:fontRef idx="minor">
+              <a:schemeClr val="tx1"/>
+            </a:fontRef>
+          </p:style>
+        </p:cxnSp>
+        <p:cxnSp>
+          <p:nvCxnSpPr>
+            <p:cNvPr id="173" name="Straight Arrow Connector 172">
+              <a:extLst>
+                <a:ext uri="{FF2B5EF4-FFF2-40B4-BE49-F238E27FC236}">
+                  <a16:creationId xmlns:a16="http://schemas.microsoft.com/office/drawing/2014/main" id="{13D567EE-D977-4754-8D76-66B05B58920D}"/>
+                </a:ext>
+              </a:extLst>
+            </p:cNvPr>
+            <p:cNvCxnSpPr>
+              <a:cxnSpLocks/>
+              <a:stCxn id="188" idx="4"/>
+              <a:endCxn id="186" idx="7"/>
+            </p:cNvCxnSpPr>
+            <p:nvPr/>
+          </p:nvCxnSpPr>
+          <p:spPr>
+            <a:xfrm flipH="1">
+              <a:off x="4434478" y="2736849"/>
+              <a:ext cx="179856" cy="561700"/>
+            </a:xfrm>
+            <a:prstGeom prst="straightConnector1">
+              <a:avLst/>
+            </a:prstGeom>
+            <a:ln w="25400">
+              <a:tailEnd type="triangle"/>
+            </a:ln>
+          </p:spPr>
+          <p:style>
+            <a:lnRef idx="1">
+              <a:schemeClr val="accent1"/>
+            </a:lnRef>
+            <a:fillRef idx="0">
+              <a:schemeClr val="accent1"/>
+            </a:fillRef>
+            <a:effectRef idx="0">
+              <a:schemeClr val="accent1"/>
+            </a:effectRef>
+            <a:fontRef idx="minor">
+              <a:schemeClr val="tx1"/>
+            </a:fontRef>
+          </p:style>
+        </p:cxnSp>
+        <p:cxnSp>
+          <p:nvCxnSpPr>
+            <p:cNvPr id="174" name="Straight Arrow Connector 173">
+              <a:extLst>
+                <a:ext uri="{FF2B5EF4-FFF2-40B4-BE49-F238E27FC236}">
+                  <a16:creationId xmlns:a16="http://schemas.microsoft.com/office/drawing/2014/main" id="{D3ED4A5E-CF18-4A93-A1E5-2E04B9541C49}"/>
+                </a:ext>
+              </a:extLst>
+            </p:cNvPr>
+            <p:cNvCxnSpPr>
+              <a:cxnSpLocks/>
+              <a:stCxn id="188" idx="2"/>
+              <a:endCxn id="185" idx="7"/>
+            </p:cNvCxnSpPr>
+            <p:nvPr/>
+          </p:nvCxnSpPr>
+          <p:spPr>
+            <a:xfrm flipH="1">
+              <a:off x="3735279" y="2652183"/>
+              <a:ext cx="794388" cy="33310"/>
+            </a:xfrm>
+            <a:prstGeom prst="straightConnector1">
+              <a:avLst/>
+            </a:prstGeom>
+            <a:ln w="25400">
+              <a:tailEnd type="triangle"/>
+            </a:ln>
+          </p:spPr>
+          <p:style>
+            <a:lnRef idx="1">
+              <a:schemeClr val="accent1"/>
+            </a:lnRef>
+            <a:fillRef idx="0">
+              <a:schemeClr val="accent1"/>
+            </a:fillRef>
+            <a:effectRef idx="0">
+              <a:schemeClr val="accent1"/>
+            </a:effectRef>
+            <a:fontRef idx="minor">
+              <a:schemeClr val="tx1"/>
+            </a:fontRef>
+          </p:style>
+        </p:cxnSp>
+        <p:cxnSp>
+          <p:nvCxnSpPr>
+            <p:cNvPr id="175" name="Straight Arrow Connector 174">
+              <a:extLst>
+                <a:ext uri="{FF2B5EF4-FFF2-40B4-BE49-F238E27FC236}">
+                  <a16:creationId xmlns:a16="http://schemas.microsoft.com/office/drawing/2014/main" id="{BD742AAF-AB3F-40CF-925D-40A53205FC3B}"/>
+                </a:ext>
+              </a:extLst>
+            </p:cNvPr>
+            <p:cNvCxnSpPr>
+              <a:cxnSpLocks/>
+              <a:stCxn id="185" idx="1"/>
+              <a:endCxn id="187" idx="7"/>
+            </p:cNvCxnSpPr>
+            <p:nvPr/>
+          </p:nvCxnSpPr>
+          <p:spPr>
+            <a:xfrm flipH="1">
+              <a:off x="3011050" y="2685493"/>
+              <a:ext cx="604492" cy="200698"/>
+            </a:xfrm>
+            <a:prstGeom prst="straightConnector1">
+              <a:avLst/>
+            </a:prstGeom>
+            <a:ln w="25400">
+              <a:tailEnd type="triangle"/>
+            </a:ln>
+          </p:spPr>
+          <p:style>
+            <a:lnRef idx="1">
+              <a:schemeClr val="accent1"/>
+            </a:lnRef>
+            <a:fillRef idx="0">
+              <a:schemeClr val="accent1"/>
+            </a:fillRef>
+            <a:effectRef idx="0">
+              <a:schemeClr val="accent1"/>
+            </a:effectRef>
+            <a:fontRef idx="minor">
+              <a:schemeClr val="tx1"/>
+            </a:fontRef>
+          </p:style>
+        </p:cxnSp>
+        <p:cxnSp>
+          <p:nvCxnSpPr>
+            <p:cNvPr id="176" name="Straight Arrow Connector 175">
+              <a:extLst>
+                <a:ext uri="{FF2B5EF4-FFF2-40B4-BE49-F238E27FC236}">
+                  <a16:creationId xmlns:a16="http://schemas.microsoft.com/office/drawing/2014/main" id="{12EC1136-6712-4FF5-8E36-9C32470BEF07}"/>
+                </a:ext>
+              </a:extLst>
+            </p:cNvPr>
+            <p:cNvCxnSpPr>
+              <a:cxnSpLocks/>
+              <a:stCxn id="184" idx="4"/>
+              <a:endCxn id="188" idx="2"/>
+            </p:cNvCxnSpPr>
+            <p:nvPr/>
+          </p:nvCxnSpPr>
+          <p:spPr>
+            <a:xfrm>
+              <a:off x="3914709" y="2309498"/>
+              <a:ext cx="614958" cy="342685"/>
+            </a:xfrm>
+            <a:prstGeom prst="straightConnector1">
+              <a:avLst/>
+            </a:prstGeom>
+            <a:ln w="25400">
+              <a:solidFill>
+                <a:schemeClr val="accent6">
+                  <a:lumMod val="75000"/>
+                </a:schemeClr>
+              </a:solidFill>
+              <a:prstDash val="dash"/>
+              <a:tailEnd type="triangle"/>
+            </a:ln>
+          </p:spPr>
+          <p:style>
+            <a:lnRef idx="1">
+              <a:schemeClr val="accent1"/>
+            </a:lnRef>
+            <a:fillRef idx="0">
+              <a:schemeClr val="accent1"/>
+            </a:fillRef>
+            <a:effectRef idx="0">
+              <a:schemeClr val="accent1"/>
+            </a:effectRef>
+            <a:fontRef idx="minor">
+              <a:schemeClr val="tx1"/>
+            </a:fontRef>
+          </p:style>
+        </p:cxnSp>
+        <p:cxnSp>
+          <p:nvCxnSpPr>
+            <p:cNvPr id="177" name="Straight Arrow Connector 176">
+              <a:extLst>
+                <a:ext uri="{FF2B5EF4-FFF2-40B4-BE49-F238E27FC236}">
+                  <a16:creationId xmlns:a16="http://schemas.microsoft.com/office/drawing/2014/main" id="{71356167-4EF5-4FEC-A69E-BF70E33DD327}"/>
+                </a:ext>
+              </a:extLst>
+            </p:cNvPr>
+            <p:cNvCxnSpPr>
+              <a:cxnSpLocks/>
+              <a:stCxn id="188" idx="3"/>
+              <a:endCxn id="185" idx="6"/>
+            </p:cNvCxnSpPr>
+            <p:nvPr/>
+          </p:nvCxnSpPr>
+          <p:spPr>
+            <a:xfrm flipH="1">
+              <a:off x="3760077" y="2712051"/>
+              <a:ext cx="794388" cy="33311"/>
+            </a:xfrm>
+            <a:prstGeom prst="straightConnector1">
+              <a:avLst/>
+            </a:prstGeom>
+            <a:ln w="25400">
+              <a:solidFill>
+                <a:schemeClr val="accent6">
+                  <a:lumMod val="75000"/>
+                </a:schemeClr>
+              </a:solidFill>
+              <a:prstDash val="dash"/>
+              <a:tailEnd type="triangle"/>
+            </a:ln>
+          </p:spPr>
+          <p:style>
+            <a:lnRef idx="1">
+              <a:schemeClr val="accent1"/>
+            </a:lnRef>
+            <a:fillRef idx="0">
+              <a:schemeClr val="accent1"/>
+            </a:fillRef>
+            <a:effectRef idx="0">
+              <a:schemeClr val="accent1"/>
+            </a:effectRef>
+            <a:fontRef idx="minor">
+              <a:schemeClr val="tx1"/>
+            </a:fontRef>
+          </p:style>
+        </p:cxnSp>
+        <p:cxnSp>
+          <p:nvCxnSpPr>
+            <p:cNvPr id="178" name="Straight Arrow Connector 177">
+              <a:extLst>
+                <a:ext uri="{FF2B5EF4-FFF2-40B4-BE49-F238E27FC236}">
+                  <a16:creationId xmlns:a16="http://schemas.microsoft.com/office/drawing/2014/main" id="{03F2D235-1E5D-4D21-8CF6-5B118F49ECA8}"/>
+                </a:ext>
+              </a:extLst>
+            </p:cNvPr>
+            <p:cNvCxnSpPr>
+              <a:cxnSpLocks/>
+              <a:stCxn id="185" idx="2"/>
+              <a:endCxn id="187" idx="6"/>
+            </p:cNvCxnSpPr>
+            <p:nvPr/>
+          </p:nvCxnSpPr>
+          <p:spPr>
+            <a:xfrm flipH="1">
+              <a:off x="3035848" y="2745362"/>
+              <a:ext cx="554896" cy="200698"/>
+            </a:xfrm>
+            <a:prstGeom prst="straightConnector1">
+              <a:avLst/>
+            </a:prstGeom>
+            <a:ln w="25400">
+              <a:solidFill>
+                <a:schemeClr val="accent6">
+                  <a:lumMod val="75000"/>
+                </a:schemeClr>
+              </a:solidFill>
+              <a:prstDash val="dash"/>
+              <a:tailEnd type="triangle"/>
+            </a:ln>
+          </p:spPr>
+          <p:style>
+            <a:lnRef idx="1">
+              <a:schemeClr val="accent1"/>
+            </a:lnRef>
+            <a:fillRef idx="0">
+              <a:schemeClr val="accent1"/>
+            </a:fillRef>
+            <a:effectRef idx="0">
+              <a:schemeClr val="accent1"/>
+            </a:effectRef>
+            <a:fontRef idx="minor">
+              <a:schemeClr val="tx1"/>
+            </a:fontRef>
+          </p:style>
+        </p:cxnSp>
+        <p:sp>
+          <p:nvSpPr>
+            <p:cNvPr id="179" name="TextBox 178">
+              <a:extLst>
+                <a:ext uri="{FF2B5EF4-FFF2-40B4-BE49-F238E27FC236}">
+                  <a16:creationId xmlns:a16="http://schemas.microsoft.com/office/drawing/2014/main" id="{8602746C-CDF4-4354-9DFB-36451FF7EACF}"/>
+                </a:ext>
+              </a:extLst>
+            </p:cNvPr>
+            <p:cNvSpPr txBox="1"/>
+            <p:nvPr/>
+          </p:nvSpPr>
+          <p:spPr>
+            <a:xfrm>
+              <a:off x="4213909" y="3378157"/>
+              <a:ext cx="709394" cy="456190"/>
+            </a:xfrm>
+            <a:prstGeom prst="rect">
+              <a:avLst/>
+            </a:prstGeom>
+            <a:noFill/>
+          </p:spPr>
+          <p:txBody>
+            <a:bodyPr wrap="square" rtlCol="0">
+              <a:spAutoFit/>
+            </a:bodyPr>
+            <a:lstStyle/>
+            <a:p>
+              <a:r>
+                <a:rPr lang="en-US" sz="1600" dirty="0"/>
+                <a:t>P</a:t>
+              </a:r>
+              <a:r>
+                <a:rPr lang="en-US" sz="1050" dirty="0"/>
+                <a:t>S10</a:t>
+              </a:r>
+            </a:p>
+          </p:txBody>
+        </p:sp>
+        <p:sp>
+          <p:nvSpPr>
+            <p:cNvPr id="180" name="TextBox 179">
+              <a:extLst>
+                <a:ext uri="{FF2B5EF4-FFF2-40B4-BE49-F238E27FC236}">
+                  <a16:creationId xmlns:a16="http://schemas.microsoft.com/office/drawing/2014/main" id="{41867B7F-B96B-4391-8E9F-99F36C737288}"/>
+                </a:ext>
+              </a:extLst>
+            </p:cNvPr>
+            <p:cNvSpPr txBox="1"/>
+            <p:nvPr/>
+          </p:nvSpPr>
+          <p:spPr>
+            <a:xfrm>
+              <a:off x="4393685" y="2173644"/>
+              <a:ext cx="709394" cy="456190"/>
+            </a:xfrm>
+            <a:prstGeom prst="rect">
+              <a:avLst/>
+            </a:prstGeom>
+            <a:noFill/>
+          </p:spPr>
+          <p:txBody>
+            <a:bodyPr wrap="square" rtlCol="0">
+              <a:spAutoFit/>
+            </a:bodyPr>
+            <a:lstStyle/>
+            <a:p>
+              <a:r>
+                <a:rPr lang="en-US" sz="1600" dirty="0"/>
+                <a:t>P</a:t>
+              </a:r>
+              <a:r>
+                <a:rPr lang="en-US" sz="1050" dirty="0"/>
+                <a:t>S5</a:t>
+              </a:r>
+            </a:p>
+          </p:txBody>
+        </p:sp>
+        <p:cxnSp>
+          <p:nvCxnSpPr>
+            <p:cNvPr id="181" name="Straight Arrow Connector 180">
+              <a:extLst>
+                <a:ext uri="{FF2B5EF4-FFF2-40B4-BE49-F238E27FC236}">
+                  <a16:creationId xmlns:a16="http://schemas.microsoft.com/office/drawing/2014/main" id="{D520114C-CE7E-4606-B4D1-DB0C5C9EF2FE}"/>
+                </a:ext>
+              </a:extLst>
+            </p:cNvPr>
+            <p:cNvCxnSpPr>
+              <a:cxnSpLocks/>
+              <a:stCxn id="186" idx="2"/>
+              <a:endCxn id="189" idx="6"/>
+            </p:cNvCxnSpPr>
+            <p:nvPr/>
+          </p:nvCxnSpPr>
+          <p:spPr>
+            <a:xfrm flipH="1">
+              <a:off x="3851156" y="3358418"/>
+              <a:ext cx="438787" cy="143130"/>
+            </a:xfrm>
+            <a:prstGeom prst="straightConnector1">
+              <a:avLst/>
+            </a:prstGeom>
+            <a:ln w="25400">
+              <a:tailEnd type="triangle"/>
+            </a:ln>
+          </p:spPr>
+          <p:style>
+            <a:lnRef idx="1">
+              <a:schemeClr val="accent1"/>
+            </a:lnRef>
+            <a:fillRef idx="0">
+              <a:schemeClr val="accent1"/>
+            </a:fillRef>
+            <a:effectRef idx="0">
+              <a:schemeClr val="accent1"/>
+            </a:effectRef>
+            <a:fontRef idx="minor">
+              <a:schemeClr val="tx1"/>
+            </a:fontRef>
+          </p:style>
+        </p:cxnSp>
+        <p:sp>
+          <p:nvSpPr>
+            <p:cNvPr id="182" name="TextBox 181">
+              <a:extLst>
+                <a:ext uri="{FF2B5EF4-FFF2-40B4-BE49-F238E27FC236}">
+                  <a16:creationId xmlns:a16="http://schemas.microsoft.com/office/drawing/2014/main" id="{8C7B286F-9E15-4E18-A8B8-97721F44BD62}"/>
+                </a:ext>
+              </a:extLst>
+            </p:cNvPr>
+            <p:cNvSpPr txBox="1"/>
+            <p:nvPr/>
+          </p:nvSpPr>
+          <p:spPr>
+            <a:xfrm>
+              <a:off x="3538826" y="3499247"/>
+              <a:ext cx="709394" cy="456190"/>
+            </a:xfrm>
+            <a:prstGeom prst="rect">
+              <a:avLst/>
+            </a:prstGeom>
+            <a:noFill/>
+          </p:spPr>
+          <p:txBody>
+            <a:bodyPr wrap="square" rtlCol="0">
+              <a:spAutoFit/>
+            </a:bodyPr>
+            <a:lstStyle/>
+            <a:p>
+              <a:r>
+                <a:rPr lang="en-US" sz="1600" dirty="0"/>
+                <a:t>P</a:t>
+              </a:r>
+              <a:r>
+                <a:rPr lang="en-US" sz="1050" dirty="0"/>
+                <a:t>S11</a:t>
+              </a:r>
+            </a:p>
+          </p:txBody>
+        </p:sp>
+        <p:sp>
+          <p:nvSpPr>
+            <p:cNvPr id="183" name="TextBox 182">
+              <a:extLst>
+                <a:ext uri="{FF2B5EF4-FFF2-40B4-BE49-F238E27FC236}">
+                  <a16:creationId xmlns:a16="http://schemas.microsoft.com/office/drawing/2014/main" id="{C93FC49B-9A8C-4C61-BFF9-4728C4072D03}"/>
+                </a:ext>
+              </a:extLst>
+            </p:cNvPr>
+            <p:cNvSpPr txBox="1"/>
+            <p:nvPr/>
+          </p:nvSpPr>
+          <p:spPr>
+            <a:xfrm>
+              <a:off x="3848470" y="1842827"/>
+              <a:ext cx="709394" cy="456190"/>
+            </a:xfrm>
+            <a:prstGeom prst="rect">
+              <a:avLst/>
+            </a:prstGeom>
+            <a:noFill/>
+          </p:spPr>
+          <p:txBody>
+            <a:bodyPr wrap="square" rtlCol="0">
+              <a:spAutoFit/>
+            </a:bodyPr>
+            <a:lstStyle/>
+            <a:p>
+              <a:r>
+                <a:rPr lang="en-US" sz="1600" dirty="0"/>
+                <a:t>P</a:t>
+              </a:r>
+              <a:r>
+                <a:rPr lang="en-US" sz="1050" dirty="0"/>
+                <a:t>S4</a:t>
+              </a:r>
+            </a:p>
+          </p:txBody>
+        </p:sp>
+      </p:grpSp>
+      <p:sp>
+        <p:nvSpPr>
+          <p:cNvPr id="190" name="Rectangle 189">
+            <a:extLst>
+              <a:ext uri="{FF2B5EF4-FFF2-40B4-BE49-F238E27FC236}">
+                <a16:creationId xmlns:a16="http://schemas.microsoft.com/office/drawing/2014/main" id="{98D36F5F-E1E9-45F1-98EB-3AC670D0F4BE}"/>
+              </a:ext>
+            </a:extLst>
+          </p:cNvPr>
+          <p:cNvSpPr/>
+          <p:nvPr/>
+        </p:nvSpPr>
+        <p:spPr>
+          <a:xfrm>
+            <a:off x="1036320" y="944880"/>
+            <a:ext cx="9603047" cy="2105903"/>
+          </a:xfrm>
+          <a:prstGeom prst="rect">
+            <a:avLst/>
+          </a:prstGeom>
+          <a:noFill/>
+          <a:ln>
+            <a:solidFill>
+              <a:schemeClr val="tx1"/>
+            </a:solidFill>
+            <a:prstDash val="lgDash"/>
+          </a:ln>
+        </p:spPr>
+        <p:style>
+          <a:lnRef idx="2">
+            <a:schemeClr val="accent1">
+              <a:shade val="50000"/>
+            </a:schemeClr>
+          </a:lnRef>
+          <a:fillRef idx="1">
+            <a:schemeClr val="accent1"/>
+          </a:fillRef>
+          <a:effectRef idx="0">
+            <a:schemeClr val="accent1"/>
+          </a:effectRef>
+          <a:fontRef idx="minor">
+            <a:schemeClr val="lt1"/>
+          </a:fontRef>
+        </p:style>
+        <p:txBody>
+          <a:bodyPr rtlCol="0" anchor="ctr"/>
+          <a:lstStyle/>
+          <a:p>
+            <a:pPr algn="ctr"/>
+            <a:endParaRPr lang="en-US"/>
+          </a:p>
+        </p:txBody>
+      </p:sp>
+      <p:sp>
+        <p:nvSpPr>
+          <p:cNvPr id="191" name="Rectangle 190">
+            <a:extLst>
+              <a:ext uri="{FF2B5EF4-FFF2-40B4-BE49-F238E27FC236}">
+                <a16:creationId xmlns:a16="http://schemas.microsoft.com/office/drawing/2014/main" id="{46EC523F-38E0-4358-AD1D-5AA6BFE368A8}"/>
+              </a:ext>
+            </a:extLst>
+          </p:cNvPr>
+          <p:cNvSpPr/>
+          <p:nvPr/>
+        </p:nvSpPr>
+        <p:spPr>
+          <a:xfrm>
+            <a:off x="1023729" y="3939095"/>
+            <a:ext cx="9603047" cy="2105903"/>
+          </a:xfrm>
+          <a:prstGeom prst="rect">
+            <a:avLst/>
+          </a:prstGeom>
+          <a:noFill/>
+          <a:ln>
+            <a:solidFill>
+              <a:schemeClr val="tx1"/>
+            </a:solidFill>
+            <a:prstDash val="lgDash"/>
+          </a:ln>
+        </p:spPr>
+        <p:style>
+          <a:lnRef idx="2">
+            <a:schemeClr val="accent1">
+              <a:shade val="50000"/>
+            </a:schemeClr>
+          </a:lnRef>
+          <a:fillRef idx="1">
+            <a:schemeClr val="accent1"/>
+          </a:fillRef>
+          <a:effectRef idx="0">
+            <a:schemeClr val="accent1"/>
+          </a:effectRef>
+          <a:fontRef idx="minor">
+            <a:schemeClr val="lt1"/>
+          </a:fontRef>
+        </p:style>
+        <p:txBody>
+          <a:bodyPr rtlCol="0" anchor="ctr"/>
+          <a:lstStyle/>
+          <a:p>
+            <a:pPr algn="ctr"/>
+            <a:endParaRPr lang="en-US"/>
+          </a:p>
+        </p:txBody>
+      </p:sp>
+      <p:sp>
+        <p:nvSpPr>
+          <p:cNvPr id="192" name="TextBox 191">
+            <a:extLst>
+              <a:ext uri="{FF2B5EF4-FFF2-40B4-BE49-F238E27FC236}">
+                <a16:creationId xmlns:a16="http://schemas.microsoft.com/office/drawing/2014/main" id="{2DDD20BD-C08B-4552-BE50-4C4914ADFFAB}"/>
+              </a:ext>
+            </a:extLst>
+          </p:cNvPr>
+          <p:cNvSpPr txBox="1"/>
+          <p:nvPr/>
+        </p:nvSpPr>
+        <p:spPr>
+          <a:xfrm>
+            <a:off x="951773" y="2631982"/>
+            <a:ext cx="1724028" cy="491160"/>
+          </a:xfrm>
+          <a:prstGeom prst="rect">
+            <a:avLst/>
+          </a:prstGeom>
+          <a:noFill/>
+        </p:spPr>
+        <p:txBody>
+          <a:bodyPr wrap="square" rtlCol="0">
+            <a:spAutoFit/>
+          </a:bodyPr>
+          <a:lstStyle/>
+          <a:p>
+            <a:pPr algn="ctr">
+              <a:lnSpc>
+                <a:spcPct val="80000"/>
+              </a:lnSpc>
+            </a:pPr>
+            <a:r>
+              <a:rPr lang="en-US" sz="1600" dirty="0"/>
+              <a:t>Method-level Fault Localization</a:t>
+            </a:r>
+          </a:p>
+        </p:txBody>
+      </p:sp>
+      <p:sp>
+        <p:nvSpPr>
+          <p:cNvPr id="193" name="TextBox 192">
+            <a:extLst>
+              <a:ext uri="{FF2B5EF4-FFF2-40B4-BE49-F238E27FC236}">
+                <a16:creationId xmlns:a16="http://schemas.microsoft.com/office/drawing/2014/main" id="{24DC5869-AC85-49C7-8FB5-487E90D816A7}"/>
+              </a:ext>
+            </a:extLst>
+          </p:cNvPr>
+          <p:cNvSpPr txBox="1"/>
+          <p:nvPr/>
+        </p:nvSpPr>
+        <p:spPr>
+          <a:xfrm>
+            <a:off x="891273" y="5619010"/>
+            <a:ext cx="1724028" cy="491160"/>
+          </a:xfrm>
+          <a:prstGeom prst="rect">
+            <a:avLst/>
+          </a:prstGeom>
+          <a:noFill/>
+        </p:spPr>
+        <p:txBody>
+          <a:bodyPr wrap="square" rtlCol="0">
+            <a:spAutoFit/>
+          </a:bodyPr>
+          <a:lstStyle/>
+          <a:p>
+            <a:pPr algn="ctr">
+              <a:lnSpc>
+                <a:spcPct val="80000"/>
+              </a:lnSpc>
+            </a:pPr>
+            <a:r>
+              <a:rPr lang="en-US" sz="1600" dirty="0"/>
+              <a:t>Statement-level Fault Localization</a:t>
+            </a:r>
+          </a:p>
+        </p:txBody>
+      </p:sp>
+    </p:spTree>
+    <p:extLst>
+      <p:ext uri="{BB962C8B-B14F-4D97-AF65-F5344CB8AC3E}">
+        <p14:creationId xmlns:p14="http://schemas.microsoft.com/office/powerpoint/2010/main" val="2190628187"/>
       </p:ext>
     </p:extLst>
   </p:cSld>
